--- a/PLPTH813Bioinformatis/2021/labs/lab10_assembly.pptx
+++ b/PLPTH813Bioinformatis/2021/labs/lab10_assembly.pptx
@@ -5,7 +5,7 @@
     <p:sldMasterId id="2147483648" r:id="rId1"/>
   </p:sldMasterIdLst>
   <p:notesMasterIdLst>
-    <p:notesMasterId r:id="rId31"/>
+    <p:notesMasterId r:id="rId30"/>
   </p:notesMasterIdLst>
   <p:sldIdLst>
     <p:sldId id="256" r:id="rId2"/>
@@ -36,7 +36,6 @@
     <p:sldId id="315" r:id="rId27"/>
     <p:sldId id="331" r:id="rId28"/>
     <p:sldId id="332" r:id="rId29"/>
-    <p:sldId id="333" r:id="rId30"/>
   </p:sldIdLst>
   <p:sldSz cx="9144000" cy="6858000" type="screen4x3"/>
   <p:notesSz cx="6858000" cy="9144000"/>
@@ -236,7 +235,7 @@
           <a:p>
             <a:fld id="{08E6E0A8-E17C-C949-B17E-7A1A6494483A}" type="datetimeFigureOut">
               <a:rPr lang="en-US" smtClean="0"/>
-              <a:t>4/4/21</a:t>
+              <a:t>4/14/21</a:t>
             </a:fld>
             <a:endParaRPr lang="en-US"/>
           </a:p>
@@ -966,7 +965,7 @@
           <a:p>
             <a:fld id="{42B8B0BE-C8D7-EB48-AD68-71DB5002F24B}" type="datetimeFigureOut">
               <a:rPr lang="en-US" smtClean="0"/>
-              <a:t>4/4/21</a:t>
+              <a:t>4/14/21</a:t>
             </a:fld>
             <a:endParaRPr lang="en-US"/>
           </a:p>
@@ -1134,7 +1133,7 @@
           <a:p>
             <a:fld id="{42B8B0BE-C8D7-EB48-AD68-71DB5002F24B}" type="datetimeFigureOut">
               <a:rPr lang="en-US" smtClean="0"/>
-              <a:t>4/4/21</a:t>
+              <a:t>4/14/21</a:t>
             </a:fld>
             <a:endParaRPr lang="en-US"/>
           </a:p>
@@ -1312,7 +1311,7 @@
           <a:p>
             <a:fld id="{42B8B0BE-C8D7-EB48-AD68-71DB5002F24B}" type="datetimeFigureOut">
               <a:rPr lang="en-US" smtClean="0"/>
-              <a:t>4/4/21</a:t>
+              <a:t>4/14/21</a:t>
             </a:fld>
             <a:endParaRPr lang="en-US"/>
           </a:p>
@@ -1480,7 +1479,7 @@
           <a:p>
             <a:fld id="{42B8B0BE-C8D7-EB48-AD68-71DB5002F24B}" type="datetimeFigureOut">
               <a:rPr lang="en-US" smtClean="0"/>
-              <a:t>4/4/21</a:t>
+              <a:t>4/14/21</a:t>
             </a:fld>
             <a:endParaRPr lang="en-US"/>
           </a:p>
@@ -1725,7 +1724,7 @@
           <a:p>
             <a:fld id="{42B8B0BE-C8D7-EB48-AD68-71DB5002F24B}" type="datetimeFigureOut">
               <a:rPr lang="en-US" smtClean="0"/>
-              <a:t>4/4/21</a:t>
+              <a:t>4/14/21</a:t>
             </a:fld>
             <a:endParaRPr lang="en-US"/>
           </a:p>
@@ -2010,7 +2009,7 @@
           <a:p>
             <a:fld id="{42B8B0BE-C8D7-EB48-AD68-71DB5002F24B}" type="datetimeFigureOut">
               <a:rPr lang="en-US" smtClean="0"/>
-              <a:t>4/4/21</a:t>
+              <a:t>4/14/21</a:t>
             </a:fld>
             <a:endParaRPr lang="en-US"/>
           </a:p>
@@ -2429,7 +2428,7 @@
           <a:p>
             <a:fld id="{42B8B0BE-C8D7-EB48-AD68-71DB5002F24B}" type="datetimeFigureOut">
               <a:rPr lang="en-US" smtClean="0"/>
-              <a:t>4/4/21</a:t>
+              <a:t>4/14/21</a:t>
             </a:fld>
             <a:endParaRPr lang="en-US"/>
           </a:p>
@@ -2546,7 +2545,7 @@
           <a:p>
             <a:fld id="{42B8B0BE-C8D7-EB48-AD68-71DB5002F24B}" type="datetimeFigureOut">
               <a:rPr lang="en-US" smtClean="0"/>
-              <a:t>4/4/21</a:t>
+              <a:t>4/14/21</a:t>
             </a:fld>
             <a:endParaRPr lang="en-US"/>
           </a:p>
@@ -2641,7 +2640,7 @@
           <a:p>
             <a:fld id="{42B8B0BE-C8D7-EB48-AD68-71DB5002F24B}" type="datetimeFigureOut">
               <a:rPr lang="en-US" smtClean="0"/>
-              <a:t>4/4/21</a:t>
+              <a:t>4/14/21</a:t>
             </a:fld>
             <a:endParaRPr lang="en-US"/>
           </a:p>
@@ -2916,7 +2915,7 @@
           <a:p>
             <a:fld id="{42B8B0BE-C8D7-EB48-AD68-71DB5002F24B}" type="datetimeFigureOut">
               <a:rPr lang="en-US" smtClean="0"/>
-              <a:t>4/4/21</a:t>
+              <a:t>4/14/21</a:t>
             </a:fld>
             <a:endParaRPr lang="en-US"/>
           </a:p>
@@ -3168,7 +3167,7 @@
           <a:p>
             <a:fld id="{42B8B0BE-C8D7-EB48-AD68-71DB5002F24B}" type="datetimeFigureOut">
               <a:rPr lang="en-US" smtClean="0"/>
-              <a:t>4/4/21</a:t>
+              <a:t>4/14/21</a:t>
             </a:fld>
             <a:endParaRPr lang="en-US"/>
           </a:p>
@@ -3379,7 +3378,7 @@
           <a:p>
             <a:fld id="{42B8B0BE-C8D7-EB48-AD68-71DB5002F24B}" type="datetimeFigureOut">
               <a:rPr lang="en-US" smtClean="0"/>
-              <a:t>4/4/21</a:t>
+              <a:t>4/14/21</a:t>
             </a:fld>
             <a:endParaRPr lang="en-US"/>
           </a:p>
@@ -3826,7 +3825,7 @@
           <a:p>
             <a:r>
               <a:rPr lang="en-US" sz="2800" dirty="0"/>
-              <a:t>4/8/2021</a:t>
+              <a:t>4/15/2021</a:t>
             </a:r>
           </a:p>
         </p:txBody>
@@ -5233,11 +5232,13 @@
           </a:xfrm>
         </p:spPr>
         <p:txBody>
-          <a:bodyPr/>
+          <a:bodyPr>
+            <a:noAutofit/>
+          </a:bodyPr>
           <a:lstStyle/>
           <a:p>
             <a:r>
-              <a:rPr lang="en-US" dirty="0"/>
+              <a:rPr lang="en-US" sz="3200" dirty="0"/>
               <a:t>New sample sequencing data</a:t>
             </a:r>
           </a:p>
@@ -5657,7 +5658,7 @@
         </p:spPr>
         <p:txBody>
           <a:bodyPr>
-            <a:normAutofit lnSpcReduction="10000"/>
+            <a:normAutofit fontScale="92500" lnSpcReduction="10000"/>
           </a:bodyPr>
           <a:lstStyle/>
           <a:p>
@@ -7362,7 +7363,7 @@
         </p:nvSpPr>
         <p:spPr>
           <a:xfrm>
-            <a:off x="247874" y="1110634"/>
+            <a:off x="300119" y="1148734"/>
             <a:ext cx="8543761" cy="5159537"/>
           </a:xfrm>
         </p:spPr>
@@ -7513,20 +7514,20 @@
             </a:pPr>
             <a:r>
               <a:rPr lang="en-US" sz="2000" dirty="0">
-                <a:latin typeface="Courier"/>
+                <a:latin typeface="Courier" pitchFamily="2" charset="0"/>
                 <a:cs typeface="Courier"/>
               </a:rPr>
               <a:t># run </a:t>
             </a:r>
             <a:r>
               <a:rPr lang="en-US" sz="2000" dirty="0" err="1">
-                <a:latin typeface="Courier"/>
+                <a:latin typeface="Courier" pitchFamily="2" charset="0"/>
                 <a:cs typeface="Courier"/>
               </a:rPr>
               <a:t>canu</a:t>
             </a:r>
             <a:endParaRPr lang="en-US" sz="2000" dirty="0">
-              <a:latin typeface="Courier"/>
+              <a:latin typeface="Courier" pitchFamily="2" charset="0"/>
               <a:cs typeface="Courier"/>
             </a:endParaRPr>
           </a:p>
@@ -7535,18 +7536,71 @@
               <a:buNone/>
             </a:pPr>
             <a:r>
+              <a:rPr lang="en-US" sz="1800" dirty="0" err="1">
+                <a:latin typeface="Courier" pitchFamily="2" charset="0"/>
+              </a:rPr>
+              <a:t>canu</a:t>
+            </a:r>
+            <a:r>
+              <a:rPr lang="en-US" sz="1800" dirty="0">
+                <a:latin typeface="Courier" pitchFamily="2" charset="0"/>
+              </a:rPr>
+              <a:t>=/homes/liu3zhen/software/</a:t>
+            </a:r>
+            <a:r>
+              <a:rPr lang="en-US" sz="1800" dirty="0" err="1">
+                <a:latin typeface="Courier" pitchFamily="2" charset="0"/>
+              </a:rPr>
+              <a:t>canu</a:t>
+            </a:r>
+            <a:r>
+              <a:rPr lang="en-US" sz="1800" dirty="0">
+                <a:latin typeface="Courier" pitchFamily="2" charset="0"/>
+              </a:rPr>
+              <a:t>/canu-2.1.1/bin/</a:t>
+            </a:r>
+            <a:r>
+              <a:rPr lang="en-US" sz="1800" dirty="0" err="1">
+                <a:latin typeface="Courier" pitchFamily="2" charset="0"/>
+              </a:rPr>
+              <a:t>canu</a:t>
+            </a:r>
+            <a:endParaRPr lang="en-US" sz="2000" dirty="0">
+              <a:latin typeface="Courier" pitchFamily="2" charset="0"/>
+              <a:cs typeface="Courier"/>
+            </a:endParaRPr>
+          </a:p>
+          <a:p>
+            <a:pPr marL="0" indent="0">
+              <a:buNone/>
+            </a:pPr>
+            <a:r>
+              <a:rPr lang="en-US" sz="2000" dirty="0">
+                <a:latin typeface="Courier" pitchFamily="2" charset="0"/>
+                <a:cs typeface="Courier"/>
+              </a:rPr>
+              <a:t>$</a:t>
+            </a:r>
+            <a:r>
               <a:rPr lang="en-US" sz="2000" dirty="0" err="1">
-                <a:latin typeface="Courier"/>
+                <a:latin typeface="Courier" pitchFamily="2" charset="0"/>
                 <a:cs typeface="Courier"/>
               </a:rPr>
               <a:t>canu</a:t>
             </a:r>
             <a:r>
               <a:rPr lang="en-US" sz="2000" dirty="0">
-                <a:latin typeface="Courier"/>
-                <a:cs typeface="Courier"/>
-              </a:rPr>
-              <a:t> -d $out -p $out \</a:t>
+                <a:latin typeface="Courier" pitchFamily="2" charset="0"/>
+                <a:cs typeface="Courier"/>
+              </a:rPr>
+              <a:t> -d $out </a:t>
+            </a:r>
+            <a:r>
+              <a:rPr lang="en-US" sz="2000" dirty="0">
+                <a:latin typeface="Courier"/>
+                <a:cs typeface="Courier"/>
+              </a:rPr>
+              <a:t>-p $out \</a:t>
             </a:r>
           </a:p>
           <a:p>
@@ -7598,19 +7652,7 @@
                 <a:latin typeface="Courier"/>
                 <a:cs typeface="Courier"/>
               </a:rPr>
-              <a:t>=" \</a:t>
-            </a:r>
-          </a:p>
-          <a:p>
-            <a:pPr marL="0" indent="0">
-              <a:buNone/>
-            </a:pPr>
-            <a:r>
-              <a:rPr lang="en-US" sz="2000" dirty="0">
-                <a:latin typeface="Courier"/>
-                <a:cs typeface="Courier"/>
-              </a:rPr>
-              <a:t>	--time=0-23:00:00" \</a:t>
+              <a:t>="--time=0-23:00:00" \</a:t>
             </a:r>
           </a:p>
           <a:p>
@@ -8340,7 +8382,9 @@
           </a:xfrm>
         </p:spPr>
         <p:txBody>
-          <a:bodyPr/>
+          <a:bodyPr>
+            <a:normAutofit lnSpcReduction="10000"/>
+          </a:bodyPr>
           <a:lstStyle/>
           <a:p>
             <a:pPr marL="0" indent="0">
@@ -8538,18 +8582,23 @@
               <a:buNone/>
             </a:pPr>
             <a:r>
-              <a:rPr lang="en-US" sz="1600" dirty="0" err="1">
-                <a:latin typeface="Courier"/>
-                <a:cs typeface="Courier"/>
-              </a:rPr>
-              <a:t>ln</a:t>
-            </a:r>
-            <a:r>
               <a:rPr lang="en-US" sz="1600" dirty="0">
                 <a:latin typeface="Courier"/>
                 <a:cs typeface="Courier"/>
               </a:rPr>
-              <a:t> -s $</a:t>
+              <a:t>module load BWA</a:t>
+            </a:r>
+          </a:p>
+          <a:p>
+            <a:pPr marL="0" indent="0">
+              <a:buNone/>
+            </a:pPr>
+            <a:r>
+              <a:rPr lang="en-US" sz="1600" dirty="0">
+                <a:latin typeface="Courier"/>
+                <a:cs typeface="Courier"/>
+              </a:rPr>
+              <a:t>ln -s $</a:t>
             </a:r>
             <a:r>
               <a:rPr lang="en-US" sz="1600" dirty="0" err="1">
@@ -8895,12 +8944,14 @@
         </p:nvSpPr>
         <p:spPr>
           <a:xfrm>
-            <a:off x="457200" y="1384876"/>
-            <a:ext cx="8229600" cy="3695382"/>
+            <a:off x="50800" y="1384876"/>
+            <a:ext cx="9144000" cy="3695382"/>
           </a:xfrm>
         </p:spPr>
         <p:txBody>
-          <a:bodyPr/>
+          <a:bodyPr>
+            <a:normAutofit/>
+          </a:bodyPr>
           <a:lstStyle/>
           <a:p>
             <a:pPr marL="0" indent="0">
@@ -8968,21 +9019,21 @@
                 <a:latin typeface="Courier"/>
                 <a:cs typeface="Courier"/>
               </a:rPr>
-              <a:t>java -jar ~/software/</a:t>
-            </a:r>
-            <a:r>
-              <a:rPr lang="en-US" dirty="0" err="1">
-                <a:latin typeface="Courier"/>
-                <a:cs typeface="Courier"/>
-              </a:rPr>
-              <a:t>pilon</a:t>
+              <a:t>java </a:t>
+            </a:r>
+            <a:r>
+              <a:rPr lang="en-US" sz="2000" dirty="0">
+                <a:latin typeface="Courier"/>
+                <a:cs typeface="Courier"/>
+              </a:rPr>
+              <a:t>-jar /homes/liu3zhen/software/pilon/pilon-1.23.jar</a:t>
             </a:r>
             <a:r>
               <a:rPr lang="en-US" dirty="0">
                 <a:latin typeface="Courier"/>
                 <a:cs typeface="Courier"/>
               </a:rPr>
-              <a:t>/pilon-1.23.jar \</a:t>
+              <a:t> \</a:t>
             </a:r>
           </a:p>
           <a:p>
@@ -9166,12 +9217,14 @@
         </p:nvSpPr>
         <p:spPr>
           <a:xfrm>
-            <a:off x="457200" y="1172446"/>
-            <a:ext cx="8229600" cy="4974586"/>
+            <a:off x="88900" y="1172446"/>
+            <a:ext cx="9055100" cy="4974586"/>
           </a:xfrm>
         </p:spPr>
         <p:txBody>
-          <a:bodyPr/>
+          <a:bodyPr>
+            <a:normAutofit/>
+          </a:bodyPr>
           <a:lstStyle/>
           <a:p>
             <a:pPr marL="0" indent="0">
@@ -9182,7 +9235,7 @@
                 <a:latin typeface="Courier"/>
                 <a:cs typeface="Courier"/>
               </a:rPr>
-              <a:t>#!/bin/bash -l</a:t>
+              <a:t>#!/bin/bash</a:t>
             </a:r>
           </a:p>
           <a:p>
@@ -9239,21 +9292,14 @@
                 <a:latin typeface="Courier"/>
                 <a:cs typeface="Courier"/>
               </a:rPr>
-              <a:t>java -jar ~/software/</a:t>
-            </a:r>
-            <a:r>
-              <a:rPr lang="en-US" dirty="0" err="1">
-                <a:latin typeface="Courier"/>
-                <a:cs typeface="Courier"/>
-              </a:rPr>
-              <a:t>pilon</a:t>
-            </a:r>
-            <a:r>
-              <a:rPr lang="en-US" dirty="0">
-                <a:latin typeface="Courier"/>
-                <a:cs typeface="Courier"/>
-              </a:rPr>
-              <a:t>/pilon-1.23.jar \</a:t>
+              <a:t>java </a:t>
+            </a:r>
+            <a:r>
+              <a:rPr lang="en-US" sz="2000" dirty="0">
+                <a:latin typeface="Courier"/>
+                <a:cs typeface="Courier"/>
+              </a:rPr>
+              <a:t>-jar /homes/liu3zhen/software/pilon/pilon-1.23.jar \</a:t>
             </a:r>
           </a:p>
           <a:p>
@@ -11466,130 +11512,6 @@
 </p:sld>
 </file>
 
-<file path=ppt/slides/slide29.xml><?xml version="1.0" encoding="utf-8"?>
-<p:sld xmlns:a="http://schemas.openxmlformats.org/drawingml/2006/main" xmlns:r="http://schemas.openxmlformats.org/officeDocument/2006/relationships" xmlns:p="http://schemas.openxmlformats.org/presentationml/2006/main">
-  <p:cSld>
-    <p:spTree>
-      <p:nvGrpSpPr>
-        <p:cNvPr id="1" name=""/>
-        <p:cNvGrpSpPr/>
-        <p:nvPr/>
-      </p:nvGrpSpPr>
-      <p:grpSpPr>
-        <a:xfrm>
-          <a:off x="0" y="0"/>
-          <a:ext cx="0" cy="0"/>
-          <a:chOff x="0" y="0"/>
-          <a:chExt cx="0" cy="0"/>
-        </a:xfrm>
-      </p:grpSpPr>
-      <p:sp>
-        <p:nvSpPr>
-          <p:cNvPr id="2" name="Title 1"/>
-          <p:cNvSpPr>
-            <a:spLocks noGrp="1"/>
-          </p:cNvSpPr>
-          <p:nvPr>
-            <p:ph type="title"/>
-          </p:nvPr>
-        </p:nvSpPr>
-        <p:spPr/>
-        <p:txBody>
-          <a:bodyPr/>
-          <a:lstStyle/>
-          <a:p>
-            <a:r>
-              <a:rPr lang="en-US" dirty="0"/>
-              <a:t>Your turn</a:t>
-            </a:r>
-          </a:p>
-        </p:txBody>
-      </p:sp>
-      <p:sp>
-        <p:nvSpPr>
-          <p:cNvPr id="3" name="Content Placeholder 2"/>
-          <p:cNvSpPr>
-            <a:spLocks noGrp="1"/>
-          </p:cNvSpPr>
-          <p:nvPr>
-            <p:ph idx="1"/>
-          </p:nvPr>
-        </p:nvSpPr>
-        <p:spPr>
-          <a:xfrm>
-            <a:off x="711946" y="1528910"/>
-            <a:ext cx="7974854" cy="2962343"/>
-          </a:xfrm>
-        </p:spPr>
-        <p:txBody>
-          <a:bodyPr>
-            <a:normAutofit/>
-          </a:bodyPr>
-          <a:lstStyle/>
-          <a:p>
-            <a:r>
-              <a:rPr lang="en-US" sz="2800" dirty="0"/>
-              <a:t>Summarize # of insertions added</a:t>
-            </a:r>
-          </a:p>
-          <a:p>
-            <a:r>
-              <a:rPr lang="en-US" sz="2800" dirty="0"/>
-              <a:t>Summarize # of deletions added</a:t>
-            </a:r>
-          </a:p>
-          <a:p>
-            <a:r>
-              <a:rPr lang="en-US" sz="2800" dirty="0"/>
-              <a:t>Summarize the total </a:t>
-            </a:r>
-            <a:r>
-              <a:rPr lang="en-US" sz="2800" dirty="0" err="1"/>
-              <a:t>basepairs</a:t>
-            </a:r>
-            <a:r>
-              <a:rPr lang="en-US" sz="2800" dirty="0"/>
-              <a:t> of insertions added</a:t>
-            </a:r>
-          </a:p>
-          <a:p>
-            <a:r>
-              <a:rPr lang="en-US" sz="2800" dirty="0"/>
-              <a:t>Summarize the total </a:t>
-            </a:r>
-            <a:r>
-              <a:rPr lang="en-US" sz="2800" dirty="0" err="1"/>
-              <a:t>basepairs</a:t>
-            </a:r>
-            <a:r>
-              <a:rPr lang="en-US" sz="2800" dirty="0"/>
-              <a:t> of deletions added</a:t>
-            </a:r>
-          </a:p>
-          <a:p>
-            <a:r>
-              <a:rPr lang="en-US" sz="2800" dirty="0"/>
-              <a:t>Summarize # of substitutions</a:t>
-            </a:r>
-          </a:p>
-          <a:p>
-            <a:endParaRPr lang="en-US" sz="2800" dirty="0"/>
-          </a:p>
-        </p:txBody>
-      </p:sp>
-    </p:spTree>
-    <p:extLst>
-      <p:ext uri="{BB962C8B-B14F-4D97-AF65-F5344CB8AC3E}">
-        <p14:creationId xmlns:p14="http://schemas.microsoft.com/office/powerpoint/2010/main" val="2416362677"/>
-      </p:ext>
-    </p:extLst>
-  </p:cSld>
-  <p:clrMapOvr>
-    <a:masterClrMapping/>
-  </p:clrMapOvr>
-</p:sld>
-</file>
-
 <file path=ppt/slides/slide3.xml><?xml version="1.0" encoding="utf-8"?>
 <p:sld xmlns:a="http://schemas.openxmlformats.org/drawingml/2006/main" xmlns:r="http://schemas.openxmlformats.org/officeDocument/2006/relationships" xmlns:p="http://schemas.openxmlformats.org/presentationml/2006/main">
   <p:cSld>
@@ -13486,7 +13408,7 @@
                 <a:latin typeface="Courier"/>
                 <a:cs typeface="Courier"/>
               </a:rPr>
-              <a:t>#!/bin/bash -l</a:t>
+              <a:t>#!/bin/bash</a:t>
             </a:r>
           </a:p>
           <a:p>
@@ -13854,7 +13776,7 @@
     </p:tnLst>
     <p:bldLst>
       <p:bldP spid="4" grpId="0"/>
-      <p:bldP spid="5" grpId="0"/>
+      <p:bldP spid="5" grpId="0" animBg="1"/>
       <p:bldP spid="8" grpId="0"/>
     </p:bldLst>
   </p:timing>

--- a/PLPTH813Bioinformatis/2021/labs/lab10_assembly.pptx
+++ b/PLPTH813Bioinformatis/2021/labs/lab10_assembly.pptx
@@ -153,6 +153,83 @@
 </p:presentation>
 </file>
 
+<file path=ppt/ink/ink1.xml><?xml version="1.0" encoding="utf-8"?>
+<inkml:ink xmlns:inkml="http://www.w3.org/2003/InkML">
+  <inkml:definitions>
+    <inkml:context xml:id="ctx0">
+      <inkml:inkSource xml:id="inkSrc0">
+        <inkml:traceFormat>
+          <inkml:channel name="X" type="integer" min="-2.14748E9" max="2.14748E9" units="cm"/>
+          <inkml:channel name="Y" type="integer" min="-2.14748E9" max="2.14748E9" units="cm"/>
+          <inkml:channel name="F" type="integer" max="32767" units="dev"/>
+        </inkml:traceFormat>
+        <inkml:channelProperties>
+          <inkml:channelProperty channel="X" name="resolution" value="1000" units="1/cm"/>
+          <inkml:channelProperty channel="Y" name="resolution" value="1000" units="1/cm"/>
+          <inkml:channelProperty channel="F" name="resolution" value="0" units="1/dev"/>
+        </inkml:channelProperties>
+      </inkml:inkSource>
+      <inkml:timestamp xml:id="ts0" timeString="2021-04-15T17:39:08.398"/>
+    </inkml:context>
+    <inkml:brush xml:id="br0">
+      <inkml:brushProperty name="width" value="0.05292" units="cm"/>
+      <inkml:brushProperty name="height" value="0.05292" units="cm"/>
+      <inkml:brushProperty name="color" value="#FF0000"/>
+    </inkml:brush>
+  </inkml:definitions>
+  <inkml:trace contextRef="#ctx0" brushRef="#br0">371 5359 24575,'-16'28'0,"-2"6"0,-7 20 0,6-9 0,0 4 0,4-8 0,0 4 0,-1 6 0,0 2 0,5 2 0,7-17 0,1 6 0,0-4 0,0-5 0,1 0 0,-1 9 0,2 6 0,-1-4 0,0-4 0,1-3 0,-1 0 0,2 1 0,-1 0 0,1 1 0,0 3 0,0-1 0,-1-12 0,1 2 0,-2 23 0,-1-2 0,0 4 0,0-4 0,0 2 0,2-23 0,0-1 0,-1 14 0,0-1 0,1-14 0,0-1 0,-1 26 0,-2 1 0,2-1 0,-3-3 0,0-3 0,-1-1 0,1-1 0,1 3 0,3-15 0,1 0 0,-1 20 0,1-13 0,0 0 0,0 3 0,0-9 0,0-1 0,2 5 0,1 6 0,1 1 0,4 4 0,-3-9 0,1 0 0,4 9 0,-4-12 0,1 2 0,-2-9 0,1 1 0,2 11 0,0 5 0,2 2 0,2 5 0,-2-5 0,-1-5 0,1 0 0,2 11 0,1 6 0,-2-11 0,0 4 0,-5-22 0,-1-1 0,-1 10 0,1 2 0,-1 1 0,0-13 0,2-1 0,2 21 0,1-9 0,0 1 0,6 9 0,-1-7 0,1 0 0,3 8 0,-5-20 0,1 1 0,4 0 0,1-2 0,6 7 0,-7-14 0,0-4 0,1-11 0,-9-10 0,-2-3 0,-1-5 0,3-2 0,2 0 0,2-3 0,-7 5 0,4-7 0,-2 2 0,6-5 0,1 2 0,1 3 0,5-3 0,-6 8 0,5-2 0,-1 4 0,6-1 0,8 1 0,7-1 0,6-1 0,0 3 0,-13 0 0,0 1 0,19 1 0,-3 0 0,2 0 0,-16 0 0,2-1 0,11 1 0,6-1 0,-4 1 0,-4-1 0,-2 1-303,-1 0 0,2 0 0,-3 0 303,-1 2 0,-1 0 0,2 0 0,2-1 0,6 0 0,1 0 0,0-1 0,1-1 0,0 0 0,2-1 0,-9 2 0,3-1 0,-2 1 0,6-2 0,1 1 0,-11 1 0,2 0 0,-2 0 0,3 1 0,1-2 0,2-1 0,4-1 0,-2 0 0,-8 0 0,-2 0 0,3-1 0,11-1 0,2 1 0,3-1 0,-11 2 0,2 0 0,0 0 0,1 1 0,2 0 0,0 0 0,1 1 0,0-1-740,-7 0 0,1 1 1,0 0-1,0-1 1,0 0 739,11 0 0,-1 0 0,0-1 0,1 1 0,-8 0 0,1 0 0,1 1 0,-2-1 0,-2 1 0,-1-1 0,-2 0 0,0 0 0,4 1 0,-3 1 0,5-1 0,2 1 0,-1 0 0,-2 1 0,-6-1 0,12 0 0,-7 1 0,3 0-402,-3 0 1,2-1 0,0 1-1,-5 0 402,-5-1 0,-4 1 0,0-1-311,16 0 0,-2 0 311,-2 0 0,-1 0 0,-5 1 0,-2-1 317,-2 0 0,-1 0-317,6 1 0,-1-1 0,14 0 1663,-13 0 1,2 0-1664,-9 0 0,-2 0 0,-1 0 0,1 0 0,3 0 0,-1 0 1981,13 0-1981,-22 1 0,1-1 446,-1 1 1,2 0-447,17-1 0,3 1 0,-10-1 0,3 1 0,7-1 0,6-1 0,-4 1 0,0-1 0,1 0 0,-9 1 0,5-1 0,0 0 0,-4 1 0,11-1 0,1 0 0,-9 1 0,6 0 0,1 0 0,-6 0-172,-6 0 0,-4 0 0,5 1 172,7-1 0,6 0 0,0 1 0,-6-1-434,-9 0 0,-4 0 0,1 0 434,7 0 0,1 0 0,-2 1 0,13 1 0,-5 1 0,-16 0 0,3 1 0,6-1 0,7 0 0,-5-1 0,-2 1 0,1-1 0,7 0 0,6-1 0,-5 1 0,-2-2 0,-2 1 0,-6 0 0,2 1 0,-2-1 0,9 1 0,0 0 0,-17-1 0,1 1 0,4-1 0,5 1 0,4 0 0,3 0 0,1-1 0,-6 0 0,1 0 0,2 0 0,-1 0 0,0 0-689,-1 0 0,0 1 1,-1-1-1,1 1 0,-1-1 689,1 0 0,0 0 0,0 0 0,-2-1 0,-3 2 0,12 1 0,-4 0 0,-1 0-216,-6-2 1,-1 1 0,5 0 215,3 1 0,6 0 0,1 1 0,-2 0 0,-1-1 0,-2 0 0,1 0 0,0 0 0,-10 0 0,0 0 0,0 0 0,0 1 0,0 0 0,2 0 0,1 0 0,-1 1 0,-2-1 0,-6 1 188,18 2 1,-3 0-189,-4 0 0,2 1 0,-7-2 0,-10-1 0,-3 0 0,9 0 0,-2-1 1043,6-2-1043,-15-1 0,1-1 3618,17-1-3618,-6 0 0,-1-2 0,13-1 0,-3 1 0,6-2 0,-17 0 0,1 0 0,1 0-265,0 1 1,0 0 0,1-1 264,4-1 0,1 0 0,-3 1 0,5 1 0,-1 0 0,-7 3 0,3-1 0,-3 2 0,3-1 0,4 1 0,-3 0 0,8 0 0,1 0 0,-5 0 0,-4-2 0,-5 1 0,2 0 0,10-1 0,2 1 0,-5-1 0,0-1 0,-8-1 0,2-2 0,-17-1 0,-2-1 0,1 0 0,5-8 0,-32-2 1663,1-8-1663,2-15 0,5-5 0,4-5 0,-1 11 0,0-1 0,-3 5 0,0-2 0,0-8 0,2-6 0,-2 4 0,1-1 0,1-2 0,-2 9 0,2-6 0,0 0 0,-1 5 0,4-9 0,0 0 0,-2 7 0,1-5 0,0 0 0,-1 4 0,0-10 0,-1-1 0,-1 10 0,1-6 0,-1-1 0,-1 4-620,-1-2 0,-3 3 0,1-1 620,1 1 0,0 0 0,-2 0-307,-1 0 1,-2-1-1,-1 5 307,-1 8 0,-2 2 0,0-13 0,-1 2 0,-3-5 0,-2-3 0,-1 8 1768,-2 0-1768,-1 3 1012,-2 1-1012,0 3 0,2 6 0,-1 0 0,-5-20 0,7 19 0,-1 1 0,0-14 0,1 3 0,3-2 0,0-6 0,3-7 0,0 28 0,0 0 0,0 1 0,-1 0 0,-1-1 0,-1 1 0,-4-29 0,1 0 0,3 13 0,0-2 0,1 16 0,-1 0 0,0-11 0,-1 1 0,-1 10 0,0 2 0,-4-15 0,-5-10 0,2 16 0,-3 4 0,-1 4 0,-1 10 0,1 5 0,3 4 0,-10-6 0,9 7 0,-6-3 0,15 8 0,3 4 0,2 0 0,-9-1 0,-9-1 0,-13-2 0,-8 2 0,-2-1 0,13 1 0,-1 0 0,-22-6 0,17 2 0,-6-1 0,2 1 0,-8-2 0,-2 0-732,0 0 1,-7 0-1,-1 0 1,5 1 731,8 2 0,4 1 0,-3-1 0,0 1 0,-4-1 0,1 0 0,5 1-573,-12-2 1,4 1 572,-6-1 0,-1 0 0,16 1 0,-1-1 0,-5 0 0,4 1 0,-3-1 0,-3-1 0,-1 0 0,0 1 0,2-1 0,-2 1 0,0-1 0,0 0 0,-1 1 0,1 0-576,2 0 0,0 1 0,0-1 1,0 1-1,1 0 0,-1 0 576,-8-1 0,-2 0 0,2-1 0,2 2 0,4 1 0,-6 2 0,5 2 0,1-1-165,0-1 0,0-1 1,-2 1 164,2 1 0,-3 1 0,-1-1 0,3 1 0,-5-2 0,2 0 0,-4 1 0,8 0 0,-5 1 0,-2 0 0,3 0 0,4 1 0,-3 0 0,4 1 0,-4-1 0,6 0 0,-5 1 0,-1-1 0,2 1 0,6 0 0,-1 0 0,5 1 0,-5-1 0,3 0 0,-4 0 0,-2 0 0,-1-1 0,1 1 0,-2-2 0,0 1 0,-1-1 0,0 0 0,-3 1 0,4 0 0,-3 0 0,-1 1 0,0 0 0,1-1 0,1 0 136,-5 0 0,1-1 0,1 0 1,-1 0-1,-2 0-136,5 1 0,-3 0 0,0 1 0,0-1 0,4 0 0,5 0-389,-10 0 1,6-2 0,-3 1 388,11 1 0,-3-1 0,-1 0 0,0 1 0,2-1 0,-10 1 0,1-1 0,0 1 0,-2-1 0,5 2 0,-2-1 0,-1 0 0,0 1 0,0-1 0,1 1 0,-1-1 0,1 1 0,-1-1 0,1 1 0,-1-1 0,0 0 0,0 1 0,0-1 0,-1 0 0,8 1 0,-2-1 0,0 0 0,0 0 0,2 0 0,2 0 0,-8 0 0,3 0 0,0 0 0,-4 0 0,2 1 0,-3-1 0,-3 0 0,0 0 0,1 1 0,5-1 517,3 1 0,3-1 0,1 1 1,-1 0-1,-3-1-517,-3 1 0,-4-1 0,-2-1 0,1 1 0,2 0 0,5 0 0,-6-1 0,4 1 0,2-1 0,-2 1 0,-3-1 0,-2 0 0,2 0 0,5-1 0,6 1 0,4-1 0,2 1 0,-11-1 0,0 1 0,10-1 0,-2 1 0,3 0 0,-2 0 0,1 0 0,2 1 0,-1-1 289,-7 0 0,-2-1-289,11 2 0,-1 0 0,-1 0 0,-8 0 0,-2 0 0,2 0 536,2 0 0,2 0 0,-2 0-536,-4-1 0,-1 0 0,4 0 0,2 0 0,-1-1 0,-10-1 0,-7-1 0,6 1 0,6 0 0,-2 0 338,12 0 0,-6-1 0,-4 0 0,1 0 0,3 0-338,-3-1 0,1 0 0,1 1 0,-2-1 0,3 1 0,0 1 0,-2-1 0,1 0 0,1 1 0,-9-1 0,-1-1 0,3 1 0,3 1 0,2 1 0,4 1 0,-2-1 0,-8 1 0,-1 1 0,6-1 0,4 1 0,0 1 256,-2 3 1,-4 1 0,-2 1-257,-2 1 0,0 1 0,2 0 0,10-1 0,3 1 0,-3 0 0,-14 0 0,-3-1 0,8 0 0,16-2 0,2-1 0,-7 1 0,2-1 0,-15 3 0,9 1 0,7-3 0,-14 3 1272,6-1-1272,2 1 0,11-2 0,21-3 0,-1 0 0,4 0 0,-1 0 0,-6 6 0,5-5 0,-1 4 0,12-8 0,4-1 0</inkml:trace>
+  <inkml:trace contextRef="#ctx0" brushRef="#br0" timeOffset="3971">405 6364 24575,'13'0'0,"34"-4"0,-12 4 0,7 0 0,3-1 0,2 1 0,5-1 0,0 0 0,0 1-1085,-4 1 0,0 0 0,0 0 0,-1 0 1085,1 0 0,1 0 0,-3 0 0,-4 0 0,5 2 0,-4 0 552,-4 0 0,-2 0-552,-2 0 0,0-1 0,-2 0 0,2 1 0,21 0 0,0-1 0,-18 0 0,0-1 0,5 0 0,5 1 0,-5-1 0,-6 0 0,-1 0 0,10-1 0,3 1 379,10 0-1,2 0-378,-15 0 0,1-1 0,0 1 0,2-1 0,0 0 0,-2 0 0,13 0 0,-4-1 0,-8-1 0,-4 0 0,7-2 0,-6 2 0,1 1 0,6-1 1138,-17 2 1,1 0-1139,14 0 202,-3 0-202,-8 1 0,7 0 0,0 0 0,6 1 0,-2 0 0,-8-1 0,-2 0 0,4 0 0,6 0 0,5 1 0,0-1 0,-8 0-591,6-1-1,-3 0 592,-6 1 0,3 0 0,-4 0 0,3-1 0,-1 1 0,2 1 0,1 0 0,0-1 0,3-1 0,3 1 0,4-1 0,-2 0 0,-14 0 0,-2-1 0,3 1 0,13-1 0,3 0 0,-2 0 0,-10 0 0,-1 1 0,-2 0 0,8 0 0,3 1 0,-6 0 0,7 1 0,-1 0 0,-7 0 0,-2 1 0,-2-1-166,10 1 0,4 0 0,-10-1 166,-5-1 0,-11-1 0,1 0 0,24 3 0,2 1 0,-25-2 0,0 0 0,-3-1 0,1 0 0,3 0 0,3-1 0,2 0 0,3 0 0,13 0 0,-2 1 0,-15-1 0,-1 0 0,5 1 0,-4-1 0,-6 0 0,-17 0 0,-7 0 0</inkml:trace>
+  <inkml:trace contextRef="#ctx0" brushRef="#br0" timeOffset="5169">4872 4979 24575,'-35'0'0,"-9"0"0,5 1 0,-3 1 0,7 0 0,1 0 0,1 3 0,6 2 0,5 7 0,41 18 0,4-5 0,14 11 0,3-6 0,-7-5 0,1 1 0,-9-5 0,-2 0 0,5 0 0,-8 1 0,-24 14 0,-12-24 0,-17 10 0,5-10 0,-2 1 0,-9 0 0,18-6 0,-1-3 0,20-7 0,4-7 0,4-3 0,6-12 0,-2 7 0,10-19 0,-14 25 0,4-8 0</inkml:trace>
+  <inkml:trace contextRef="#ctx0" brushRef="#br0" timeOffset="6419">4920 4710 24575,'-4'54'0,"0"-8"0,1 1 0,1 1 0,-1 12 0,2-12 0,0-2 0,3 2 0,-1-14 0,0 0 0,4 3 0,-2-7 0,8-27 0,0-15 0,8-16 0,1 2 0,2-1 0,9-7 0,-10 14 0,1-1 0,-15 18 0,16 6 0,-9 1 0,18 7 0,-12 1 0,-1 4 0,0 7 0,-3 10 0,-1 14 0,-3 9 0,-3-19 0,0-1 0,2 11 0,1-2 0,-8-34 0,-4-10 0,-1 0 0,0-4 0</inkml:trace>
+  <inkml:trace contextRef="#ctx0" brushRef="#br0" timeOffset="14119">429 7425 24575,'21'-2'0,"24"-1"0,2-1 0,-15 2 0,0 0 0,27 1 0,-19 1 0,5 0 0,1 0 0,-6 1 0,0 0 0,4 0-682,11 1 0,6-1 0,0 1 0,-6 0 682,-7 0 0,-5 1 0,2-1 0,8 1 0,2-1 0,-6 1-107,-9 0 1,-3 1 106,-2-1 0,1 0 0,19 0 0,3 0 0,-10-1 0,6-1 0,-6 0 0,9 0 0,3-1 0,-1 0 0,-8 1 0,-3-1 0,-5 0 0,4 0-357,10 0 0,7 0 1,-2 0-1,-11 0 357,-8-1 0,-6 0 0,-1 2 0,0-2-132,8-2 0,-1-1 132,-10 2 0,1-1 0,20-4 0,-1 0 0,3-1 1217,-21 3 1,-3 1-1218,-10 1 223,-6 1-223,-11 2 1638,0-1-1638,0 1 336,-2-1-336,17 1 0,8 0 0,7 0 0,21 0 0,4 1 0,-1 0 0,0-1-212,-16 2 1,0-1 0,-4 1 211,-2-1 0,-4 1 0,21 2 0,-15-3 0,-6 0 0,-12-1 0,-1 0 0,-9 0 158,-5 0 1,-3 0-1,-2 0 1</inkml:trace>
+  <inkml:trace contextRef="#ctx0" brushRef="#br0" timeOffset="16917">14969 4325 24575,'-39'9'0,"0"-1"0,-18 6 0,0 2 0,21-2 0,2 3 0,-13 2 0,16 5 0,50 17 0,18 2 0,-13-14 0,4 1 0,5-3 0,8 4 0,0-1 0,-5-4 0,1 0 0,-3-2 0,10 3 0,-9-2 0,-23-7 0,-19-10 0,-4 0 0,-4 1 0,-4 1 0,-9 1 0,-1 0 0,-1 2 0,-19 5 0,42-15 0,5-2 0</inkml:trace>
+  <inkml:trace contextRef="#ctx0" brushRef="#br0" timeOffset="18877">15306 3880 24575,'-5'45'0,"1"0"0,0 3 0,0 0 0,0 0 0,1-1 0,1-2 0,2 1 0,3-6 0,0 2 0,1-2 0,3 12 0,1-1 0,2 5 0,1 1 0,2-3 0,0-6 0,0 0 0,0 0 0,-9-35 0,6-5 0,-4-2 0,3-1 0,-8-5 0</inkml:trace>
+  <inkml:trace contextRef="#ctx0" brushRef="#br0" timeOffset="21036">15640 4412 24575,'-9'51'0,"3"4"0,5 4 0,3 2 0,0-28 0,2-1 0,3 20 0,2-7 0,2-25 0,2-3 0,-8-14 0,14-16 0,2-5 0,9-8 0,3-3 0,11-11 0,-13 11 0,0 1 0,2-6 0,-8 5 0,-5-2 0,-2-14 0,-9 14 0,-1-7 0,-9 25 0,0 5 0,0 6 0,-3 15 0,1 1 0,-1 20 0,4 1 0,4 6 0,3-10 0,2 1 0,3-1 0,1-1 0,-1-1 0,2-2 0,14 12 0,-11-28 0,-4-5 0,-4-6 0,-2-2 0,1-5 0,5-4 0,1-2 0,3-1 0,11-11 0,-5 3 0,7-12 0,-7 1 0,-4-1 0,0-10 0,-9 14 0,-1-5 0,-7 14 0,-2 2 0,-2-13 0,2 9 0,-2 18 0,1 14 0,0 18 0,2 7 0,2 13 0,1-4 0,1 1 0,-1-13 0,-1 0 0,3 7 0,-1 0 0,-2 9 0,0-19 0,0-16 0,-1-23 0,8-37 0,0-5 0,-3 16 0,0 0 0,3-21 0,-3 9 0,-2 16 0,1 0 0,9-26 0,-5 11 0,1 20 0,-4 29 0,0 4 0,5 1 0,0 1 0,20 9 0,-11-9 0,11 7 0,-22-15 0,-6 1 0,-3-3 0</inkml:trace>
+  <inkml:trace contextRef="#ctx0" brushRef="#br0" timeOffset="22784">16692 4366 24575,'1'33'0,"1"-1"0,0-2 0,-1 0 0,0 21 0,1-6 0,-1 2 0,0-17 0,0 6 0,-1-9 0,0-8 0,0 4 0,8-34 0,0-15 0,1-3 0,0-4 0,0-5 0,-1-1 0,0 2 0,-2-1 0,2-6 0,-2 2 0,0-7 0,-2 18 0,-1 1 0,-1 4 0,1-4 0,2 21 0,12 26 0,-2 15 0,-2 1 0,0 4 0,-2 2 0,0 2 0,2 14 0,-1-1 0,-4-18 0,0-1 0,1 1 0,-2-5 0,-4-10 0,-2-11 0,0-1 0,0-10 0,5-6 0,11-27 0,2-2 0,-5 8 0,1-1 0,9-18 0,-3 3 0,2-5 0,-9 16 0,2 0 0,-2 9 0,-4 9 0,5-2 0,-9 11 0,3 10 0,1 13 0,10 39 0,-10-26 0,1 2 0,6 24 0,0 0 0,-7-23 0,-1-2 0,2 6 0,-1-6 0,-2-12 0,-6-10 0,-1-6 0</inkml:trace>
+  <inkml:trace contextRef="#ctx0" brushRef="#br0" timeOffset="24653">15084 5140 24575,'50'-10'0,"-1"0"0,1 0 0,-4 6 0,5 1 0,4 2 0,1 1 0,0-1 0,-2-1 0,-4-1 0,-1 0 0,1 0 0,-1-1 0,2 1 0,2 2-621,1 0 0,3 1 0,1 0 0,1 1 0,-1 0 0,-1-1 1,-3 0 620,9 0 0,-2-1 0,-1-1 0,-3 1 0,-3 0 0,-5-1 0,-2 1 0,-2 0 0,2-1 0,7 0 0,3-1 0,-3 1 0,-6 0 0,0 1 0,-5 0 667,-4 0 1,-5 0-668,2 2 708,-26 1-708,-55 6 0,26-5 0,-23 3 0</inkml:trace>
+  <inkml:trace contextRef="#ctx0" brushRef="#br0" timeOffset="33885">5402 9335 24575,'8'47'0,"0"0"0,6-3 0,2-1 0,-2 2 0,1-3 0,1-10 0,0-6 0,-1-10 0,4-4 0,-5-6 0,6-2 0,10-13 0,3-6 0,-2 0 0,0-2 0,13-5 0,0-1 0,-10 2 0,-4 2 0,10-7 0,-7 6 0,-11 5 0,-6 5 0,-9 3 0,-1 7 0,12 15 0,22 12 0,-8-8 0,0 2 0,-2-2 0,-2 0 0,-1-3 0,-2-1 0,9 11 0,-4-12 0,3-4 0,24-23 0,-18-1 0,1-3 0,-3 2 0,2-2 0,0-2 0,2-2 0,-4 3 0,-7 3 0,-2 1 0,9-6 0,-3 2 0,-6 5 0,-15 7 0,1 15 0,2 6 0,12 8 0,-3-8 0,5-1 0,19 0 0,3-2 0,-8 0 0,1-2 0,8 0 0,0-2 0,-15-4 0,-3-2 0,7 1 0,0-3 0,-30 0 0,18 5 0,6-3 0,5-1 0,-1 2 0,4 0 0,11-2 0,7-1 0,-5 0 0,-5 0 0,-1 0 0,-8-1 0,1 0 0,-6-1 0,12-1 0,-27 0 0,-15 1 0</inkml:trace>
+  <inkml:trace contextRef="#ctx0" brushRef="#br0" timeOffset="37752">5134 7414 24575,'52'2'0,"0"0"0,1 0 0,3 0 0,2 1 0,-13 0 0,5 0 0,-1 1 0,-4 0-1161,-3-2 1,-3 1 0,1-1 1160,7 2 0,2-1 0,3 0 0,3-2 0,5-1 0,0 0 0,-1-1 0,-9 0 0,-2 0 0,2 0 0,6-1 0,-9 0 0,4 1 0,4-1 0,2-1 0,1 1 0,0 0 0,-2 0 0,-3 0 0,0 0 0,-1-1 0,0 1 0,-2 0 0,1 0 0,0-1 0,0 1 0,2 0 0,-1 0 0,1 0 0,0 0 0,-1 0 0,1 0 0,-1 0 0,9 0 0,1 0 0,0-1 0,-2 1 0,-4 0 0,-5 0 0,6 0 0,-6 0 0,4 0 0,-7 0 0,4 0 0,1 0 0,0 0 0,-4 0 0,-2 1 0,-2 0 0,-1 1 0,0-1 0,13 1 0,-2-1 0,3 1 0,-6 0 0,3-1 0,-1 1 0,-5 0 0,-5-1 0,-4 1 0,2-1 0,2 1 0,3-1 0,1 1 0,-4 0 0,0-1 0,-3 1 0,0-1 0,14 1 0,0 0 0,-8 0 0,2 0 0,-2 0 0,4 0 0,0 0 20,-8 0 1,1 0-1,-2 0-20,0-1 0,-1 0 205,9 0 1,0-1-206,-16 1 0,1 0 0,17 0 0,-1 0 0,-14 0 0,-1 1 853,14-1 0,7 0-853,-11 0 0,4 1 0,2 0 0,-6 0 0,-4 0 0,-3-1 0,4 2 0,7 0 0,7 0 0,-1 1 0,-11 0 0,-8 0 0,-3 0 0,8 3 0,-1-1 430,-5-1 0,-2-1-430,13 2 221,-13-2 1,-2-1-222,-6-1 0,-3 0 0,-15-1 0,-5 1 0,-1-1 0</inkml:trace>
+  <inkml:trace contextRef="#ctx0" brushRef="#br0" timeOffset="40136">5343 8549 24575,'50'-2'0,"1"1"0,-1-1 0,1 1 0,5 0 0,-12 0 0,7 1 0,5-1 0,1 1 0,-1 0 0,-6 0-1757,1 0 0,-3 1 0,-1-1 0,3 1 1757,2-1 0,4 1 0,1 0 0,-1-1 0,-4 1 0,1 0 0,-4 0 0,1 0 0,5-1 0,-4 0 0,6 0 0,2-1 0,-1 0 0,-2 0 0,-5 1 0,1-1 0,-5 1 0,-1-1 0,4 1 0,2-2 0,4 1 0,1 0 0,-5-1 0,-7 1 924,6-2 1,-8 1-925,-10 1 0,-4 0 289,13-1 0,-22 2 1,-17 0-1</inkml:trace>
+  <inkml:trace contextRef="#ctx0" brushRef="#br0" timeOffset="42286">9212 8339 24575,'46'-2'0,"1"1"0,-6 0 0,2-1 0,7 3 0,5 0 0,2 1 0,-8 0 0,2 1 0,1 0 0,-4 0 0,4-1 0,-2 0 0,-1 1 0,6 1 0,-1 0 0,-13-1 0,-14-3 0,-19 0 0,-10 1 0,-3 0 0</inkml:trace>
+  <inkml:trace contextRef="#ctx0" brushRef="#br0" timeOffset="44823">15693 7883 24575,'36'6'0,"16"5"0,-3 0 0,5 2 0,-1 1 0,-1 2 0,1-2 0,-3 2 0,-11-1 0,-8 0 0,-8 0 0,-9 3 0,-16-5 0,-3 6 0,-6 6 0,-13 11 0,-11 6 0,2-5 0,-3 0 0,7-7 0,-2-1 0,-8 10 0,-3 1 0,-1-3 0,0-2 0,13-12 0,0-2 0,-6 4 0,3-5 0,3-15 0,-8-41 0,22 15 0,-9-24 0,24 24 0,8-4 0,-3 9 0,4 0 0,10 14 0,-1 3 0,24 9 0,12 16 0,-26-12 0,1 2 0,6 5 0,-1 0 0,14 11 0,-23-13 0,-3 2 0,4 9 0,-9-3 0,-14-13 0,-1-13 0,8-24 0,-7 16 0,7-15 0</inkml:trace>
+  <inkml:trace contextRef="#ctx0" brushRef="#br0" timeOffset="45939">16403 7850 24575,'33'22'0,"3"1"0,4 1 0,-4-1 0,-9-2 0,-3 7 0,-1 15 0,-11-13 0,-8 10 0,-27-1 0,-5-9 0,-5-5 0,-3-2 0,-14-1 0,9-9 0,2-2 0,5-4 0,1-2 0,34-5 0,16 6 0,2-1 0,12 13 0,-8 13 0,-1 18 0,-11-7 0,-15 11 0,-11-20 0,-3-1 0,-4-2 0,-18 2 0,1-5 0,10-11 0,-1-1 0,-23 7 0,21-11 0,5-2 0,24-9 0,3-4 0,2-7 0,3-2 0,-2 2 0,0 3 0</inkml:trace>
+  <inkml:trace contextRef="#ctx0" brushRef="#br0" timeOffset="47272">17227 7644 24575,'-15'35'0,"0"1"0,2-6 0,-1 2 0,-3 12 0,-1 7 0,-1-2 0,4-9 0,1-2 0,-1 2-1035,-2 10 0,-1 3 1,1-3 1034,4-10 0,0-2 0,1 0 0,-4 11 0,2-2 489,2-8 0,0-2-489,-2 5 0,0-2 0,-4 15 255,6-25 0,1-3-255,1-3 0,4-13 0,5-7 1616,5-13-1616,5-11 0,3-9 0,2-4 0,12-17 0,-7 24 0,1-1 0,0 0 0,0 1 0,0 2 0,1 2 0,15-12 0,-16 15 0,5-3 0,-17 16 0,-4 6 0,4 31 0,-2 3 0,5 12 0,0 7 0,-1 0 0,-1-1 0,1-6 0,-1-1 0,-2 1 0,-2-7 0,-3-16 0,1 0 0,-2-4 0,0-11 0,-1 2 0,-7-11 0,-6-3 0,4 1 0,-1-1 0</inkml:trace>
+  <inkml:trace contextRef="#ctx0" brushRef="#br0" timeOffset="55207">12736 8629 24575,'-17'29'0,"0"0"0,-12 21 0,12-24 0,2-2 0,-6 17 0,7-10 0,-4 15 0,6-2 0,4-17 0,0 7 0,7-24 0,22 0 0,13-2 0,6-2 0,0-1 0,4 0 0,8 0 0,5 0 0,-5-2 0,-8-1 0,-3 0 0,15-1 0,-7 0 0,-23-1 0,-6-1 0</inkml:trace>
+  <inkml:trace contextRef="#ctx0" brushRef="#br0" timeOffset="66171">1190 13518 24575,'42'5'0,"-1"-1"0,14 4 0,7 1 0,-15-3 0,4 0 0,3 0 0,1 1-567,-6-2 0,1 0 1,2 0-1,-1 1 0,0-1 567,-1 0 0,1-1 0,-1 1 0,0 0 0,0-1 0,1-1 0,-1 1 0,0-1 0,-1 0 0,-3-1 0,14 2 0,-5 0 0,-1-1 0,-5 0 0,-2-1 0,-2-1 449,9 0 0,-3 1-449,-10-1 0,-1 1 0,16 0 0,-2 1 0,-1 0 0,-3-1 0,0-1 0,2-1 0,-4-3 0,1-1 0,-18 0 0,-1 0 0,7-1 0,2-2 0,-1-1 0,-1-1 0,21-6 233,-18 2 0,-3 0-233,1-5 0,9-12 0,-29 13 1470,9-13-1470,-12 11 0,1-8 0,-8 3 0,-1-14 0,-3 11 0,0-13 0,-1 13 0,-4-11 0,-2-3 0,1-3 0,-3-4 0,-2 0 0,-2 10 0,0 7 0,-2-2 0,-1-1 0,1 2 0,-7-20 0,7 20 0,2 3 0,2 6 0,-4-18 0,4 17 0,0-4 0,2 16 0,4 5 0,-2 5 0,-12-3 0,-34-14 0,-8 1 0,11 2 0,-1 1-282,8 3 0,0 1 282,-4 0 0,1 0 0,4 1 0,2 1 0,5 1 0,2 1 0,-26-6 0,24 7 0,1 2 0,-19-2 0,6 5 0,0 1 0,-8 4 0,7 0 0,-4 1 0,7 0 0,-3 1 0,-3-2 0,-5 1 0,5-1 0,0 0 0,2 0 282,-15-1 0,6 0-282,22-2 0,-19-1 0,19 0 0,-6 0 0,-1 0 0,-3 0 0,-2 0 0,0 0 0,-2 1 0,13-1 0,1 1 0,-16 2 0,1 0 0,2 5 0,14-1 0,1 6 0,18-6 0,-8 5 0,8-5 0,-12 8 0,8-7 0,-10 4 0,14-8 0,-7 1 0,11-3 0,-3 0 0,8 0 0,-2 3 0,-10 40 0,2-3 0,2-5 0,-1 2 0,3-8 0,2-1 0,1 0 0,0 0 0,2 1 0,0 0 0,1 25 0,0-8 0,1-16 0,0-1 0,-3 14 0,0 8 0,3-21 0,1-16 0,1-7 0,0-6 0</inkml:trace>
+  <inkml:trace contextRef="#ctx0" brushRef="#br0" timeOffset="92643">14081 8836 24575,'2'15'0,"-1"0"0,1-4 0,-2 1 0,0 2 0,0 16 0,0-4 0,0 21 0,0-20 0,0 22 0,-2-18 0,0 21 0,-1-23 0,1 6 0,1-45 0,3 1 0,0-28 0,2-6 0,1-3 0,1 15 0,0 0 0,3-13 0,13-10 0,-5 27 0,11-10 0,-4 13 0,-2 6 0,-7 7 0,-9 7 0,-3 7 0,4 6 0,8 12 0,5 10 0,-2-2 0,-4 5 0,-9-8 0,-4 6 0,-2 13 0,1-13 0,-3 17 0,3-23 0,-2 4 0,4 7 0,-2-10 0,3 1 0,-7-25 0,-2-21 0,0 4 0,0-2 0</inkml:trace>
+  <inkml:trace contextRef="#ctx0" brushRef="#br0" timeOffset="94927">14151 6571 24575,'7'46'0,"0"-7"0,1 1 0,-1-7 0,-1 1 0,4 16 0,-1-2 0,-2-3 0,-2 0 0,-5-26 0,0-4 0,0-4 0,0-4 0,3-27 0,1 0 0,3-9 0,2-1 0,5-10 0,7-12 0,-6 17 0,-4 6 0,-1 9 0,-5 7 0,3 23 0,11 42 0,-5-8 0,0-1 0,-1-2 0,-3-11 0,2 5 0,-10-24 0,-2-1 0,7-15 0,2-9 0,7-14 0,0-5 0,0 2 0,0 2 0,-1 5 0,-1 5 0,-4 6 0,-3 5 0,-2 3 0,-1 3 0,0 1 0,-1 2 0,9 10 0,1 6 0,6 16 0,-5 3 0,1 4 0,-1 2 0,1 1 0,2 6 0,0-2 0,-6-15 0,-1-4 0,1-3 0,-10-24 0,-1-2 0,0 0 0</inkml:trace>
+  <inkml:trace contextRef="#ctx0" brushRef="#br0" timeOffset="96107">14232 7318 24575,'45'4'0,"-1"0"0,15 2 0,-10-3 0,5 1 0,12 3 0,-8-2 0,-23-2 0,1 0 0,10 1 0,12 1 0,-3 0 0,-14-2 0,-4-1 0,-9-1 0,-26-1 0</inkml:trace>
+  <inkml:trace contextRef="#ctx0" brushRef="#br0" timeOffset="98463">13938 9552 24575,'23'-3'0,"6"2"0,7-2 0,-5 2 0,3 1 0,-1-1 0,1-1 0,8 2 0,-2 0 0,13-1 0,-20 0 0,-22 1 0,3 0 0,5 0 0,2 0 0,1 0 0,-9 0 0,-3 1 0,-9-1 0</inkml:trace>
+  <inkml:trace contextRef="#ctx0" brushRef="#br0" timeOffset="101246">19885 6723 24575,'-10'45'0,"0"0"0,0-1 0,0 4 0,1-1 0,-1 10 0,2 0 0,1-11 0,0-2 0,0 1 0,-1 0 0,-2 10 0,1-5 0,1-2 0,0-5 0,8-38 0,0-29 0,0 4 0,0-31 0,0 19 0,2-9 0,-1 5 0,1 11 0,-1-7 0,0 14 0,1-31 0,0 20 0,1-22 0,0 24 0,1-19 0,0 9 0,5-22 0,2 17 0,-1 10 0,5 7 0,-10 19 0,2 1 0,3 9 0,12 10 0,13 12 0,3 13 0,-7-5 0,-13 0 0,-8 15 0,-3-9 0,-1 16 0,-4-17 0,-1-7 0,-1-2 0,-1 12 0,0-12 0,-1 9 0,1-18 0,0-7 0,1-32 0,1-1 0,3-10 0,3-6 0,1 0 0,1-1 0,5-7 0,1-1 0,-3 7 0,0 2 0,9-20 0,-4 27 0,10-5 0,-4 8 0,8-8 0,12-8 0,-12 12 0,5-2 0,-20 26 0,-7 27 0,9 35 0,-4-1 0,-3 1 0,0 2 0,-5-24 0,-1 0 0,1 12 0,0 0 0,-2-10 0,0-1 0,-2 8 0,-1 0 0,0-6 0,0-1 0,-1 0 0,0-3 0,2 9 0,-2-28 0,4-2 0,-4-12 0,3-4 0</inkml:trace>
+  <inkml:trace contextRef="#ctx0" brushRef="#br0" timeOffset="102015">20641 6813 24575,'12'24'0,"12"16"0,-6-11 0,3 1 0,2 3 0,3 2 0,12 7 0,1 0 0,-9-11 0,0 0 0,-2-1 0,2 2 0,-3-4 0,-5-5 0,-2-2 0,3 5 0,-4-4 0,-7-9 0,-2-10 0,-10-14 0,0-21 0,-1 17 0,1-9 0</inkml:trace>
+  <inkml:trace contextRef="#ctx0" brushRef="#br0" timeOffset="102708">21028 6774 24575,'-10'13'0,"-2"6"0,-13 16 0,8-11 0,-2 5 0,-5 9 0,-2 5 0,0-1 0,-4 7 0,-1 2 0,2 0 0,-1 4 0,4-7 0,7-14 0,2-3 0,0 4 0,2-6 0,6-13 0,-1 4 0,7-10 0,-2 2 0,4-6 0,0-3 0,1-2 0</inkml:trace>
+  <inkml:trace contextRef="#ctx0" brushRef="#br0" timeOffset="104360">21457 6835 24575,'-9'11'0,"-3"15"0,1 2 0,-1 23 0,2 6 0,5-22 0,1 0 0,0 2 0,0-1 0,0-2 0,1-2 0,-1 23 0,1-11 0,1 7 0,0-19 0,1 3 0,0-23 0,4-19 0,5-37 0,-1 14 0,1-2 0,1-9 0,1 1 0,-1 9 0,1 1 0,6-21 0,0 15 0,-2 1 0,1 5 0,2-1 0,4 3 0,-4 4 0,2 3 0,-7 8 0,-3 5 0,-2 2 0,-5 6 0,6 15 0,12 19 0,5 8 0,5 6 0,2 3 0,-2-5 0,2 2 0,-2-3 0,-7-10 0,0-2 0,-1-1 0,9 13 0,-4-6 0,-5-1 0,-2 0 0,-15-24 0,-3-9 0,-2-3 0,0-5 0</inkml:trace>
+  <inkml:trace contextRef="#ctx0" brushRef="#br0" timeOffset="105492">19646 7975 24575,'58'2'0,"0"0"0,-1 1 0,1-1 0,0 0 0,0 0 0,1 0 0,-1 0 0,0 1 0,0-1 0,1 2-1502,-2-1 1,1 2 0,1 0 0,-1 0-1,-1-1 1,-2 1 1501,0-1 0,-2 1 0,-2-1 0,0 0 0,1 0 0,-3 0 0,-1 0 0,1-1 0,-1 1 0,2-1-166,6-1 0,2 0 0,0 0 1,-2 0-1,-3-1 166,9 0 0,-4 0 0,1-1 237,-4 0 1,2-1 0,-2-1 0,-9 0-238,-5-1 0,-6 0 0,4 1 0,-4-1 0,3 1 3897,10 1-3897,-4 1 3452,-4 1-3452,-8-1 1537,-6 1-1537,-1-1 0,-4 1 0,-11-1 0,-11 0 0,-2 0 0</inkml:trace>
+  <inkml:trace contextRef="#ctx0" brushRef="#br0" timeOffset="106642">19319 6553 24575,'-2'47'0,"1"1"0,-1 7 0,1 7 0,0 0 0,1-3 0,1 0 0,-1 3-309,1-14 1,0 3 0,0 1 0,0 1-1,1 2 309,0-3 0,0 2 0,0 1 0,1 0 0,-1-1 0,0-3 0,-1 2 0,0-2 0,0-1 0,-1-1 0,1-1 0,1 11 0,0 1 0,0-4 0,-2-7 250,-2 15 1,-1-29-251,0-42 255,0-24-255,3-6 0,-2 4 0,4 11 0</inkml:trace>
+  <inkml:trace contextRef="#ctx0" brushRef="#br0" timeOffset="108342">19347 6406 24575,'13'0'0,"7"0"0,12 1 0,19 4 0,-21-1 0,4 0 0,18 4 0,5 1-689,-13-3 1,3 0-1,5 0 689,1 1 0,7 0 0,2 1 0,1-1 0,-3 0-891,-8-2 0,-3-1 0,1 1 0,1-1 0,2 1 891,-5 0 0,2 0 0,2 0 0,0 1 0,2-1 0,-1 0 0,1 0 0,-3-1 0,1 0 0,1 0 0,0-1 0,1 1 0,-1-1 0,0 1 0,0-1 0,6 1 0,0 0 0,0 0 0,-1 0 0,1 0 0,0 0 0,-1-1 0,-1 1 0,1-1 0,1 0 0,-2 1 0,0-1 0,-3-1 0,-1 1 0,9-1 0,-2 0 0,-2 0 0,-4 0 0,-7-2-76,11 0 0,-9-2 76,-13-1 0,-4 1 0,5-1 0,-18 2 1146,-3 2-1146,1 4 5303,-4 2-5303,0 14 224,-10 1-224,4 22 0,1 11 0,-4-17 0,1 1-392,0 7 1,-1 0 391,0 3 0,-2 2 0,-1-5 0,1 3 0,-1-3 0,-1 5 0,1 0-402,-1-5 0,1 2 0,0-3 402,0 4 0,1-2 0,1 4 0,0 1 0,0-2 0,0 0-133,-1-3 0,1-3 133,-2-7 0,0-3 0,0-1 0,-1-3 0,-1 3 724,0-5-724,1-18 308,0-5 1,0-2 0,0-2 0</inkml:trace>
+  <inkml:trace contextRef="#ctx0" brushRef="#br0" timeOffset="109775">20977 8433 24575,'-30'39'0,"5"-8"0,-2 9 0,5 5 0,-1 9 0,0 3 0,1-6 0,0-5 0,1-3 0,-2 5 0,1-1 0,-3 7 0,-2 3 0,0 0 0,4-6 0,3-8 0,-1 6 0,1-5 0,-8 6 0,-3 2 0,8-11 0,11-13 0,5-14 0,2-6 0,-9 11 0,5-11 0,-5 8 0,12-14 0,1-2 0</inkml:trace>
+  <inkml:trace contextRef="#ctx0" brushRef="#br0" timeOffset="110680">20322 9147 24575,'7'32'0,"-4"-5"0,0 6 0,0 1 0,1 9 0,-3-10 0,1 0 0,2 15 0,-3 3 0,1-6 0,-2 2 0,0-19 0,-1 9 0,-1-19 0,0 8 0,1-15 0,2 0 0,43-42 0,-3 0 0,-1 7 0,9-3 0,-3 2 0,-1 2 0,1 0 0,5 2 0,5 0 0,-7 3 0,-9 5 0,-2 1 0,6-1 0,-6 2 0,-15 4 0,-7 3 0</inkml:trace>
+  <inkml:trace contextRef="#ctx0" brushRef="#br0" timeOffset="114892">14818 10805 24575,'56'-3'0,"-19"1"0,3-1 0,16 1 0,7-1-2132,-19 1 1,2 1 0,3 0 0,1 0 2131,2-1 0,3 0 0,1-1 0,2 1 0,3 1-513,-8 0 0,1 0 0,2 0 1,2 1-1,0 0 0,1 0 1,1 0 512,-8-1 0,-1 1 0,1 0 0,1 0 0,1 0 0,0 0 0,3 0 0,1 1 0,1-1 0,-8 2 0,2-1 0,2 1 0,1-1 0,2 1 0,0 0 0,1 1 0,0-1 0,0 0 0,0 1 0,-2-1 0,0 0 0,-1 0 0,-2 0-109,5-1 0,-2 1 1,-2 0-1,0-1 0,-1 1 1,1-1-1,-1 0 0,2 1 1,1-1-1,1 1 0,2 0 109,-7-1 0,2 1 0,1-1 0,2 1 0,2 0 0,0 0 0,0-1 0,1 1 0,-1 0 0,-1 0 0,0-1 0,-2 1 0,-2-1 0,-2 0 0,-2 0 0,-3 0 0,13 0 0,-4 0 0,-2-1 0,-3 0 0,-1 0 0,-1 0 0,2 0 0,2 0 0,3 0 0,3 0 0,0 0 0,0-1 0,-1 1 0,-2-1 0,-3 1 0,-4 0 0,14 1 0,-5-1 0,-4 1 0,-4 0 0,-1 0 0,-4 1 0,-1-1 0,16 2 0,-9 0 0,-19-1 0</inkml:trace>
+  <inkml:trace contextRef="#ctx0" brushRef="#br0" timeOffset="116863">21414 11904 24575,'41'11'0,"0"1"0,7 3 0,-2 2 0,5 8 0,-3 10 0,-3 2 0,-11-3 0,-1 2 0,-5-2 0,-15-15 0,4 5 0,-9-9 0,2 2 0,-2-2 0,0 2 0,5 15 0,-4-7 0,3 18 0,-8-13 0,-5 4 0,-4 5 0,-2-5 0,-3 2 0,-1 9 0,0-2 0,-8 13 0,6-29 0,8-16 0,0-2 0,-8 5 0,-9 4 0,-2-3 0,-4 0 0,-2 1 0,-2 0 0,0-1 0,1-1 0,-21 10 0,20-11 0,-3 1 0,-3 1 0,9-6 0,0-1 0,-7 3 0,-8-2 0,33-16 0,4-9 0,8-14 0,5-16 0,3 6 0,2 9 0,2 1 0,8-4 0,-2 7 0,2 2 0,3 4 0,7-3 0,-14 15 0,3 4 0,-5 1 0,8 2 0,-11 2 0,8 5 0,14 21 0,2 3 0,2 2 0,4 1 0,-11-8 0,2-1 0,2 2 0,3 0 0,-3-1 0,-2-4 0,-3-2 0,9 7 0,-5-4 0,-12-9 0,-22-9 0,-25-15 0,-8-7 0,4 6 0,2-2 0,0 0 0</inkml:trace>
+  <inkml:trace contextRef="#ctx0" brushRef="#br0" timeOffset="117631">20740 11706 24575,'-1'31'0,"-1"-1"0,0 7 0,1 2 0,-3 9 0,0 3-1184,1 4 1,1 0 1183,-1 1 0,0-1 0,2 4 0,-1 0 0,1-19 0,0 1 0,0 0-558,0 5 0,1 0 1,-1 1 557,-1 0 0,0 1 0,0 1 0,1 0 0,0 0 0,0 2 173,0-6 1,-1 2-1,1-1 1,0-1-174,-1 4 0,1-1 0,0-1 0,-1-1 0,1 0 0,0-5 0,0-5 0,-1-6 0,2-3 0,0-20 0,0-3 0</inkml:trace>
+  <inkml:trace contextRef="#ctx0" brushRef="#br0" timeOffset="139495">22916 12132 24575,'57'19'0,"-2"-4"0,-3-4 0,4-7 0,-23-2 0,0-3-503,6-2 1,1-4 502,9-2 0,2-3 0,-12 1 0,0-1 0,7-8 0,-9-1 0,6-7 0,4-3 0,2-4 0,1-1 0,-2 0 0,-3 3 0,-5 3 0,11-7 0,-7 4 0,0-2 0,4-5-536,-12 9 1,5-3-1,2-3 1,1-1-1,0-1 1,-2-1 0,-3 2-1,-4 2 1,-7 2 535,3-10 0,-8 3 0,-4 0 0,0-2 0,3-4 0,-2-1 0,-1-2 0,-2 1-294,-3 3 0,-2 1 0,-1-2 1,0-4 293,-3 6 0,1-3 0,-1-2 0,-1-1 0,-1-1 0,0-1 0,-1 4 0,-2-2 0,0-1 0,-1 0 0,0 0 0,0 0 0,0 0-601,0-7 0,1 0 0,-1 0 0,0 0 0,-1 0 0,-1 0 601,-1 0 0,0 0 0,-2 0 0,0 0 0,-2 2 0,-1 1 0,-3-4 0,-2 2 0,0 1 0,-1 2 0,0 1-337,2 2 1,0 3 0,0 0 0,-1-2 336,1 2 0,0-1 0,-1-2 0,1 3 0,1 3 652,-1-8 0,0 4 0,1 2-652,1 4 0,0 2 0,-1-1 0,-1 2 0,-2 1 0,1 0 199,-6-9 1,0 2-200,-2-2 0,-1 1 0,1 2 0,1 0 0,0 1 0,0 1 0,2 2 0,-2-1 0,-6-10 0,-3 2 0,5 12 0,-2 1 1325,-3-2 0,-4-2 0,-3 2-1325,1 9 0,-4 1 0,0 2 0,2 0 0,0-3 0,2 2 0,-4 0 0,-12-3 0,-4 1 0,7 8 0,15 11 0,2 4 0,-17-5 0,0 2 0,-7-1 0,11 3 0,0 2 0,-3 3 3005,-12 0-3005,16 1 0,0 1 0,-15-1 845,11 2 0,4 1-845,6 4 925,3 1-925,20-2 0,-2 1 0,7-2 0,-2 1 0,9-2 0,0 0 0,2-1 0</inkml:trace>
+  <inkml:trace contextRef="#ctx0" brushRef="#br0" timeOffset="140444">23164 6952 24575,'-23'27'0,"1"-6"0,-9 11 0,0-11 0,-5 2 0,3-3 0,0 1 0,7-5 0,0 2 0,-14 12 0,1-1 0,1 2 0,9-7 0,2-1 0,-4-1 0,3-2 0,1 1 0,-2 5 0,-2 5 0,23-17 0,48 18 0,1-5 0,6 2 0,3 3 0,1 0-365,-10-5 1,2 1-1,-4-3 365,-1 0 0,-4-2 0,-4-3 0,-3-1 0,6 4 0,-16-10 0,-12-9 0,-5-4 0</inkml:trace>
+  <inkml:trace contextRef="#ctx0" brushRef="#br0" timeOffset="156780">0 9579 24575,'2'0'0,"50"1"0,6 0 0,-17-1 0,2 0 0,11 0 0,7 0 0,-5 1 0,-5-1 0,0 1 0,1-1 0,5 1 0,-5-1 0,-3 1 0,-1 0 0,10-3 0,2 0 0,0-1 0,-1 0 0,-8 0 0,-1-1 0,7 1 0,4 1 0,-5 0 0,4 2 0,-2-1-769,-12 0 0,-2 1 0,3-1 769,0 1 0,3-1 0,0 1 0,-3-1 0,-3 0 0,-3 0 0,0 0 0,18 0 0,2 0 0,-15 0 0,4 0 0,1 0 0,-4 1 0,-4-1 0,-2 1 0,3 0 0,12 0 0,5 0 0,1 0 0,-6-1 0,-9 1 0,-4 0 0,4 0 0,0 0 0,5 0 0,-1 0 0,-5 0 0,10 1 0,-2-2 0,-1 0 0,2 0 0,-1-1 0,-9 0 0,-2 0 0,2 0-202,4 0 0,2-1 0,3 1 202,0 1 0,3-1 0,2 1 0,-1 0-393,-1 1 1,0-1 0,0 1 0,-1 0 392,1 0 0,-1-1 0,0 1 0,1 0 0,-9-1 0,1 1 0,0 0 0,0-1 0,0 1 0,2-1 0,1 0 0,0-1 0,-2 1 0,0 0 0,2 0 0,-3 1 0,2-1 0,2 0 0,5 0 0,4 0 0,2-1 0,-4 0 0,-6 1-86,-2 1 0,-6 0 1,3 0 85,2-1 0,4 0 0,-1 1 0,-4-1 0,-4 1 0,-2 1 0,-1-1-234,-2 1 1,0-1 0,0 0 233,17 2 0,-4-1 0,-19 0 0,1 0 0,5 1 0,3 0 0,-1 0 0,7 0 0,1-1 0,-6 1 0,3 0 0,-3 0 0,3 0 0,-2 0 0,1 0 0,-1 1 0,-4-1 0,0 1 168,-3 0 1,0 0-169,-1 0 0,-1 1 0,1-1 0,1 1 0,1 1 0,1-1 0,-2-1 0,2 0 0,10 1 0,0 0 0,-13-3 0,0 1 0,18 2 0,0 0 0,-21-3 0,0 1 0,8 1 0,4 0 0,-2-1 0,1 0 0,2 0 0,8 0 0,5 0 0,-4 1 0,-3-2 0,-2 0 843,-7 1 0,3-1 0,-4 1-843,5 0 0,-2 0 0,2 1 0,5-1 0,2 0 0,5 1 0,-3-1 0,-14 0 0,-2 0 0,5 0 0,2-1 0,5 1 0,3 0 0,0-1 0,-3 1 0,4-1 0,-3 1 0,0-1 0,4 1-275,-10-1 0,2 1 1,1 0-1,1 0 1,0-1-1,0 1 275,0-1 0,0 0 0,0 0 0,1-1 0,-1 1 0,0 0 0,1 0 0,-1 0 0,1 0 0,-1 0 0,2 0 0,0 0 0,-4-1 0,2 1 0,0-1 0,0 1 0,0-1 0,-2 0 0,-3 0 0,3 0 0,-2 0 0,-1 0 0,-1-1 0,1 1 0,2 0 0,1 0 0,0 0 0,-4 0 0,-5 0 0,13-1 0,-6-1 139,-3 2 0,0-1-139,-2 0 0,0 1 0,-5 0 0,-1 0 0,1 0 0,-1 0 97,-2 0 0,0 0-97,14-1 0,0 0 0,-11-1 0,0 1 524,15 0 1,4-1-525,-15 1 0,2-1 0,-2 1 0,10 0 0,4 1 0,-8 0 0,6-1 0,2 0 0,-1 1 181,-5 0 0,0 0 0,1 0 0,2 0-181,-2 0 0,2 0 0,1 0 0,0 0 0,1 0-598,-6 0 0,2 0 1,0 0-1,-1 0 1,-1 0-1,-1 0 598,9 0 0,-2 0 0,-1 0 0,3 0 0,-1 0 0,3 1 0,1-1 0,-1 1 0,-3-1-225,-2 1 1,-2-1 0,0 0 0,2 0 224,-4 0 0,3 1 0,0-1 0,-1 0 0,-3 0 0,-2 0 0,-3 0 0,-1 0 0,2 0 0,3 0 0,2 0 0,-2-1 0,-5 1 0,7-1 0,-2 1 0,-9 0 0,3 0 0,-6-1 0,-4 1 0,-3-1 0,27 1 1060,-8 0-1060,0 1 4166,0 0-4166,-16 1 0,0 0 1233,15 1-1233,11 0 0,-9-2 0,0-1 0,-1 0 0,9 0 0,-26-1 0,25-3 0,-24 0 0,-4-1 0,3 0 0,-2 2 0,1-1 0,10-1 0,2-1 0,-7 3 0,-1 0 0,1-1 0,-2 0 0,13-1 0,-14 2 0,0 1 0,15 0 0,-11 1 0,0 0 0,-1 0 0,8 1 0,-15-1 0,-10 0 0,-3 1 0,-10-1 0,-5 1 0,-1 0 0</inkml:trace>
+  <inkml:trace contextRef="#ctx0" brushRef="#br0" timeOffset="175715">9002 3936 24575,'-9'-4'0,"1"1"0,-14-2 0,-18 1 0,10 1 0,-4 1 0,-12 0 0,-6 1 0,6-1 0,-3 1 0,3 0 0,-7 2 0,-1 1 0,6 0 0,-3 1 0,6 1 0,11 1 0,3-1 0,-7 2 0,2 0 0,-7-1 0,9-3 0,7 0 0,3 3 0,7-1 0,-16 10 0,8-5 0,-4 6 0,-1 4 0,-13 13 0,17-12 0,0 0 0,-17 21 0,17-17 0,-5 5 0,-11 10 0,18-16 0,-13 10 0,15-9 0,6-6 0,-6 12 0,7-8 0,-4 15 0,5-7 0,-3 21 0,11 2 0,0-3 0,5 8 0,2-16 0,12 15 0,-1-15 0,12 10 0,-3-18 0,0-9 0,2 0 0,11 14 0,1-5 0,2 0 0,6 3 0,-1-4 0,5-2 0,-2-6 0,2-2 0,-7-2 0,3-1 0,-3-4 0,2-1 0,-4-2 0,17 2 0,-7-3 0,1-1 0,-19-7 0,1-1 0,8 1 0,7-1 0,2-4 0,9-1 0,1-1 0,-6-1 0,-5 2 0,-4-2 0,7 0-593,-4 0 0,7-1 0,3-1 0,0 0 0,-3 0 0,-7 1 593,5-2 0,-6 0 0,3 0 0,9-3 0,5-2 0,-1 1 0,-7 1-27,-13 2 0,-3 2 0,1-2 27,6 0 0,4-1 0,-1-1 0,-5 2 0,2-1 0,-3 1 0,15-3 0,-3 0 0,-21 3 0,-4 1 0,26-8 0,-2 1 0,-22 7 0,-2-1 0,14-3 1770,-14 0 1,-1-1-1771,-1-5 98,8-9-98,-12 6 0,1 0 0,4-6 0,-1-8 0,2-16 0,-9 1 0,-10 14 0,-2 0 0,2-11 0,0-12 0,-6 15 0,-2 0 0,-5-6 0,-5-3 0,-6 10 0,-4 0 0,5 11 0,-1 0 0,-8-11 0,-2 0 0,6 16 0,-1 1 0,-20-17 0,-2 0 0,12 14 0,0 0 0,-15-12 0,-1 2 0,7 13 0,2 4 0,-14-8 0,19 15 0,2 2 0,2 4 0,7 3 0,-1 0 0,4 2 0,-12-1 0,10 3 0,-16 1 0,16 0 0,-6 0 0,4 3 0,5-1 0,-2 0 0,8 1 0,3-2 0,2-1 0,2 0 0,2 0 0,1 0 0</inkml:trace>
+  <inkml:trace contextRef="#ctx0" brushRef="#br0" timeOffset="222552">1573 17875 24575,'59'-3'0,"1"0"0,-1 1 0,-5 1 0,4 1 0,3 1 0,0-1 0,1 1-1639,-9 0 1,0-1-1,1 1 1,0-1 0,2 1-1,2 1 1452,-6-1 1,2 1 0,0-1 0,2 1 0,0 0-1,0 1 1,0-1 0,-2 0-122,6 0 0,-2 0 0,1 0 0,-1 0 1,0 0-1,2 1 0,0-1 308,-5 0 0,-1-1 0,-1 1 0,1 0 0,2 0 0,4 0 0,3 0 0,5 0-42,-22 0 0,2 0 0,3-1 0,2 1 0,2 0 1,2 1-1,1-1 0,2 0 0,1 0 0,0 1 0,1-1 1,0 0-1,1 1 0,-1-1 0,-1 0 0,0 1 0,-2-1 1,0 0-1,-3 0 0,-1 0 0,-2 0 42,10 0 0,-2 0 0,-2 1 0,-1-2 0,-2 1 0,1 0 0,-2 0 0,1 0 0,0 0 0,1 0 0,0 0 0,2 0 0,2 0 0,1 0-102,-8 0 1,3 0-1,1 0 1,1 1-1,2-1 1,1 0 0,0 1-1,1-1 1,0 0-1,0 1 1,-1-1 0,0 1-1,0-1 1,-2 0-1,-1 0 1,-2 1-1,-2-1 1,-1 0 0,-3-1-1,-2 1 102,19 0 0,-4 0 0,-2 0 0,-4 0 0,-1-1 0,-1 1 0,-1-1 0,0 1 0,1 0 103,2 0 1,-1 0 0,-1 1 0,-1-1 0,1 0 0,-1 1 0,0-1 0,1 1-104,0-1 0,-1 1 0,1-1 0,0 1 0,-1-1 0,1 1 0,-1 0 0,0 0 32,-2-1 0,1 1 0,-1 0 0,1 0 0,-1 1 1,-1-1-1,0 0 0,-1 0-32,3 1 0,0-1 0,0 1 0,-1 0 0,-2 0 0,-1-1 0,-3 0 0,12 1 0,-4 0 0,-1 0 0,4 0 122,-9-1 1,3 1-1,2-1 1,-1 1 0,-1-1-1,-2 0-122,7 0 0,-2 0 0,-1 0 0,5 0 0,-6 0 0,3 0 0,1 0 0,1 0 0,-2 0 0,-3-1 0,7 0 0,-5 0 0,1 0 0,2-1 0,-3 1 0,2-1 0,2 1 0,-1-1 0,-1 0 0,-1 0 0,-1 0 0,0 0 0,-1-1 0,1 1 0,-2-1 0,1 1 0,-1-1 0,0 0 0,-1 1 236,-1-1 0,-1 0 0,0 0 0,0 1 0,-1-1-236,8 1 0,-1 0 0,1 0 0,4 1 0,-9 0 0,3 1 0,2 0 0,0 1 0,-1-1 0,-3 0 0,-2-1 0,-2 1 0,-1-1 0,0 0 0,3 1 0,-2 1 0,3-1 0,0 1 0,0 0 0,-2 0 0,-3-1 0,3 0 0,-4 0 0,-1 0 0,0 0 226,12 3 1,-1-1 0,0 1-227,-1-1 0,0 0 0,-2 1 0,-4-1 0,-1 0 0,0 0 746,2 0 1,1-1-1,-2-1-746,-6 0 0,0-1 0,0 0 0,4 0 0,2 0 0,2 0 0,-2-1 0,3-1 0,1 0 0,-3 0 0,4 1 0,-1-1 0,3-1 0,-7 0 0,4-1 0,2 0 0,-2-1 0,-6 1 0,3 0 0,-4-1 0,1 0 0,11-3 0,2 0 0,-4 1 0,1-2 0,-5 1 1550,-1 0 1,2 0-1551,-8 2 0,3 0 0,1 0 0,6-1 0,1 0 0,-1 0 0,-7 1 0,-1 1 0,0 0 0,10 0 0,2-1 0,-9 2 0,-16 0 0,-3 1 1619,5 0 0,-3 1-1619,-6-1 2201,-15-1-2201,-1-3 1922,-5-4-1922,7-9 0,1-6 0,4-10 0,2-4 0,5-15 0,-10 24 0,1-4 0,-1-5 0,1-5 0,0 1 0,4-6 0,2-2 0,-1-2 0,1-5 0,-2 6 0,-3 9 0,-2 1 0,-2 2 0,-1-3 0,-4 3 0,-5-4 0,-5 2 0,1 1 0,-3 1 0,-1 6 0,-2 3 0,-5-1 0,1 7 0,-9-2 0,-2-1 0,-2-7 0,0 5 0,1 0 0,3 4 0,-16-11 0,12 16 0,-15-11 0,7 12 0,-2 1 0,4 2 0,-6 1 0,-10-1 0,-10-1 0,-3 0 0,6 2 0,10 4 0,3 1 0,-5-1-618,-4 0 0,-7-1 0,-2 0 0,2 1 1,7 1 617,3 2 0,4 2 0,-2-1 0,2-1 0,-2 0 0,-2 1 0,0 0 0,-7 0 0,-1 2 0,1 0 0,1 0 0,-4-1 0,1 1 0,-1 0 0,2 1 0,-2 0 0,0 0 0,4 1-701,-1-1 0,4 2 1,-1-1 700,-3 0 0,0 0 0,-3 0 0,10-1 0,-2-1 0,-2 1 0,1-1 0,2 1 0,-2 0 0,3 0 0,0 1 0,-4-1 0,-5 0 0,-5-1 0,-1 0 0,2 1 0,6 1 0,-4 0 0,5 1 0,-2 0 0,5 0 0,-3 1 0,1 0 0,2 0 0,-2 1 0,3 1 0,0-1 0,-3 1 0,0-1 0,-1 1 0,-3-1 0,0 1 0,-5-1 0,10 1 0,-4 0 0,-1 0 0,-2 0 0,1 0 0,-1 0 0,-2 1 0,1-1 0,-1 1 0,0-1 0,9 0 0,0 0 0,0 0 0,0 0 0,0 0 0,-1 0 0,-4 0 0,-2 0 0,0 1 0,0-2 0,3 1 0,4-1 0,-3-1 0,5 0 0,-1-1 0,-5-1 0,6 2 0,-3-1 0,-4-1 0,-1 1 0,0-1 0,1 1 0,2-1 0,-1 0 0,1-1 0,1 1 0,0-1 0,0 1 0,0 0-563,-3 0 1,0 0-1,0 0 1,1 0-1,0 0 1,1 0 562,-4 0 0,1 0 0,1 0 0,0 0 0,1 0 0,1 1 0,1-1 0,0 1 0,1-1 0,2 1 0,-3 0 0,4-1 0,-2 1 0,-4 0 0,2 0 0,-6 0 0,-2 1 0,-1-1 0,3 1 0,5 0 0,-2 0 0,4 0 0,0 0 0,-1 1 0,2 0 0,-2 0 0,0 0 0,0 0 0,1 0-470,-7 1 0,2-1 0,0 1 0,3 0 470,-5-1 0,3 1 0,-4-1 168,8 1 0,-3-2 1,-1 1-1,-1 0 0,2-1-168,-6 0 0,0 0 0,2 0 0,0-1 0,1 0 0,0-1 0,2 0 0,0 0 0,5 0 0,2 0 0,0 0 0,1-1 0,-11 0 0,2 0 0,1 0 0,11 0 0,1 0 0,-3 1 52,-12 0 0,-3 0 0,2 1-52,11-2 0,1 1 0,0 0 0,1 0 0,0 1 0,-3-1 0,2 0 0,-4-2 0,1 1 0,1 0 0,-6 0 0,2 0 0,-3 0 0,7 0 0,-3-1 0,0 1 0,-1 0 0,-2 2 0,-1 0 0,-1 0 0,1 0 0,-3 0 0,-1 0 0,1 0 0,0 1 0,-1 1 0,1 1 0,0 0 0,1 1 0,5-1 0,0 0 0,1 0 0,4 2 0,-1 1 0,2 2 0,1 0 0,1-1 0,1 1 0,-3 0 0,-2 1 0,-3 0 0,-1 0 0,3 0 0,-1-1 0,2-1 0,-4 2 0,6-1 0,-4 1 0,-2 1 0,2-1 0,4 0 0,-3-1 0,4 0 0,-4 0 0,-4 0 0,-5 2 0,0-1 0,6-1 0,8-1 0,3-1 0,0-1 0,-10 1 0,-1-2 0,4 0 1286,0-1 1,3-1-1287,1-2 0,-2 0 0,2 1 0,-2 0 0,1-1 0,-6 0 0,-1-1 0,10 1 0,-4 0 0,-1 0 0,5 0 0,-10 0 0,1-1 849,8 2 1,-3-1-1,1 1-849,3 0 0,1 0 0,1 1 0,-8 0 0,-1 0 466,1 0 0,-5 0 0,3 1-466,8 0 0,2 0 0,1 1 0,-17 1 0,2 1 0,4 0 0,4 1 0,-12 3 2132,0-4-2132,1-1 798,6-3-798,9 2 0,-6 0 0,16-1 0,-6 3 0,18-3 0,8 5 0,4 1 0,5 5 0,0 9 0,5 1 0,-1 7 0,2 8 0,-2 6 0,1 3 0,0 4 0,1-10 0,0 1-318,1 16 1,2-1 317,0-15 0,0-1 0,3 14 0,0 1 0,-3-15 0,0 0 0,1 10 0,-1-1 0,-3-13 0,-1-3 0,1 11 0,2 6 0,1-30 0,0-2 0,1-3 635,1-4-635,10 13 0,-2-3 0,10 13 0,-10-13 0,4 5 0,-10-17 0,-2-3 0,-7-5 0</inkml:trace>
+  <inkml:trace contextRef="#ctx0" brushRef="#br0" timeOffset="234303">17864 16290 24575,'0'34'0,"1"0"0,-1 14 0,0 7 0,0-10 0,1 5 0,-1 1 0,1-4 0,0-3 0,0-2 0,0 1 0,0 12 0,-1 3 0,1-13 0,-2-4 0,-3-4 0,-5-7 0,4-18 0,-3-3 0,6-11 0,-1-7 0</inkml:trace>
+  <inkml:trace contextRef="#ctx0" brushRef="#br0" timeOffset="235139">17866 16804 24575,'17'-19'0,"-2"4"0,23-16 0,5 1 0,-12 9 0,1 0 0,-6 4 0,0 1 0,5-2 0,0 2 0,5 1 0,-1 2 0,-9 8 0,-10 2 0,-4 2 0,-3 0 0,-4 1 0,0-2 0,-5 6 0,2-4 0,-5 4 0</inkml:trace>
+  <inkml:trace contextRef="#ctx0" brushRef="#br0" timeOffset="235953">17905 16770 24575,'15'24'0,"5"-1"0,6-5 0,3 0 0,10 3 0,14 4 0,-30-18 0,-9-4 0,-4 0 0,4 1 0,-2 0 0,5 2 0,2 1 0,-8-2 0,10 8 0,-11-5 0,3 3 0,-8-8 0,-3-2 0</inkml:trace>
+  <inkml:trace contextRef="#ctx0" brushRef="#br0" timeOffset="239705">18733 16630 24575,'-53'-4'0,"16"1"0,4 4 0,21 2 0,1 4 0,0 6 0,0 1 0,-17 10 0,11-11 0,-7 4 0,14-7 0,5-3 0,2 5 0,3-3 0,6 8 0,12 1 0,6 0 0,3 0 0,18 11 0,-7-7 0,0 2 0,-12-3 0,-3 0 0,12 9 0,-16-1 0,-28-19 0,-6-2 0,-4 4 0,-8 1 0,7-2 0,-5 1 0,-2 1 0,8-4 0,-6 5 0,22-13 0,22-6 0,10-4 0,6-1 0,5-1 0,4 0 0,1-3 0,1-4 0,-1-4 0,1-3 0,-4-4 0,-13 0 0,-5-2 0,-6 5 0,-3 0 0,-1-8 0,-3 0 0,-3-5 0,-2 6 0,-2 0 0,1 0 0,2-27 0,-2 27 0,-4 1 0,0 1 0,1-2 0,0-9 0,-1 16 0,1 10 0,-2 1 0,0 21 0,-2 5 0,-1 16 0,-3 8 0,0 11 0,3-15 0,1 3 0,1 17 0,1 3 0,-1-2 0,0 0 0,1-1 0,0 0 0,-2-8 0,2-3 0,1 16 0,2-12 0,2-11 0,1-25 0,-2-4 0,1-4 0,0-1 0,0-1 0,0-3 0,-2-1 0,0-12 0,-3 5 0,-3-12 0,-1 11 0,-3-4 0,-8-6 0,1 4 0,-20-15 0,14 16 0,-6-1 0,11 9 0,-1 0 0,-1-2 0,-9-4 0,12 5 0,-3-1 0,12 9 0,2 0 0,0 2 0,-2-4 0,-1 1 0,0 0 0,6 2 0,45 2 0,-3 0 0,13 0 0,4 0 0,-22 0 0,-1 0 0,15 0 0,-2 0 0,-14 0 0,-2 1 0,-2-2 0,0 1 0,7-2 0,-2 0 0,-1-1 0,9-2 0,-41 2 0,-2 3 0,-7 2 0,-9 7 0,-22 13 0,4-2 0,-15 8 0,16-6 0,-1 8 0,12-4 0,-2 5 0,13-1 0,5-11 0,5 6 0,6-18 0,3-1 0,3-4 0,3 0 0,9-1 0,24-1 0,-11-1 0,12-3 0,-30-1 0,-8-2 0,-7-8 0,-4-2 0,0-3 0,-2 3 0,0 2 0,0 5 0,0-5 0,-2 6 0,-1-1 0,1 3 0,0 3 0,6 13 0,3 4 0,8 13 0,0-5 0,11 11 0,-7-11 0,5 3 0,-5-8 0,-8-8 0,-2-4 0,-6-5 0,-2-7 0,1 6 0,-1-4 0</inkml:trace>
+  <inkml:trace contextRef="#ctx0" brushRef="#br0" timeOffset="240720">19784 16409 24575,'4'35'0,"-3"-2"0,-1-2 0,1 2 0,-2 20 0,-1 6 0,3-26 0,0 0 0,-1 16 0,1 3 0,-3-10 0,1-3 0,0-2 0,6 4 0,5-15 0,15 16 0,-3-20 0,6 3 0,-5-18 0,-12-3 0,3-4 0,-11-2 0,0-1 0,1-3 0,-1-1 0,-2-2 0,1-1 0,-2 0 0,-2-7 0,2 9 0,-3-4 0</inkml:trace>
+  <inkml:trace contextRef="#ctx0" brushRef="#br0" timeOffset="241439">19642 16788 24575,'27'-2'0,"-3"1"0,20-1 0,-1 2 0,9-1 0,-15 1 0,2-1 0,-1 0 0,-1 0 0,-2 0 0,-2 0 0,12-2 0,-30 2 0,-8 0 0,-6 1 0</inkml:trace>
+  <inkml:trace contextRef="#ctx0" brushRef="#br0" timeOffset="242404">20747 16910 24575,'11'-3'0,"14"0"0,5 1 0,3 1 0,1 0 0,10-1 0,-12-2 0,-3 0 0,-10 0 0,-3-1 0,-12 6 0,-2-1 0,2 2 0</inkml:trace>
+  <inkml:trace contextRef="#ctx0" brushRef="#br0" timeOffset="243838">21554 16918 24575,'-7'-32'0,"0"6"0,5 18 0,-4 3 0,-15-2 0,4 3 0,-22-4 0,20 6 0,-9-1 0,12 3 0,1 2 0,2 0 0,-10 10 0,5 1 0,-17 26 0,14-6 0,-6 12 0,14-11 0,2-4 0,8 29 0,14-23 0,4 10 0,14-35 0,22-22 0,-19-1 0,1-1 0,1-1 0,2-4 0,10-14 0,-4-4 0,-19 9 0,-4-3 0,1-6 0,-1-6 0,-5 3 0,-4 2 0,-4 1 0,1-22 0,-2 1 0,-3-1 0,-5 9 0,-2 1 0,1 1 0,-1 13 0,0 3 0,2 13 0,3 5 0,0 23 0,0 14 0,0 24 0,2 6 0,-1 1 0,6 0 0,-3-26 0,2 2 0,6 14 0,2 0 0,-5-13 0,1-1 0,3 8 0,0-3 0,3 1 0,-5-11 0,4 3 0,8 2 0,2-9 0,-1 1 0,-8-14 0,-10-8 0,-2-1 0,0-1 0,-2 0 0,-1 0 0</inkml:trace>
+  <inkml:trace contextRef="#ctx0" brushRef="#br0" timeOffset="244788">22764 16432 24575,'1'27'0,"-1"9"0,1 16 0,-3-19 0,0 0 0,0 2 0,-1 1 0,0 5 0,-1 2 0,2-2 0,0 5 0,2 9 0,0 6 0,0-3 0,0-16 0,0-3 0,1 2 0,-1 10 0,1 2 0,0-6 0,-1-6 0,1-9 0,-1-7 0,1-5 0,-1-17 0,3-5 0,5-1 0,-4 0 0,2 0 0</inkml:trace>
+  <inkml:trace contextRef="#ctx0" brushRef="#br0" timeOffset="246538">17729 17800 24575,'42'0'0,"1"0"0,0 0 0,1 1 0,2 1 0,9 0 0,-10 0 0,6 1 0,6 0 0,3 1 0,4 0 0,1 0 0,0 0 0,-1 0 0,-3-1-984,-7 1 1,1-1 0,-1 1 0,1-1 0,-1 1 0,1 0 0,0-1 0,1 1 0,1 0 0,0 0 858,-4-1 1,1 0 0,1 1 0,0-1 0,0 1 0,1 0 0,0-1 0,0 1-1,0-1 1,1 0 0,-1 1 0,0-1 124,2 0 0,2 1 0,0-1 0,1 0 0,0 0 0,0 0 0,-1 1 0,-1-1 0,-2 0 0,0-1 0,-3 1 0,-3 0-24,12 0 1,-4 0-1,-3 0 1,-2 0-1,1 0 1,2 0-1,4 0 24,-7 0 0,4-1 0,2 1 0,1 0 0,1-1 0,-1 1 0,-1 0 0,-2 0 0,-3-1 0,-4 1 0,5 0 0,-4 0 0,-3 0 0,0 0 0,0 0 0,3 0 0,2 0 0,4 0 0,0 1 0,1-1 0,-3 1 0,-3-1 0,-7 0 0,14 0 0,-8 1 0,0-1 0,9 0 0,0 1 0,-6-2 862,-8-1 1,-4-2-863,-1 1 0,0-1 0,11-2 0,-1 0 0,-18 2 0,2 0 0,6-1 0,5-1 0,-6 0 0,-10 2 0,-1-1 0,22-3 0,0 1 0,-20 1 0,-2 1 0,1-1 0,-1 0 0,26 1 5310,-4-2-5310,-23 2 960,-4 0 0,-23 2 0,-1 0 1</inkml:trace>
+</inkml:ink>
+</file>
+
 <file path=ppt/notesMasters/notesMaster1.xml><?xml version="1.0" encoding="utf-8"?>
 <p:notesMaster xmlns:a="http://schemas.openxmlformats.org/drawingml/2006/main" xmlns:r="http://schemas.openxmlformats.org/officeDocument/2006/relationships" xmlns:p="http://schemas.openxmlformats.org/presentationml/2006/main">
   <p:cSld>
@@ -235,7 +312,7 @@
           <a:p>
             <a:fld id="{08E6E0A8-E17C-C949-B17E-7A1A6494483A}" type="datetimeFigureOut">
               <a:rPr lang="en-US" smtClean="0"/>
-              <a:t>4/14/21</a:t>
+              <a:t>4/15/21</a:t>
             </a:fld>
             <a:endParaRPr lang="en-US"/>
           </a:p>
@@ -965,7 +1042,7 @@
           <a:p>
             <a:fld id="{42B8B0BE-C8D7-EB48-AD68-71DB5002F24B}" type="datetimeFigureOut">
               <a:rPr lang="en-US" smtClean="0"/>
-              <a:t>4/14/21</a:t>
+              <a:t>4/15/21</a:t>
             </a:fld>
             <a:endParaRPr lang="en-US"/>
           </a:p>
@@ -1133,7 +1210,7 @@
           <a:p>
             <a:fld id="{42B8B0BE-C8D7-EB48-AD68-71DB5002F24B}" type="datetimeFigureOut">
               <a:rPr lang="en-US" smtClean="0"/>
-              <a:t>4/14/21</a:t>
+              <a:t>4/15/21</a:t>
             </a:fld>
             <a:endParaRPr lang="en-US"/>
           </a:p>
@@ -1311,7 +1388,7 @@
           <a:p>
             <a:fld id="{42B8B0BE-C8D7-EB48-AD68-71DB5002F24B}" type="datetimeFigureOut">
               <a:rPr lang="en-US" smtClean="0"/>
-              <a:t>4/14/21</a:t>
+              <a:t>4/15/21</a:t>
             </a:fld>
             <a:endParaRPr lang="en-US"/>
           </a:p>
@@ -1479,7 +1556,7 @@
           <a:p>
             <a:fld id="{42B8B0BE-C8D7-EB48-AD68-71DB5002F24B}" type="datetimeFigureOut">
               <a:rPr lang="en-US" smtClean="0"/>
-              <a:t>4/14/21</a:t>
+              <a:t>4/15/21</a:t>
             </a:fld>
             <a:endParaRPr lang="en-US"/>
           </a:p>
@@ -1724,7 +1801,7 @@
           <a:p>
             <a:fld id="{42B8B0BE-C8D7-EB48-AD68-71DB5002F24B}" type="datetimeFigureOut">
               <a:rPr lang="en-US" smtClean="0"/>
-              <a:t>4/14/21</a:t>
+              <a:t>4/15/21</a:t>
             </a:fld>
             <a:endParaRPr lang="en-US"/>
           </a:p>
@@ -2009,7 +2086,7 @@
           <a:p>
             <a:fld id="{42B8B0BE-C8D7-EB48-AD68-71DB5002F24B}" type="datetimeFigureOut">
               <a:rPr lang="en-US" smtClean="0"/>
-              <a:t>4/14/21</a:t>
+              <a:t>4/15/21</a:t>
             </a:fld>
             <a:endParaRPr lang="en-US"/>
           </a:p>
@@ -2428,7 +2505,7 @@
           <a:p>
             <a:fld id="{42B8B0BE-C8D7-EB48-AD68-71DB5002F24B}" type="datetimeFigureOut">
               <a:rPr lang="en-US" smtClean="0"/>
-              <a:t>4/14/21</a:t>
+              <a:t>4/15/21</a:t>
             </a:fld>
             <a:endParaRPr lang="en-US"/>
           </a:p>
@@ -2545,7 +2622,7 @@
           <a:p>
             <a:fld id="{42B8B0BE-C8D7-EB48-AD68-71DB5002F24B}" type="datetimeFigureOut">
               <a:rPr lang="en-US" smtClean="0"/>
-              <a:t>4/14/21</a:t>
+              <a:t>4/15/21</a:t>
             </a:fld>
             <a:endParaRPr lang="en-US"/>
           </a:p>
@@ -2640,7 +2717,7 @@
           <a:p>
             <a:fld id="{42B8B0BE-C8D7-EB48-AD68-71DB5002F24B}" type="datetimeFigureOut">
               <a:rPr lang="en-US" smtClean="0"/>
-              <a:t>4/14/21</a:t>
+              <a:t>4/15/21</a:t>
             </a:fld>
             <a:endParaRPr lang="en-US"/>
           </a:p>
@@ -2915,7 +2992,7 @@
           <a:p>
             <a:fld id="{42B8B0BE-C8D7-EB48-AD68-71DB5002F24B}" type="datetimeFigureOut">
               <a:rPr lang="en-US" smtClean="0"/>
-              <a:t>4/14/21</a:t>
+              <a:t>4/15/21</a:t>
             </a:fld>
             <a:endParaRPr lang="en-US"/>
           </a:p>
@@ -3167,7 +3244,7 @@
           <a:p>
             <a:fld id="{42B8B0BE-C8D7-EB48-AD68-71DB5002F24B}" type="datetimeFigureOut">
               <a:rPr lang="en-US" smtClean="0"/>
-              <a:t>4/14/21</a:t>
+              <a:t>4/15/21</a:t>
             </a:fld>
             <a:endParaRPr lang="en-US"/>
           </a:p>
@@ -3378,7 +3455,7 @@
           <a:p>
             <a:fld id="{42B8B0BE-C8D7-EB48-AD68-71DB5002F24B}" type="datetimeFigureOut">
               <a:rPr lang="en-US" smtClean="0"/>
-              <a:t>4/14/21</a:t>
+              <a:t>4/15/21</a:t>
             </a:fld>
             <a:endParaRPr lang="en-US"/>
           </a:p>
@@ -4082,7 +4159,7 @@
                 <a:latin typeface="Courier"/>
                 <a:cs typeface="Courier"/>
               </a:rPr>
-              <a:t>	-K 31 -d 2 –R -o DH10Bkmer31 \</a:t>
+              <a:t>	-K 31 -d 2 -R -o DH10Bkmer31 \</a:t>
             </a:r>
           </a:p>
           <a:p>
@@ -5646,8 +5723,8 @@
         </p:nvSpPr>
         <p:spPr>
           <a:xfrm>
-            <a:off x="257720" y="1047625"/>
-            <a:ext cx="8886279" cy="4491196"/>
+            <a:off x="257721" y="1047624"/>
+            <a:ext cx="8632280" cy="4883275"/>
           </a:xfrm>
           <a:solidFill>
             <a:schemeClr val="accent3">
@@ -5850,6 +5927,18 @@
                 <a:cs typeface="Courier"/>
               </a:rPr>
               <a:t>### convert FASTQ to BAM</a:t>
+            </a:r>
+          </a:p>
+          <a:p>
+            <a:pPr marL="0" indent="0">
+              <a:buNone/>
+            </a:pPr>
+            <a:r>
+              <a:rPr lang="en-US" sz="1800" dirty="0">
+                <a:latin typeface="Courier"/>
+                <a:cs typeface="Courier"/>
+              </a:rPr>
+              <a:t>module load Java</a:t>
             </a:r>
           </a:p>
           <a:p>
@@ -6124,7 +6213,7 @@
                 <a:latin typeface="Courier"/>
                 <a:cs typeface="Courier"/>
               </a:rPr>
-              <a:t>#!/bin/bash -l</a:t>
+              <a:t>#!/bin/bash</a:t>
             </a:r>
           </a:p>
           <a:p>
@@ -6385,6 +6474,50 @@
               </a:rPr>
               <a:t>	MAX_MEM_GB=16</a:t>
             </a:r>
+          </a:p>
+        </p:txBody>
+      </p:sp>
+      <p:sp>
+        <p:nvSpPr>
+          <p:cNvPr id="4" name="TextBox 3">
+            <a:extLst>
+              <a:ext uri="{FF2B5EF4-FFF2-40B4-BE49-F238E27FC236}">
+                <a16:creationId xmlns:a16="http://schemas.microsoft.com/office/drawing/2014/main" id="{9CF931CD-B112-7D41-B695-CE3B852EFFA8}"/>
+              </a:ext>
+            </a:extLst>
+          </p:cNvPr>
+          <p:cNvSpPr txBox="1"/>
+          <p:nvPr/>
+        </p:nvSpPr>
+        <p:spPr>
+          <a:xfrm>
+            <a:off x="457200" y="5987038"/>
+            <a:ext cx="3844642" cy="523220"/>
+          </a:xfrm>
+          <a:prstGeom prst="rect">
+            <a:avLst/>
+          </a:prstGeom>
+          <a:noFill/>
+        </p:spPr>
+        <p:txBody>
+          <a:bodyPr wrap="none" rtlCol="0">
+            <a:spAutoFit/>
+          </a:bodyPr>
+          <a:lstStyle/>
+          <a:p>
+            <a:r>
+              <a:rPr lang="en-US" sz="2800" dirty="0" err="1"/>
+              <a:t>sbatch</a:t>
+            </a:r>
+            <a:r>
+              <a:rPr lang="en-US" sz="2800" dirty="0"/>
+              <a:t> </a:t>
+            </a:r>
+            <a:r>
+              <a:rPr lang="en-US" sz="2800" dirty="0" err="1"/>
+              <a:t>discovardn.sbatch</a:t>
+            </a:r>
+            <a:endParaRPr lang="en-US" sz="2800" dirty="0"/>
           </a:p>
         </p:txBody>
       </p:sp>
@@ -7363,9 +7496,15 @@
         </p:nvSpPr>
         <p:spPr>
           <a:xfrm>
-            <a:off x="300119" y="1148734"/>
+            <a:off x="300119" y="1047625"/>
             <a:ext cx="8543761" cy="5159537"/>
           </a:xfrm>
+          <a:solidFill>
+            <a:schemeClr val="accent3">
+              <a:lumMod val="20000"/>
+              <a:lumOff val="80000"/>
+            </a:schemeClr>
+          </a:solidFill>
         </p:spPr>
         <p:txBody>
           <a:bodyPr>
@@ -7671,14 +7810,14 @@
                 <a:latin typeface="Courier"/>
                 <a:cs typeface="Courier"/>
               </a:rPr>
-              <a:t>nanopore</a:t>
+              <a:t>pacbio</a:t>
             </a:r>
             <a:r>
               <a:rPr lang="en-US" sz="2000" dirty="0">
                 <a:latin typeface="Courier"/>
                 <a:cs typeface="Courier"/>
               </a:rPr>
-              <a:t>-raw $</a:t>
+              <a:t> $</a:t>
             </a:r>
             <a:r>
               <a:rPr lang="en-US" sz="2000" dirty="0" err="1">
@@ -7691,6 +7830,50 @@
               <a:latin typeface="Courier"/>
               <a:cs typeface="Courier"/>
             </a:endParaRPr>
+          </a:p>
+        </p:txBody>
+      </p:sp>
+      <p:sp>
+        <p:nvSpPr>
+          <p:cNvPr id="4" name="TextBox 3">
+            <a:extLst>
+              <a:ext uri="{FF2B5EF4-FFF2-40B4-BE49-F238E27FC236}">
+                <a16:creationId xmlns:a16="http://schemas.microsoft.com/office/drawing/2014/main" id="{1AE544D4-0EBE-074A-840F-0FDC43FC855A}"/>
+              </a:ext>
+            </a:extLst>
+          </p:cNvPr>
+          <p:cNvSpPr txBox="1"/>
+          <p:nvPr/>
+        </p:nvSpPr>
+        <p:spPr>
+          <a:xfrm>
+            <a:off x="211219" y="6207162"/>
+            <a:ext cx="2725233" cy="584775"/>
+          </a:xfrm>
+          <a:prstGeom prst="rect">
+            <a:avLst/>
+          </a:prstGeom>
+          <a:noFill/>
+        </p:spPr>
+        <p:txBody>
+          <a:bodyPr wrap="none" rtlCol="0">
+            <a:spAutoFit/>
+          </a:bodyPr>
+          <a:lstStyle/>
+          <a:p>
+            <a:r>
+              <a:rPr lang="en-US" sz="3200" dirty="0" err="1"/>
+              <a:t>sh</a:t>
+            </a:r>
+            <a:r>
+              <a:rPr lang="en-US" sz="3200" dirty="0"/>
+              <a:t> </a:t>
+            </a:r>
+            <a:r>
+              <a:rPr lang="en-US" sz="3200" dirty="0" err="1"/>
+              <a:t>canu.asm.sh</a:t>
+            </a:r>
+            <a:endParaRPr lang="en-US" sz="3200" dirty="0"/>
           </a:p>
         </p:txBody>
       </p:sp>
@@ -8977,25 +9160,18 @@
               <a:t>asm</a:t>
             </a:r>
             <a:r>
+              <a:rPr lang="en-US">
+                <a:latin typeface="Courier"/>
+                <a:cs typeface="Courier"/>
+              </a:rPr>
+              <a:t>=cmnHF4</a:t>
+            </a:r>
+            <a:r>
               <a:rPr lang="en-US" dirty="0">
                 <a:latin typeface="Courier"/>
                 <a:cs typeface="Courier"/>
               </a:rPr>
-              <a:t>=../</a:t>
-            </a:r>
-            <a:r>
-              <a:rPr lang="en-US" dirty="0" err="1">
-                <a:latin typeface="Courier"/>
-                <a:cs typeface="Courier"/>
-              </a:rPr>
-              <a:t>canu</a:t>
-            </a:r>
-            <a:r>
-              <a:rPr lang="en-US" dirty="0">
-                <a:latin typeface="Courier"/>
-                <a:cs typeface="Courier"/>
-              </a:rPr>
-              <a:t>/cmnHF4/cmnHF4.contigs.fasta</a:t>
+              <a:t>.contigs.fasta</a:t>
             </a:r>
           </a:p>
           <a:p>
@@ -9254,21 +9430,64 @@
                 <a:latin typeface="Courier"/>
                 <a:cs typeface="Courier"/>
               </a:rPr>
-              <a:t>=../</a:t>
+              <a:t>=cmnHF4.contigs.fasta</a:t>
+            </a:r>
+          </a:p>
+          <a:p>
+            <a:pPr marL="0" indent="0">
+              <a:buNone/>
+            </a:pPr>
+            <a:r>
+              <a:rPr lang="en-US" dirty="0">
+                <a:latin typeface="Courier"/>
+                <a:cs typeface="Courier"/>
+              </a:rPr>
+              <a:t>module load Java</a:t>
+            </a:r>
+          </a:p>
+          <a:p>
+            <a:pPr marL="0" indent="0">
+              <a:buNone/>
+            </a:pPr>
+            <a:r>
+              <a:rPr lang="en-US" dirty="0">
+                <a:latin typeface="Courier"/>
+                <a:cs typeface="Courier"/>
+              </a:rPr>
+              <a:t>java </a:t>
+            </a:r>
+            <a:r>
+              <a:rPr lang="en-US" sz="2000" dirty="0">
+                <a:latin typeface="Courier"/>
+                <a:cs typeface="Courier"/>
+              </a:rPr>
+              <a:t>-jar /homes/liu3zhen/software/pilon/pilon-1.23.jar \</a:t>
+            </a:r>
+          </a:p>
+          <a:p>
+            <a:pPr marL="0" indent="0">
+              <a:buNone/>
+            </a:pPr>
+            <a:r>
+              <a:rPr lang="en-US" dirty="0">
+                <a:latin typeface="Courier"/>
+                <a:cs typeface="Courier"/>
+              </a:rPr>
+              <a:t>  --genome $</a:t>
             </a:r>
             <a:r>
               <a:rPr lang="en-US" dirty="0" err="1">
                 <a:latin typeface="Courier"/>
                 <a:cs typeface="Courier"/>
               </a:rPr>
-              <a:t>canu</a:t>
+              <a:t>asm</a:t>
             </a:r>
             <a:r>
               <a:rPr lang="en-US" dirty="0">
                 <a:latin typeface="Courier"/>
                 <a:cs typeface="Courier"/>
               </a:rPr>
-              <a:t>/cmnHF4/cmnHF4.contigs.fasta</a:t>
+              <a:t> \</a:t>
             </a:r>
           </a:p>
           <a:p>
@@ -9280,7 +9499,7 @@
                 <a:latin typeface="Courier"/>
                 <a:cs typeface="Courier"/>
               </a:rPr>
-              <a:t>module load Java</a:t>
+              <a:t>  --frags HF4aln.sort.bam \</a:t>
             </a:r>
           </a:p>
           <a:p>
@@ -9292,14 +9511,7 @@
                 <a:latin typeface="Courier"/>
                 <a:cs typeface="Courier"/>
               </a:rPr>
-              <a:t>java </a:t>
-            </a:r>
-            <a:r>
-              <a:rPr lang="en-US" sz="2000" dirty="0">
-                <a:latin typeface="Courier"/>
-                <a:cs typeface="Courier"/>
-              </a:rPr>
-              <a:t>-jar /homes/liu3zhen/software/pilon/pilon-1.23.jar \</a:t>
+              <a:t>  --output HF4polished \</a:t>
             </a:r>
           </a:p>
           <a:p>
@@ -9311,81 +9523,53 @@
                 <a:latin typeface="Courier"/>
                 <a:cs typeface="Courier"/>
               </a:rPr>
-              <a:t>  --genome $</a:t>
+              <a:t>	</a:t>
+            </a:r>
+            <a:r>
+              <a:rPr lang="en-US" dirty="0">
+                <a:highlight>
+                  <a:srgbClr val="FFFF00"/>
+                </a:highlight>
+                <a:latin typeface="Courier"/>
+                <a:cs typeface="Courier"/>
+              </a:rPr>
+              <a:t>--</a:t>
             </a:r>
             <a:r>
               <a:rPr lang="en-US" dirty="0" err="1">
-                <a:latin typeface="Courier"/>
-                <a:cs typeface="Courier"/>
-              </a:rPr>
-              <a:t>asm</a:t>
+                <a:highlight>
+                  <a:srgbClr val="FFFF00"/>
+                </a:highlight>
+                <a:latin typeface="Courier"/>
+                <a:cs typeface="Courier"/>
+              </a:rPr>
+              <a:t>minmq</a:t>
             </a:r>
             <a:r>
               <a:rPr lang="en-US" dirty="0">
-                <a:latin typeface="Courier"/>
-                <a:cs typeface="Courier"/>
-              </a:rPr>
-              <a:t> \</a:t>
-            </a:r>
-          </a:p>
-          <a:p>
-            <a:pPr marL="0" indent="0">
-              <a:buNone/>
-            </a:pPr>
+                <a:highlight>
+                  <a:srgbClr val="FFFF00"/>
+                </a:highlight>
+                <a:latin typeface="Courier"/>
+                <a:cs typeface="Courier"/>
+              </a:rPr>
+              <a:t> 30 --</a:t>
+            </a:r>
+            <a:r>
+              <a:rPr lang="en-US" dirty="0" err="1">
+                <a:highlight>
+                  <a:srgbClr val="FFFF00"/>
+                </a:highlight>
+                <a:latin typeface="Courier"/>
+                <a:cs typeface="Courier"/>
+              </a:rPr>
+              <a:t>minqual</a:t>
+            </a:r>
             <a:r>
               <a:rPr lang="en-US" dirty="0">
-                <a:latin typeface="Courier"/>
-                <a:cs typeface="Courier"/>
-              </a:rPr>
-              <a:t>  --frags HF4aln.sort.bam \</a:t>
-            </a:r>
-          </a:p>
-          <a:p>
-            <a:pPr marL="0" indent="0">
-              <a:buNone/>
-            </a:pPr>
-            <a:r>
-              <a:rPr lang="en-US" dirty="0">
-                <a:latin typeface="Courier"/>
-                <a:cs typeface="Courier"/>
-              </a:rPr>
-              <a:t>  --output HF4polished \</a:t>
-            </a:r>
-          </a:p>
-          <a:p>
-            <a:pPr marL="0" indent="0">
-              <a:buNone/>
-            </a:pPr>
-            <a:r>
-              <a:rPr lang="en-US" dirty="0">
-                <a:latin typeface="Courier"/>
-                <a:cs typeface="Courier"/>
-              </a:rPr>
-              <a:t>	--</a:t>
-            </a:r>
-            <a:r>
-              <a:rPr lang="en-US" dirty="0" err="1">
-                <a:latin typeface="Courier"/>
-                <a:cs typeface="Courier"/>
-              </a:rPr>
-              <a:t>minmq</a:t>
-            </a:r>
-            <a:r>
-              <a:rPr lang="en-US" dirty="0">
-                <a:latin typeface="Courier"/>
-                <a:cs typeface="Courier"/>
-              </a:rPr>
-              <a:t> 30 --</a:t>
-            </a:r>
-            <a:r>
-              <a:rPr lang="en-US" dirty="0" err="1">
-                <a:latin typeface="Courier"/>
-                <a:cs typeface="Courier"/>
-              </a:rPr>
-              <a:t>minqual</a:t>
-            </a:r>
-            <a:r>
-              <a:rPr lang="en-US" dirty="0">
+                <a:highlight>
+                  <a:srgbClr val="FFFF00"/>
+                </a:highlight>
                 <a:latin typeface="Courier"/>
                 <a:cs typeface="Courier"/>
               </a:rPr>
@@ -13600,6 +13784,57 @@
           </a:p>
         </p:txBody>
       </p:sp>
+      <mc:AlternateContent xmlns:mc="http://schemas.openxmlformats.org/markup-compatibility/2006">
+        <mc:Choice xmlns:p14="http://schemas.microsoft.com/office/powerpoint/2010/main" Requires="p14">
+          <p:contentPart p14:bwMode="auto" r:id="rId3">
+            <p14:nvContentPartPr>
+              <p14:cNvPr id="3" name="Ink 2">
+                <a:extLst>
+                  <a:ext uri="{FF2B5EF4-FFF2-40B4-BE49-F238E27FC236}">
+                    <a16:creationId xmlns:a16="http://schemas.microsoft.com/office/drawing/2014/main" id="{3C647FCE-379D-BF41-B25A-BB8C3CC3E5D9}"/>
+                  </a:ext>
+                </a:extLst>
+              </p14:cNvPr>
+              <p14:cNvContentPartPr/>
+              <p14:nvPr/>
+            </p14:nvContentPartPr>
+            <p14:xfrm>
+              <a:off x="0" y="1236529"/>
+              <a:ext cx="8890200" cy="5250600"/>
+            </p14:xfrm>
+          </p:contentPart>
+        </mc:Choice>
+        <mc:Fallback>
+          <p:pic>
+            <p:nvPicPr>
+              <p:cNvPr id="3" name="Ink 2">
+                <a:extLst>
+                  <a:ext uri="{FF2B5EF4-FFF2-40B4-BE49-F238E27FC236}">
+                    <a16:creationId xmlns:a16="http://schemas.microsoft.com/office/drawing/2014/main" id="{3C647FCE-379D-BF41-B25A-BB8C3CC3E5D9}"/>
+                  </a:ext>
+                </a:extLst>
+              </p:cNvPr>
+              <p:cNvPicPr/>
+              <p:nvPr/>
+            </p:nvPicPr>
+            <p:blipFill>
+              <a:blip r:embed="rId4"/>
+              <a:stretch>
+                <a:fillRect/>
+              </a:stretch>
+            </p:blipFill>
+            <p:spPr>
+              <a:xfrm>
+                <a:off x="-9360" y="1227169"/>
+                <a:ext cx="8908920" cy="5269320"/>
+              </a:xfrm>
+              <a:prstGeom prst="rect">
+                <a:avLst/>
+              </a:prstGeom>
+            </p:spPr>
+          </p:pic>
+        </mc:Fallback>
+      </mc:AlternateContent>
     </p:spTree>
     <p:extLst>
       <p:ext uri="{BB962C8B-B14F-4D97-AF65-F5344CB8AC3E}">
@@ -13842,7 +14077,7 @@
         <p:spPr>
           <a:xfrm>
             <a:off x="1330230" y="1808192"/>
-            <a:ext cx="6294265" cy="3348007"/>
+            <a:ext cx="7712170" cy="3348007"/>
           </a:xfrm>
         </p:spPr>
         <p:txBody>

--- a/PLPTH813Bioinformatis/2021/labs/lab10_assembly.pptx
+++ b/PLPTH813Bioinformatis/2021/labs/lab10_assembly.pptx
@@ -151,83 +151,6 @@
     </p:ext>
   </p:extLst>
 </p:presentation>
-</file>
-
-<file path=ppt/ink/ink1.xml><?xml version="1.0" encoding="utf-8"?>
-<inkml:ink xmlns:inkml="http://www.w3.org/2003/InkML">
-  <inkml:definitions>
-    <inkml:context xml:id="ctx0">
-      <inkml:inkSource xml:id="inkSrc0">
-        <inkml:traceFormat>
-          <inkml:channel name="X" type="integer" min="-2.14748E9" max="2.14748E9" units="cm"/>
-          <inkml:channel name="Y" type="integer" min="-2.14748E9" max="2.14748E9" units="cm"/>
-          <inkml:channel name="F" type="integer" max="32767" units="dev"/>
-        </inkml:traceFormat>
-        <inkml:channelProperties>
-          <inkml:channelProperty channel="X" name="resolution" value="1000" units="1/cm"/>
-          <inkml:channelProperty channel="Y" name="resolution" value="1000" units="1/cm"/>
-          <inkml:channelProperty channel="F" name="resolution" value="0" units="1/dev"/>
-        </inkml:channelProperties>
-      </inkml:inkSource>
-      <inkml:timestamp xml:id="ts0" timeString="2021-04-15T17:39:08.398"/>
-    </inkml:context>
-    <inkml:brush xml:id="br0">
-      <inkml:brushProperty name="width" value="0.05292" units="cm"/>
-      <inkml:brushProperty name="height" value="0.05292" units="cm"/>
-      <inkml:brushProperty name="color" value="#FF0000"/>
-    </inkml:brush>
-  </inkml:definitions>
-  <inkml:trace contextRef="#ctx0" brushRef="#br0">371 5359 24575,'-16'28'0,"-2"6"0,-7 20 0,6-9 0,0 4 0,4-8 0,0 4 0,-1 6 0,0 2 0,5 2 0,7-17 0,1 6 0,0-4 0,0-5 0,1 0 0,-1 9 0,2 6 0,-1-4 0,0-4 0,1-3 0,-1 0 0,2 1 0,-1 0 0,1 1 0,0 3 0,0-1 0,-1-12 0,1 2 0,-2 23 0,-1-2 0,0 4 0,0-4 0,0 2 0,2-23 0,0-1 0,-1 14 0,0-1 0,1-14 0,0-1 0,-1 26 0,-2 1 0,2-1 0,-3-3 0,0-3 0,-1-1 0,1-1 0,1 3 0,3-15 0,1 0 0,-1 20 0,1-13 0,0 0 0,0 3 0,0-9 0,0-1 0,2 5 0,1 6 0,1 1 0,4 4 0,-3-9 0,1 0 0,4 9 0,-4-12 0,1 2 0,-2-9 0,1 1 0,2 11 0,0 5 0,2 2 0,2 5 0,-2-5 0,-1-5 0,1 0 0,2 11 0,1 6 0,-2-11 0,0 4 0,-5-22 0,-1-1 0,-1 10 0,1 2 0,-1 1 0,0-13 0,2-1 0,2 21 0,1-9 0,0 1 0,6 9 0,-1-7 0,1 0 0,3 8 0,-5-20 0,1 1 0,4 0 0,1-2 0,6 7 0,-7-14 0,0-4 0,1-11 0,-9-10 0,-2-3 0,-1-5 0,3-2 0,2 0 0,2-3 0,-7 5 0,4-7 0,-2 2 0,6-5 0,1 2 0,1 3 0,5-3 0,-6 8 0,5-2 0,-1 4 0,6-1 0,8 1 0,7-1 0,6-1 0,0 3 0,-13 0 0,0 1 0,19 1 0,-3 0 0,2 0 0,-16 0 0,2-1 0,11 1 0,6-1 0,-4 1 0,-4-1 0,-2 1-303,-1 0 0,2 0 0,-3 0 303,-1 2 0,-1 0 0,2 0 0,2-1 0,6 0 0,1 0 0,0-1 0,1-1 0,0 0 0,2-1 0,-9 2 0,3-1 0,-2 1 0,6-2 0,1 1 0,-11 1 0,2 0 0,-2 0 0,3 1 0,1-2 0,2-1 0,4-1 0,-2 0 0,-8 0 0,-2 0 0,3-1 0,11-1 0,2 1 0,3-1 0,-11 2 0,2 0 0,0 0 0,1 1 0,2 0 0,0 0 0,1 1 0,0-1-740,-7 0 0,1 1 1,0 0-1,0-1 1,0 0 739,11 0 0,-1 0 0,0-1 0,1 1 0,-8 0 0,1 0 0,1 1 0,-2-1 0,-2 1 0,-1-1 0,-2 0 0,0 0 0,4 1 0,-3 1 0,5-1 0,2 1 0,-1 0 0,-2 1 0,-6-1 0,12 0 0,-7 1 0,3 0-402,-3 0 1,2-1 0,0 1-1,-5 0 402,-5-1 0,-4 1 0,0-1-311,16 0 0,-2 0 311,-2 0 0,-1 0 0,-5 1 0,-2-1 317,-2 0 0,-1 0-317,6 1 0,-1-1 0,14 0 1663,-13 0 1,2 0-1664,-9 0 0,-2 0 0,-1 0 0,1 0 0,3 0 0,-1 0 1981,13 0-1981,-22 1 0,1-1 446,-1 1 1,2 0-447,17-1 0,3 1 0,-10-1 0,3 1 0,7-1 0,6-1 0,-4 1 0,0-1 0,1 0 0,-9 1 0,5-1 0,0 0 0,-4 1 0,11-1 0,1 0 0,-9 1 0,6 0 0,1 0 0,-6 0-172,-6 0 0,-4 0 0,5 1 172,7-1 0,6 0 0,0 1 0,-6-1-434,-9 0 0,-4 0 0,1 0 434,7 0 0,1 0 0,-2 1 0,13 1 0,-5 1 0,-16 0 0,3 1 0,6-1 0,7 0 0,-5-1 0,-2 1 0,1-1 0,7 0 0,6-1 0,-5 1 0,-2-2 0,-2 1 0,-6 0 0,2 1 0,-2-1 0,9 1 0,0 0 0,-17-1 0,1 1 0,4-1 0,5 1 0,4 0 0,3 0 0,1-1 0,-6 0 0,1 0 0,2 0 0,-1 0 0,0 0-689,-1 0 0,0 1 1,-1-1-1,1 1 0,-1-1 689,1 0 0,0 0 0,0 0 0,-2-1 0,-3 2 0,12 1 0,-4 0 0,-1 0-216,-6-2 1,-1 1 0,5 0 215,3 1 0,6 0 0,1 1 0,-2 0 0,-1-1 0,-2 0 0,1 0 0,0 0 0,-10 0 0,0 0 0,0 0 0,0 1 0,0 0 0,2 0 0,1 0 0,-1 1 0,-2-1 0,-6 1 188,18 2 1,-3 0-189,-4 0 0,2 1 0,-7-2 0,-10-1 0,-3 0 0,9 0 0,-2-1 1043,6-2-1043,-15-1 0,1-1 3618,17-1-3618,-6 0 0,-1-2 0,13-1 0,-3 1 0,6-2 0,-17 0 0,1 0 0,1 0-265,0 1 1,0 0 0,1-1 264,4-1 0,1 0 0,-3 1 0,5 1 0,-1 0 0,-7 3 0,3-1 0,-3 2 0,3-1 0,4 1 0,-3 0 0,8 0 0,1 0 0,-5 0 0,-4-2 0,-5 1 0,2 0 0,10-1 0,2 1 0,-5-1 0,0-1 0,-8-1 0,2-2 0,-17-1 0,-2-1 0,1 0 0,5-8 0,-32-2 1663,1-8-1663,2-15 0,5-5 0,4-5 0,-1 11 0,0-1 0,-3 5 0,0-2 0,0-8 0,2-6 0,-2 4 0,1-1 0,1-2 0,-2 9 0,2-6 0,0 0 0,-1 5 0,4-9 0,0 0 0,-2 7 0,1-5 0,0 0 0,-1 4 0,0-10 0,-1-1 0,-1 10 0,1-6 0,-1-1 0,-1 4-620,-1-2 0,-3 3 0,1-1 620,1 1 0,0 0 0,-2 0-307,-1 0 1,-2-1-1,-1 5 307,-1 8 0,-2 2 0,0-13 0,-1 2 0,-3-5 0,-2-3 0,-1 8 1768,-2 0-1768,-1 3 1012,-2 1-1012,0 3 0,2 6 0,-1 0 0,-5-20 0,7 19 0,-1 1 0,0-14 0,1 3 0,3-2 0,0-6 0,3-7 0,0 28 0,0 0 0,0 1 0,-1 0 0,-1-1 0,-1 1 0,-4-29 0,1 0 0,3 13 0,0-2 0,1 16 0,-1 0 0,0-11 0,-1 1 0,-1 10 0,0 2 0,-4-15 0,-5-10 0,2 16 0,-3 4 0,-1 4 0,-1 10 0,1 5 0,3 4 0,-10-6 0,9 7 0,-6-3 0,15 8 0,3 4 0,2 0 0,-9-1 0,-9-1 0,-13-2 0,-8 2 0,-2-1 0,13 1 0,-1 0 0,-22-6 0,17 2 0,-6-1 0,2 1 0,-8-2 0,-2 0-732,0 0 1,-7 0-1,-1 0 1,5 1 731,8 2 0,4 1 0,-3-1 0,0 1 0,-4-1 0,1 0 0,5 1-573,-12-2 1,4 1 572,-6-1 0,-1 0 0,16 1 0,-1-1 0,-5 0 0,4 1 0,-3-1 0,-3-1 0,-1 0 0,0 1 0,2-1 0,-2 1 0,0-1 0,0 0 0,-1 1 0,1 0-576,2 0 0,0 1 0,0-1 1,0 1-1,1 0 0,-1 0 576,-8-1 0,-2 0 0,2-1 0,2 2 0,4 1 0,-6 2 0,5 2 0,1-1-165,0-1 0,0-1 1,-2 1 164,2 1 0,-3 1 0,-1-1 0,3 1 0,-5-2 0,2 0 0,-4 1 0,8 0 0,-5 1 0,-2 0 0,3 0 0,4 1 0,-3 0 0,4 1 0,-4-1 0,6 0 0,-5 1 0,-1-1 0,2 1 0,6 0 0,-1 0 0,5 1 0,-5-1 0,3 0 0,-4 0 0,-2 0 0,-1-1 0,1 1 0,-2-2 0,0 1 0,-1-1 0,0 0 0,-3 1 0,4 0 0,-3 0 0,-1 1 0,0 0 0,1-1 0,1 0 136,-5 0 0,1-1 0,1 0 1,-1 0-1,-2 0-136,5 1 0,-3 0 0,0 1 0,0-1 0,4 0 0,5 0-389,-10 0 1,6-2 0,-3 1 388,11 1 0,-3-1 0,-1 0 0,0 1 0,2-1 0,-10 1 0,1-1 0,0 1 0,-2-1 0,5 2 0,-2-1 0,-1 0 0,0 1 0,0-1 0,1 1 0,-1-1 0,1 1 0,-1-1 0,1 1 0,-1-1 0,0 0 0,0 1 0,0-1 0,-1 0 0,8 1 0,-2-1 0,0 0 0,0 0 0,2 0 0,2 0 0,-8 0 0,3 0 0,0 0 0,-4 0 0,2 1 0,-3-1 0,-3 0 0,0 0 0,1 1 0,5-1 517,3 1 0,3-1 0,1 1 1,-1 0-1,-3-1-517,-3 1 0,-4-1 0,-2-1 0,1 1 0,2 0 0,5 0 0,-6-1 0,4 1 0,2-1 0,-2 1 0,-3-1 0,-2 0 0,2 0 0,5-1 0,6 1 0,4-1 0,2 1 0,-11-1 0,0 1 0,10-1 0,-2 1 0,3 0 0,-2 0 0,1 0 0,2 1 0,-1-1 289,-7 0 0,-2-1-289,11 2 0,-1 0 0,-1 0 0,-8 0 0,-2 0 0,2 0 536,2 0 0,2 0 0,-2 0-536,-4-1 0,-1 0 0,4 0 0,2 0 0,-1-1 0,-10-1 0,-7-1 0,6 1 0,6 0 0,-2 0 338,12 0 0,-6-1 0,-4 0 0,1 0 0,3 0-338,-3-1 0,1 0 0,1 1 0,-2-1 0,3 1 0,0 1 0,-2-1 0,1 0 0,1 1 0,-9-1 0,-1-1 0,3 1 0,3 1 0,2 1 0,4 1 0,-2-1 0,-8 1 0,-1 1 0,6-1 0,4 1 0,0 1 256,-2 3 1,-4 1 0,-2 1-257,-2 1 0,0 1 0,2 0 0,10-1 0,3 1 0,-3 0 0,-14 0 0,-3-1 0,8 0 0,16-2 0,2-1 0,-7 1 0,2-1 0,-15 3 0,9 1 0,7-3 0,-14 3 1272,6-1-1272,2 1 0,11-2 0,21-3 0,-1 0 0,4 0 0,-1 0 0,-6 6 0,5-5 0,-1 4 0,12-8 0,4-1 0</inkml:trace>
-  <inkml:trace contextRef="#ctx0" brushRef="#br0" timeOffset="3971">405 6364 24575,'13'0'0,"34"-4"0,-12 4 0,7 0 0,3-1 0,2 1 0,5-1 0,0 0 0,0 1-1085,-4 1 0,0 0 0,0 0 0,-1 0 1085,1 0 0,1 0 0,-3 0 0,-4 0 0,5 2 0,-4 0 552,-4 0 0,-2 0-552,-2 0 0,0-1 0,-2 0 0,2 1 0,21 0 0,0-1 0,-18 0 0,0-1 0,5 0 0,5 1 0,-5-1 0,-6 0 0,-1 0 0,10-1 0,3 1 379,10 0-1,2 0-378,-15 0 0,1-1 0,0 1 0,2-1 0,0 0 0,-2 0 0,13 0 0,-4-1 0,-8-1 0,-4 0 0,7-2 0,-6 2 0,1 1 0,6-1 1138,-17 2 1,1 0-1139,14 0 202,-3 0-202,-8 1 0,7 0 0,0 0 0,6 1 0,-2 0 0,-8-1 0,-2 0 0,4 0 0,6 0 0,5 1 0,0-1 0,-8 0-591,6-1-1,-3 0 592,-6 1 0,3 0 0,-4 0 0,3-1 0,-1 1 0,2 1 0,1 0 0,0-1 0,3-1 0,3 1 0,4-1 0,-2 0 0,-14 0 0,-2-1 0,3 1 0,13-1 0,3 0 0,-2 0 0,-10 0 0,-1 1 0,-2 0 0,8 0 0,3 1 0,-6 0 0,7 1 0,-1 0 0,-7 0 0,-2 1 0,-2-1-166,10 1 0,4 0 0,-10-1 166,-5-1 0,-11-1 0,1 0 0,24 3 0,2 1 0,-25-2 0,0 0 0,-3-1 0,1 0 0,3 0 0,3-1 0,2 0 0,3 0 0,13 0 0,-2 1 0,-15-1 0,-1 0 0,5 1 0,-4-1 0,-6 0 0,-17 0 0,-7 0 0</inkml:trace>
-  <inkml:trace contextRef="#ctx0" brushRef="#br0" timeOffset="5169">4872 4979 24575,'-35'0'0,"-9"0"0,5 1 0,-3 1 0,7 0 0,1 0 0,1 3 0,6 2 0,5 7 0,41 18 0,4-5 0,14 11 0,3-6 0,-7-5 0,1 1 0,-9-5 0,-2 0 0,5 0 0,-8 1 0,-24 14 0,-12-24 0,-17 10 0,5-10 0,-2 1 0,-9 0 0,18-6 0,-1-3 0,20-7 0,4-7 0,4-3 0,6-12 0,-2 7 0,10-19 0,-14 25 0,4-8 0</inkml:trace>
-  <inkml:trace contextRef="#ctx0" brushRef="#br0" timeOffset="6419">4920 4710 24575,'-4'54'0,"0"-8"0,1 1 0,1 1 0,-1 12 0,2-12 0,0-2 0,3 2 0,-1-14 0,0 0 0,4 3 0,-2-7 0,8-27 0,0-15 0,8-16 0,1 2 0,2-1 0,9-7 0,-10 14 0,1-1 0,-15 18 0,16 6 0,-9 1 0,18 7 0,-12 1 0,-1 4 0,0 7 0,-3 10 0,-1 14 0,-3 9 0,-3-19 0,0-1 0,2 11 0,1-2 0,-8-34 0,-4-10 0,-1 0 0,0-4 0</inkml:trace>
-  <inkml:trace contextRef="#ctx0" brushRef="#br0" timeOffset="14119">429 7425 24575,'21'-2'0,"24"-1"0,2-1 0,-15 2 0,0 0 0,27 1 0,-19 1 0,5 0 0,1 0 0,-6 1 0,0 0 0,4 0-682,11 1 0,6-1 0,0 1 0,-6 0 682,-7 0 0,-5 1 0,2-1 0,8 1 0,2-1 0,-6 1-107,-9 0 1,-3 1 106,-2-1 0,1 0 0,19 0 0,3 0 0,-10-1 0,6-1 0,-6 0 0,9 0 0,3-1 0,-1 0 0,-8 1 0,-3-1 0,-5 0 0,4 0-357,10 0 0,7 0 1,-2 0-1,-11 0 357,-8-1 0,-6 0 0,-1 2 0,0-2-132,8-2 0,-1-1 132,-10 2 0,1-1 0,20-4 0,-1 0 0,3-1 1217,-21 3 1,-3 1-1218,-10 1 223,-6 1-223,-11 2 1638,0-1-1638,0 1 336,-2-1-336,17 1 0,8 0 0,7 0 0,21 0 0,4 1 0,-1 0 0,0-1-212,-16 2 1,0-1 0,-4 1 211,-2-1 0,-4 1 0,21 2 0,-15-3 0,-6 0 0,-12-1 0,-1 0 0,-9 0 158,-5 0 1,-3 0-1,-2 0 1</inkml:trace>
-  <inkml:trace contextRef="#ctx0" brushRef="#br0" timeOffset="16917">14969 4325 24575,'-39'9'0,"0"-1"0,-18 6 0,0 2 0,21-2 0,2 3 0,-13 2 0,16 5 0,50 17 0,18 2 0,-13-14 0,4 1 0,5-3 0,8 4 0,0-1 0,-5-4 0,1 0 0,-3-2 0,10 3 0,-9-2 0,-23-7 0,-19-10 0,-4 0 0,-4 1 0,-4 1 0,-9 1 0,-1 0 0,-1 2 0,-19 5 0,42-15 0,5-2 0</inkml:trace>
-  <inkml:trace contextRef="#ctx0" brushRef="#br0" timeOffset="18877">15306 3880 24575,'-5'45'0,"1"0"0,0 3 0,0 0 0,0 0 0,1-1 0,1-2 0,2 1 0,3-6 0,0 2 0,1-2 0,3 12 0,1-1 0,2 5 0,1 1 0,2-3 0,0-6 0,0 0 0,0 0 0,-9-35 0,6-5 0,-4-2 0,3-1 0,-8-5 0</inkml:trace>
-  <inkml:trace contextRef="#ctx0" brushRef="#br0" timeOffset="21036">15640 4412 24575,'-9'51'0,"3"4"0,5 4 0,3 2 0,0-28 0,2-1 0,3 20 0,2-7 0,2-25 0,2-3 0,-8-14 0,14-16 0,2-5 0,9-8 0,3-3 0,11-11 0,-13 11 0,0 1 0,2-6 0,-8 5 0,-5-2 0,-2-14 0,-9 14 0,-1-7 0,-9 25 0,0 5 0,0 6 0,-3 15 0,1 1 0,-1 20 0,4 1 0,4 6 0,3-10 0,2 1 0,3-1 0,1-1 0,-1-1 0,2-2 0,14 12 0,-11-28 0,-4-5 0,-4-6 0,-2-2 0,1-5 0,5-4 0,1-2 0,3-1 0,11-11 0,-5 3 0,7-12 0,-7 1 0,-4-1 0,0-10 0,-9 14 0,-1-5 0,-7 14 0,-2 2 0,-2-13 0,2 9 0,-2 18 0,1 14 0,0 18 0,2 7 0,2 13 0,1-4 0,1 1 0,-1-13 0,-1 0 0,3 7 0,-1 0 0,-2 9 0,0-19 0,0-16 0,-1-23 0,8-37 0,0-5 0,-3 16 0,0 0 0,3-21 0,-3 9 0,-2 16 0,1 0 0,9-26 0,-5 11 0,1 20 0,-4 29 0,0 4 0,5 1 0,0 1 0,20 9 0,-11-9 0,11 7 0,-22-15 0,-6 1 0,-3-3 0</inkml:trace>
-  <inkml:trace contextRef="#ctx0" brushRef="#br0" timeOffset="22784">16692 4366 24575,'1'33'0,"1"-1"0,0-2 0,-1 0 0,0 21 0,1-6 0,-1 2 0,0-17 0,0 6 0,-1-9 0,0-8 0,0 4 0,8-34 0,0-15 0,1-3 0,0-4 0,0-5 0,-1-1 0,0 2 0,-2-1 0,2-6 0,-2 2 0,0-7 0,-2 18 0,-1 1 0,-1 4 0,1-4 0,2 21 0,12 26 0,-2 15 0,-2 1 0,0 4 0,-2 2 0,0 2 0,2 14 0,-1-1 0,-4-18 0,0-1 0,1 1 0,-2-5 0,-4-10 0,-2-11 0,0-1 0,0-10 0,5-6 0,11-27 0,2-2 0,-5 8 0,1-1 0,9-18 0,-3 3 0,2-5 0,-9 16 0,2 0 0,-2 9 0,-4 9 0,5-2 0,-9 11 0,3 10 0,1 13 0,10 39 0,-10-26 0,1 2 0,6 24 0,0 0 0,-7-23 0,-1-2 0,2 6 0,-1-6 0,-2-12 0,-6-10 0,-1-6 0</inkml:trace>
-  <inkml:trace contextRef="#ctx0" brushRef="#br0" timeOffset="24653">15084 5140 24575,'50'-10'0,"-1"0"0,1 0 0,-4 6 0,5 1 0,4 2 0,1 1 0,0-1 0,-2-1 0,-4-1 0,-1 0 0,1 0 0,-1-1 0,2 1 0,2 2-621,1 0 0,3 1 0,1 0 0,1 1 0,-1 0 0,-1-1 1,-3 0 620,9 0 0,-2-1 0,-1-1 0,-3 1 0,-3 0 0,-5-1 0,-2 1 0,-2 0 0,2-1 0,7 0 0,3-1 0,-3 1 0,-6 0 0,0 1 0,-5 0 667,-4 0 1,-5 0-668,2 2 708,-26 1-708,-55 6 0,26-5 0,-23 3 0</inkml:trace>
-  <inkml:trace contextRef="#ctx0" brushRef="#br0" timeOffset="33885">5402 9335 24575,'8'47'0,"0"0"0,6-3 0,2-1 0,-2 2 0,1-3 0,1-10 0,0-6 0,-1-10 0,4-4 0,-5-6 0,6-2 0,10-13 0,3-6 0,-2 0 0,0-2 0,13-5 0,0-1 0,-10 2 0,-4 2 0,10-7 0,-7 6 0,-11 5 0,-6 5 0,-9 3 0,-1 7 0,12 15 0,22 12 0,-8-8 0,0 2 0,-2-2 0,-2 0 0,-1-3 0,-2-1 0,9 11 0,-4-12 0,3-4 0,24-23 0,-18-1 0,1-3 0,-3 2 0,2-2 0,0-2 0,2-2 0,-4 3 0,-7 3 0,-2 1 0,9-6 0,-3 2 0,-6 5 0,-15 7 0,1 15 0,2 6 0,12 8 0,-3-8 0,5-1 0,19 0 0,3-2 0,-8 0 0,1-2 0,8 0 0,0-2 0,-15-4 0,-3-2 0,7 1 0,0-3 0,-30 0 0,18 5 0,6-3 0,5-1 0,-1 2 0,4 0 0,11-2 0,7-1 0,-5 0 0,-5 0 0,-1 0 0,-8-1 0,1 0 0,-6-1 0,12-1 0,-27 0 0,-15 1 0</inkml:trace>
-  <inkml:trace contextRef="#ctx0" brushRef="#br0" timeOffset="37752">5134 7414 24575,'52'2'0,"0"0"0,1 0 0,3 0 0,2 1 0,-13 0 0,5 0 0,-1 1 0,-4 0-1161,-3-2 1,-3 1 0,1-1 1160,7 2 0,2-1 0,3 0 0,3-2 0,5-1 0,0 0 0,-1-1 0,-9 0 0,-2 0 0,2 0 0,6-1 0,-9 0 0,4 1 0,4-1 0,2-1 0,1 1 0,0 0 0,-2 0 0,-3 0 0,0 0 0,-1-1 0,0 1 0,-2 0 0,1 0 0,0-1 0,0 1 0,2 0 0,-1 0 0,1 0 0,0 0 0,-1 0 0,1 0 0,-1 0 0,9 0 0,1 0 0,0-1 0,-2 1 0,-4 0 0,-5 0 0,6 0 0,-6 0 0,4 0 0,-7 0 0,4 0 0,1 0 0,0 0 0,-4 0 0,-2 1 0,-2 0 0,-1 1 0,0-1 0,13 1 0,-2-1 0,3 1 0,-6 0 0,3-1 0,-1 1 0,-5 0 0,-5-1 0,-4 1 0,2-1 0,2 1 0,3-1 0,1 1 0,-4 0 0,0-1 0,-3 1 0,0-1 0,14 1 0,0 0 0,-8 0 0,2 0 0,-2 0 0,4 0 0,0 0 20,-8 0 1,1 0-1,-2 0-20,0-1 0,-1 0 205,9 0 1,0-1-206,-16 1 0,1 0 0,17 0 0,-1 0 0,-14 0 0,-1 1 853,14-1 0,7 0-853,-11 0 0,4 1 0,2 0 0,-6 0 0,-4 0 0,-3-1 0,4 2 0,7 0 0,7 0 0,-1 1 0,-11 0 0,-8 0 0,-3 0 0,8 3 0,-1-1 430,-5-1 0,-2-1-430,13 2 221,-13-2 1,-2-1-222,-6-1 0,-3 0 0,-15-1 0,-5 1 0,-1-1 0</inkml:trace>
-  <inkml:trace contextRef="#ctx0" brushRef="#br0" timeOffset="40136">5343 8549 24575,'50'-2'0,"1"1"0,-1-1 0,1 1 0,5 0 0,-12 0 0,7 1 0,5-1 0,1 1 0,-1 0 0,-6 0-1757,1 0 0,-3 1 0,-1-1 0,3 1 1757,2-1 0,4 1 0,1 0 0,-1-1 0,-4 1 0,1 0 0,-4 0 0,1 0 0,5-1 0,-4 0 0,6 0 0,2-1 0,-1 0 0,-2 0 0,-5 1 0,1-1 0,-5 1 0,-1-1 0,4 1 0,2-2 0,4 1 0,1 0 0,-5-1 0,-7 1 924,6-2 1,-8 1-925,-10 1 0,-4 0 289,13-1 0,-22 2 1,-17 0-1</inkml:trace>
-  <inkml:trace contextRef="#ctx0" brushRef="#br0" timeOffset="42286">9212 8339 24575,'46'-2'0,"1"1"0,-6 0 0,2-1 0,7 3 0,5 0 0,2 1 0,-8 0 0,2 1 0,1 0 0,-4 0 0,4-1 0,-2 0 0,-1 1 0,6 1 0,-1 0 0,-13-1 0,-14-3 0,-19 0 0,-10 1 0,-3 0 0</inkml:trace>
-  <inkml:trace contextRef="#ctx0" brushRef="#br0" timeOffset="44823">15693 7883 24575,'36'6'0,"16"5"0,-3 0 0,5 2 0,-1 1 0,-1 2 0,1-2 0,-3 2 0,-11-1 0,-8 0 0,-8 0 0,-9 3 0,-16-5 0,-3 6 0,-6 6 0,-13 11 0,-11 6 0,2-5 0,-3 0 0,7-7 0,-2-1 0,-8 10 0,-3 1 0,-1-3 0,0-2 0,13-12 0,0-2 0,-6 4 0,3-5 0,3-15 0,-8-41 0,22 15 0,-9-24 0,24 24 0,8-4 0,-3 9 0,4 0 0,10 14 0,-1 3 0,24 9 0,12 16 0,-26-12 0,1 2 0,6 5 0,-1 0 0,14 11 0,-23-13 0,-3 2 0,4 9 0,-9-3 0,-14-13 0,-1-13 0,8-24 0,-7 16 0,7-15 0</inkml:trace>
-  <inkml:trace contextRef="#ctx0" brushRef="#br0" timeOffset="45939">16403 7850 24575,'33'22'0,"3"1"0,4 1 0,-4-1 0,-9-2 0,-3 7 0,-1 15 0,-11-13 0,-8 10 0,-27-1 0,-5-9 0,-5-5 0,-3-2 0,-14-1 0,9-9 0,2-2 0,5-4 0,1-2 0,34-5 0,16 6 0,2-1 0,12 13 0,-8 13 0,-1 18 0,-11-7 0,-15 11 0,-11-20 0,-3-1 0,-4-2 0,-18 2 0,1-5 0,10-11 0,-1-1 0,-23 7 0,21-11 0,5-2 0,24-9 0,3-4 0,2-7 0,3-2 0,-2 2 0,0 3 0</inkml:trace>
-  <inkml:trace contextRef="#ctx0" brushRef="#br0" timeOffset="47272">17227 7644 24575,'-15'35'0,"0"1"0,2-6 0,-1 2 0,-3 12 0,-1 7 0,-1-2 0,4-9 0,1-2 0,-1 2-1035,-2 10 0,-1 3 1,1-3 1034,4-10 0,0-2 0,1 0 0,-4 11 0,2-2 489,2-8 0,0-2-489,-2 5 0,0-2 0,-4 15 255,6-25 0,1-3-255,1-3 0,4-13 0,5-7 1616,5-13-1616,5-11 0,3-9 0,2-4 0,12-17 0,-7 24 0,1-1 0,0 0 0,0 1 0,0 2 0,1 2 0,15-12 0,-16 15 0,5-3 0,-17 16 0,-4 6 0,4 31 0,-2 3 0,5 12 0,0 7 0,-1 0 0,-1-1 0,1-6 0,-1-1 0,-2 1 0,-2-7 0,-3-16 0,1 0 0,-2-4 0,0-11 0,-1 2 0,-7-11 0,-6-3 0,4 1 0,-1-1 0</inkml:trace>
-  <inkml:trace contextRef="#ctx0" brushRef="#br0" timeOffset="55207">12736 8629 24575,'-17'29'0,"0"0"0,-12 21 0,12-24 0,2-2 0,-6 17 0,7-10 0,-4 15 0,6-2 0,4-17 0,0 7 0,7-24 0,22 0 0,13-2 0,6-2 0,0-1 0,4 0 0,8 0 0,5 0 0,-5-2 0,-8-1 0,-3 0 0,15-1 0,-7 0 0,-23-1 0,-6-1 0</inkml:trace>
-  <inkml:trace contextRef="#ctx0" brushRef="#br0" timeOffset="66171">1190 13518 24575,'42'5'0,"-1"-1"0,14 4 0,7 1 0,-15-3 0,4 0 0,3 0 0,1 1-567,-6-2 0,1 0 1,2 0-1,-1 1 0,0-1 567,-1 0 0,1-1 0,-1 1 0,0 0 0,0-1 0,1-1 0,-1 1 0,0-1 0,-1 0 0,-3-1 0,14 2 0,-5 0 0,-1-1 0,-5 0 0,-2-1 0,-2-1 449,9 0 0,-3 1-449,-10-1 0,-1 1 0,16 0 0,-2 1 0,-1 0 0,-3-1 0,0-1 0,2-1 0,-4-3 0,1-1 0,-18 0 0,-1 0 0,7-1 0,2-2 0,-1-1 0,-1-1 0,21-6 233,-18 2 0,-3 0-233,1-5 0,9-12 0,-29 13 1470,9-13-1470,-12 11 0,1-8 0,-8 3 0,-1-14 0,-3 11 0,0-13 0,-1 13 0,-4-11 0,-2-3 0,1-3 0,-3-4 0,-2 0 0,-2 10 0,0 7 0,-2-2 0,-1-1 0,1 2 0,-7-20 0,7 20 0,2 3 0,2 6 0,-4-18 0,4 17 0,0-4 0,2 16 0,4 5 0,-2 5 0,-12-3 0,-34-14 0,-8 1 0,11 2 0,-1 1-282,8 3 0,0 1 282,-4 0 0,1 0 0,4 1 0,2 1 0,5 1 0,2 1 0,-26-6 0,24 7 0,1 2 0,-19-2 0,6 5 0,0 1 0,-8 4 0,7 0 0,-4 1 0,7 0 0,-3 1 0,-3-2 0,-5 1 0,5-1 0,0 0 0,2 0 282,-15-1 0,6 0-282,22-2 0,-19-1 0,19 0 0,-6 0 0,-1 0 0,-3 0 0,-2 0 0,0 0 0,-2 1 0,13-1 0,1 1 0,-16 2 0,1 0 0,2 5 0,14-1 0,1 6 0,18-6 0,-8 5 0,8-5 0,-12 8 0,8-7 0,-10 4 0,14-8 0,-7 1 0,11-3 0,-3 0 0,8 0 0,-2 3 0,-10 40 0,2-3 0,2-5 0,-1 2 0,3-8 0,2-1 0,1 0 0,0 0 0,2 1 0,0 0 0,1 25 0,0-8 0,1-16 0,0-1 0,-3 14 0,0 8 0,3-21 0,1-16 0,1-7 0,0-6 0</inkml:trace>
-  <inkml:trace contextRef="#ctx0" brushRef="#br0" timeOffset="92643">14081 8836 24575,'2'15'0,"-1"0"0,1-4 0,-2 1 0,0 2 0,0 16 0,0-4 0,0 21 0,0-20 0,0 22 0,-2-18 0,0 21 0,-1-23 0,1 6 0,1-45 0,3 1 0,0-28 0,2-6 0,1-3 0,1 15 0,0 0 0,3-13 0,13-10 0,-5 27 0,11-10 0,-4 13 0,-2 6 0,-7 7 0,-9 7 0,-3 7 0,4 6 0,8 12 0,5 10 0,-2-2 0,-4 5 0,-9-8 0,-4 6 0,-2 13 0,1-13 0,-3 17 0,3-23 0,-2 4 0,4 7 0,-2-10 0,3 1 0,-7-25 0,-2-21 0,0 4 0,0-2 0</inkml:trace>
-  <inkml:trace contextRef="#ctx0" brushRef="#br0" timeOffset="94927">14151 6571 24575,'7'46'0,"0"-7"0,1 1 0,-1-7 0,-1 1 0,4 16 0,-1-2 0,-2-3 0,-2 0 0,-5-26 0,0-4 0,0-4 0,0-4 0,3-27 0,1 0 0,3-9 0,2-1 0,5-10 0,7-12 0,-6 17 0,-4 6 0,-1 9 0,-5 7 0,3 23 0,11 42 0,-5-8 0,0-1 0,-1-2 0,-3-11 0,2 5 0,-10-24 0,-2-1 0,7-15 0,2-9 0,7-14 0,0-5 0,0 2 0,0 2 0,-1 5 0,-1 5 0,-4 6 0,-3 5 0,-2 3 0,-1 3 0,0 1 0,-1 2 0,9 10 0,1 6 0,6 16 0,-5 3 0,1 4 0,-1 2 0,1 1 0,2 6 0,0-2 0,-6-15 0,-1-4 0,1-3 0,-10-24 0,-1-2 0,0 0 0</inkml:trace>
-  <inkml:trace contextRef="#ctx0" brushRef="#br0" timeOffset="96107">14232 7318 24575,'45'4'0,"-1"0"0,15 2 0,-10-3 0,5 1 0,12 3 0,-8-2 0,-23-2 0,1 0 0,10 1 0,12 1 0,-3 0 0,-14-2 0,-4-1 0,-9-1 0,-26-1 0</inkml:trace>
-  <inkml:trace contextRef="#ctx0" brushRef="#br0" timeOffset="98463">13938 9552 24575,'23'-3'0,"6"2"0,7-2 0,-5 2 0,3 1 0,-1-1 0,1-1 0,8 2 0,-2 0 0,13-1 0,-20 0 0,-22 1 0,3 0 0,5 0 0,2 0 0,1 0 0,-9 0 0,-3 1 0,-9-1 0</inkml:trace>
-  <inkml:trace contextRef="#ctx0" brushRef="#br0" timeOffset="101246">19885 6723 24575,'-10'45'0,"0"0"0,0-1 0,0 4 0,1-1 0,-1 10 0,2 0 0,1-11 0,0-2 0,0 1 0,-1 0 0,-2 10 0,1-5 0,1-2 0,0-5 0,8-38 0,0-29 0,0 4 0,0-31 0,0 19 0,2-9 0,-1 5 0,1 11 0,-1-7 0,0 14 0,1-31 0,0 20 0,1-22 0,0 24 0,1-19 0,0 9 0,5-22 0,2 17 0,-1 10 0,5 7 0,-10 19 0,2 1 0,3 9 0,12 10 0,13 12 0,3 13 0,-7-5 0,-13 0 0,-8 15 0,-3-9 0,-1 16 0,-4-17 0,-1-7 0,-1-2 0,-1 12 0,0-12 0,-1 9 0,1-18 0,0-7 0,1-32 0,1-1 0,3-10 0,3-6 0,1 0 0,1-1 0,5-7 0,1-1 0,-3 7 0,0 2 0,9-20 0,-4 27 0,10-5 0,-4 8 0,8-8 0,12-8 0,-12 12 0,5-2 0,-20 26 0,-7 27 0,9 35 0,-4-1 0,-3 1 0,0 2 0,-5-24 0,-1 0 0,1 12 0,0 0 0,-2-10 0,0-1 0,-2 8 0,-1 0 0,0-6 0,0-1 0,-1 0 0,0-3 0,2 9 0,-2-28 0,4-2 0,-4-12 0,3-4 0</inkml:trace>
-  <inkml:trace contextRef="#ctx0" brushRef="#br0" timeOffset="102015">20641 6813 24575,'12'24'0,"12"16"0,-6-11 0,3 1 0,2 3 0,3 2 0,12 7 0,1 0 0,-9-11 0,0 0 0,-2-1 0,2 2 0,-3-4 0,-5-5 0,-2-2 0,3 5 0,-4-4 0,-7-9 0,-2-10 0,-10-14 0,0-21 0,-1 17 0,1-9 0</inkml:trace>
-  <inkml:trace contextRef="#ctx0" brushRef="#br0" timeOffset="102708">21028 6774 24575,'-10'13'0,"-2"6"0,-13 16 0,8-11 0,-2 5 0,-5 9 0,-2 5 0,0-1 0,-4 7 0,-1 2 0,2 0 0,-1 4 0,4-7 0,7-14 0,2-3 0,0 4 0,2-6 0,6-13 0,-1 4 0,7-10 0,-2 2 0,4-6 0,0-3 0,1-2 0</inkml:trace>
-  <inkml:trace contextRef="#ctx0" brushRef="#br0" timeOffset="104360">21457 6835 24575,'-9'11'0,"-3"15"0,1 2 0,-1 23 0,2 6 0,5-22 0,1 0 0,0 2 0,0-1 0,0-2 0,1-2 0,-1 23 0,1-11 0,1 7 0,0-19 0,1 3 0,0-23 0,4-19 0,5-37 0,-1 14 0,1-2 0,1-9 0,1 1 0,-1 9 0,1 1 0,6-21 0,0 15 0,-2 1 0,1 5 0,2-1 0,4 3 0,-4 4 0,2 3 0,-7 8 0,-3 5 0,-2 2 0,-5 6 0,6 15 0,12 19 0,5 8 0,5 6 0,2 3 0,-2-5 0,2 2 0,-2-3 0,-7-10 0,0-2 0,-1-1 0,9 13 0,-4-6 0,-5-1 0,-2 0 0,-15-24 0,-3-9 0,-2-3 0,0-5 0</inkml:trace>
-  <inkml:trace contextRef="#ctx0" brushRef="#br0" timeOffset="105492">19646 7975 24575,'58'2'0,"0"0"0,-1 1 0,1-1 0,0 0 0,0 0 0,1 0 0,-1 0 0,0 1 0,0-1 0,1 2-1502,-2-1 1,1 2 0,1 0 0,-1 0-1,-1-1 1,-2 1 1501,0-1 0,-2 1 0,-2-1 0,0 0 0,1 0 0,-3 0 0,-1 0 0,1-1 0,-1 1 0,2-1-166,6-1 0,2 0 0,0 0 1,-2 0-1,-3-1 166,9 0 0,-4 0 0,1-1 237,-4 0 1,2-1 0,-2-1 0,-9 0-238,-5-1 0,-6 0 0,4 1 0,-4-1 0,3 1 3897,10 1-3897,-4 1 3452,-4 1-3452,-8-1 1537,-6 1-1537,-1-1 0,-4 1 0,-11-1 0,-11 0 0,-2 0 0</inkml:trace>
-  <inkml:trace contextRef="#ctx0" brushRef="#br0" timeOffset="106642">19319 6553 24575,'-2'47'0,"1"1"0,-1 7 0,1 7 0,0 0 0,1-3 0,1 0 0,-1 3-309,1-14 1,0 3 0,0 1 0,0 1-1,1 2 309,0-3 0,0 2 0,0 1 0,1 0 0,-1-1 0,0-3 0,-1 2 0,0-2 0,0-1 0,-1-1 0,1-1 0,1 11 0,0 1 0,0-4 0,-2-7 250,-2 15 1,-1-29-251,0-42 255,0-24-255,3-6 0,-2 4 0,4 11 0</inkml:trace>
-  <inkml:trace contextRef="#ctx0" brushRef="#br0" timeOffset="108342">19347 6406 24575,'13'0'0,"7"0"0,12 1 0,19 4 0,-21-1 0,4 0 0,18 4 0,5 1-689,-13-3 1,3 0-1,5 0 689,1 1 0,7 0 0,2 1 0,1-1 0,-3 0-891,-8-2 0,-3-1 0,1 1 0,1-1 0,2 1 891,-5 0 0,2 0 0,2 0 0,0 1 0,2-1 0,-1 0 0,1 0 0,-3-1 0,1 0 0,1 0 0,0-1 0,1 1 0,-1-1 0,0 1 0,0-1 0,6 1 0,0 0 0,0 0 0,-1 0 0,1 0 0,0 0 0,-1-1 0,-1 1 0,1-1 0,1 0 0,-2 1 0,0-1 0,-3-1 0,-1 1 0,9-1 0,-2 0 0,-2 0 0,-4 0 0,-7-2-76,11 0 0,-9-2 76,-13-1 0,-4 1 0,5-1 0,-18 2 1146,-3 2-1146,1 4 5303,-4 2-5303,0 14 224,-10 1-224,4 22 0,1 11 0,-4-17 0,1 1-392,0 7 1,-1 0 391,0 3 0,-2 2 0,-1-5 0,1 3 0,-1-3 0,-1 5 0,1 0-402,-1-5 0,1 2 0,0-3 402,0 4 0,1-2 0,1 4 0,0 1 0,0-2 0,0 0-133,-1-3 0,1-3 133,-2-7 0,0-3 0,0-1 0,-1-3 0,-1 3 724,0-5-724,1-18 308,0-5 1,0-2 0,0-2 0</inkml:trace>
-  <inkml:trace contextRef="#ctx0" brushRef="#br0" timeOffset="109775">20977 8433 24575,'-30'39'0,"5"-8"0,-2 9 0,5 5 0,-1 9 0,0 3 0,1-6 0,0-5 0,1-3 0,-2 5 0,1-1 0,-3 7 0,-2 3 0,0 0 0,4-6 0,3-8 0,-1 6 0,1-5 0,-8 6 0,-3 2 0,8-11 0,11-13 0,5-14 0,2-6 0,-9 11 0,5-11 0,-5 8 0,12-14 0,1-2 0</inkml:trace>
-  <inkml:trace contextRef="#ctx0" brushRef="#br0" timeOffset="110680">20322 9147 24575,'7'32'0,"-4"-5"0,0 6 0,0 1 0,1 9 0,-3-10 0,1 0 0,2 15 0,-3 3 0,1-6 0,-2 2 0,0-19 0,-1 9 0,-1-19 0,0 8 0,1-15 0,2 0 0,43-42 0,-3 0 0,-1 7 0,9-3 0,-3 2 0,-1 2 0,1 0 0,5 2 0,5 0 0,-7 3 0,-9 5 0,-2 1 0,6-1 0,-6 2 0,-15 4 0,-7 3 0</inkml:trace>
-  <inkml:trace contextRef="#ctx0" brushRef="#br0" timeOffset="114892">14818 10805 24575,'56'-3'0,"-19"1"0,3-1 0,16 1 0,7-1-2132,-19 1 1,2 1 0,3 0 0,1 0 2131,2-1 0,3 0 0,1-1 0,2 1 0,3 1-513,-8 0 0,1 0 0,2 0 1,2 1-1,0 0 0,1 0 1,1 0 512,-8-1 0,-1 1 0,1 0 0,1 0 0,1 0 0,0 0 0,3 0 0,1 1 0,1-1 0,-8 2 0,2-1 0,2 1 0,1-1 0,2 1 0,0 0 0,1 1 0,0-1 0,0 0 0,0 1 0,-2-1 0,0 0 0,-1 0 0,-2 0-109,5-1 0,-2 1 1,-2 0-1,0-1 0,-1 1 1,1-1-1,-1 0 0,2 1 1,1-1-1,1 1 0,2 0 109,-7-1 0,2 1 0,1-1 0,2 1 0,2 0 0,0 0 0,0-1 0,1 1 0,-1 0 0,-1 0 0,0-1 0,-2 1 0,-2-1 0,-2 0 0,-2 0 0,-3 0 0,13 0 0,-4 0 0,-2-1 0,-3 0 0,-1 0 0,-1 0 0,2 0 0,2 0 0,3 0 0,3 0 0,0 0 0,0-1 0,-1 1 0,-2-1 0,-3 1 0,-4 0 0,14 1 0,-5-1 0,-4 1 0,-4 0 0,-1 0 0,-4 1 0,-1-1 0,16 2 0,-9 0 0,-19-1 0</inkml:trace>
-  <inkml:trace contextRef="#ctx0" brushRef="#br0" timeOffset="116863">21414 11904 24575,'41'11'0,"0"1"0,7 3 0,-2 2 0,5 8 0,-3 10 0,-3 2 0,-11-3 0,-1 2 0,-5-2 0,-15-15 0,4 5 0,-9-9 0,2 2 0,-2-2 0,0 2 0,5 15 0,-4-7 0,3 18 0,-8-13 0,-5 4 0,-4 5 0,-2-5 0,-3 2 0,-1 9 0,0-2 0,-8 13 0,6-29 0,8-16 0,0-2 0,-8 5 0,-9 4 0,-2-3 0,-4 0 0,-2 1 0,-2 0 0,0-1 0,1-1 0,-21 10 0,20-11 0,-3 1 0,-3 1 0,9-6 0,0-1 0,-7 3 0,-8-2 0,33-16 0,4-9 0,8-14 0,5-16 0,3 6 0,2 9 0,2 1 0,8-4 0,-2 7 0,2 2 0,3 4 0,7-3 0,-14 15 0,3 4 0,-5 1 0,8 2 0,-11 2 0,8 5 0,14 21 0,2 3 0,2 2 0,4 1 0,-11-8 0,2-1 0,2 2 0,3 0 0,-3-1 0,-2-4 0,-3-2 0,9 7 0,-5-4 0,-12-9 0,-22-9 0,-25-15 0,-8-7 0,4 6 0,2-2 0,0 0 0</inkml:trace>
-  <inkml:trace contextRef="#ctx0" brushRef="#br0" timeOffset="117631">20740 11706 24575,'-1'31'0,"-1"-1"0,0 7 0,1 2 0,-3 9 0,0 3-1184,1 4 1,1 0 1183,-1 1 0,0-1 0,2 4 0,-1 0 0,1-19 0,0 1 0,0 0-558,0 5 0,1 0 1,-1 1 557,-1 0 0,0 1 0,0 1 0,1 0 0,0 0 0,0 2 173,0-6 1,-1 2-1,1-1 1,0-1-174,-1 4 0,1-1 0,0-1 0,-1-1 0,1 0 0,0-5 0,0-5 0,-1-6 0,2-3 0,0-20 0,0-3 0</inkml:trace>
-  <inkml:trace contextRef="#ctx0" brushRef="#br0" timeOffset="139495">22916 12132 24575,'57'19'0,"-2"-4"0,-3-4 0,4-7 0,-23-2 0,0-3-503,6-2 1,1-4 502,9-2 0,2-3 0,-12 1 0,0-1 0,7-8 0,-9-1 0,6-7 0,4-3 0,2-4 0,1-1 0,-2 0 0,-3 3 0,-5 3 0,11-7 0,-7 4 0,0-2 0,4-5-536,-12 9 1,5-3-1,2-3 1,1-1-1,0-1 1,-2-1 0,-3 2-1,-4 2 1,-7 2 535,3-10 0,-8 3 0,-4 0 0,0-2 0,3-4 0,-2-1 0,-1-2 0,-2 1-294,-3 3 0,-2 1 0,-1-2 1,0-4 293,-3 6 0,1-3 0,-1-2 0,-1-1 0,-1-1 0,0-1 0,-1 4 0,-2-2 0,0-1 0,-1 0 0,0 0 0,0 0 0,0 0-601,0-7 0,1 0 0,-1 0 0,0 0 0,-1 0 0,-1 0 601,-1 0 0,0 0 0,-2 0 0,0 0 0,-2 2 0,-1 1 0,-3-4 0,-2 2 0,0 1 0,-1 2 0,0 1-337,2 2 1,0 3 0,0 0 0,-1-2 336,1 2 0,0-1 0,-1-2 0,1 3 0,1 3 652,-1-8 0,0 4 0,1 2-652,1 4 0,0 2 0,-1-1 0,-1 2 0,-2 1 0,1 0 199,-6-9 1,0 2-200,-2-2 0,-1 1 0,1 2 0,1 0 0,0 1 0,0 1 0,2 2 0,-2-1 0,-6-10 0,-3 2 0,5 12 0,-2 1 1325,-3-2 0,-4-2 0,-3 2-1325,1 9 0,-4 1 0,0 2 0,2 0 0,0-3 0,2 2 0,-4 0 0,-12-3 0,-4 1 0,7 8 0,15 11 0,2 4 0,-17-5 0,0 2 0,-7-1 0,11 3 0,0 2 0,-3 3 3005,-12 0-3005,16 1 0,0 1 0,-15-1 845,11 2 0,4 1-845,6 4 925,3 1-925,20-2 0,-2 1 0,7-2 0,-2 1 0,9-2 0,0 0 0,2-1 0</inkml:trace>
-  <inkml:trace contextRef="#ctx0" brushRef="#br0" timeOffset="140444">23164 6952 24575,'-23'27'0,"1"-6"0,-9 11 0,0-11 0,-5 2 0,3-3 0,0 1 0,7-5 0,0 2 0,-14 12 0,1-1 0,1 2 0,9-7 0,2-1 0,-4-1 0,3-2 0,1 1 0,-2 5 0,-2 5 0,23-17 0,48 18 0,1-5 0,6 2 0,3 3 0,1 0-365,-10-5 1,2 1-1,-4-3 365,-1 0 0,-4-2 0,-4-3 0,-3-1 0,6 4 0,-16-10 0,-12-9 0,-5-4 0</inkml:trace>
-  <inkml:trace contextRef="#ctx0" brushRef="#br0" timeOffset="156780">0 9579 24575,'2'0'0,"50"1"0,6 0 0,-17-1 0,2 0 0,11 0 0,7 0 0,-5 1 0,-5-1 0,0 1 0,1-1 0,5 1 0,-5-1 0,-3 1 0,-1 0 0,10-3 0,2 0 0,0-1 0,-1 0 0,-8 0 0,-1-1 0,7 1 0,4 1 0,-5 0 0,4 2 0,-2-1-769,-12 0 0,-2 1 0,3-1 769,0 1 0,3-1 0,0 1 0,-3-1 0,-3 0 0,-3 0 0,0 0 0,18 0 0,2 0 0,-15 0 0,4 0 0,1 0 0,-4 1 0,-4-1 0,-2 1 0,3 0 0,12 0 0,5 0 0,1 0 0,-6-1 0,-9 1 0,-4 0 0,4 0 0,0 0 0,5 0 0,-1 0 0,-5 0 0,10 1 0,-2-2 0,-1 0 0,2 0 0,-1-1 0,-9 0 0,-2 0 0,2 0-202,4 0 0,2-1 0,3 1 202,0 1 0,3-1 0,2 1 0,-1 0-393,-1 1 1,0-1 0,0 1 0,-1 0 392,1 0 0,-1-1 0,0 1 0,1 0 0,-9-1 0,1 1 0,0 0 0,0-1 0,0 1 0,2-1 0,1 0 0,0-1 0,-2 1 0,0 0 0,2 0 0,-3 1 0,2-1 0,2 0 0,5 0 0,4 0 0,2-1 0,-4 0 0,-6 1-86,-2 1 0,-6 0 1,3 0 85,2-1 0,4 0 0,-1 1 0,-4-1 0,-4 1 0,-2 1 0,-1-1-234,-2 1 1,0-1 0,0 0 233,17 2 0,-4-1 0,-19 0 0,1 0 0,5 1 0,3 0 0,-1 0 0,7 0 0,1-1 0,-6 1 0,3 0 0,-3 0 0,3 0 0,-2 0 0,1 0 0,-1 1 0,-4-1 0,0 1 168,-3 0 1,0 0-169,-1 0 0,-1 1 0,1-1 0,1 1 0,1 1 0,1-1 0,-2-1 0,2 0 0,10 1 0,0 0 0,-13-3 0,0 1 0,18 2 0,0 0 0,-21-3 0,0 1 0,8 1 0,4 0 0,-2-1 0,1 0 0,2 0 0,8 0 0,5 0 0,-4 1 0,-3-2 0,-2 0 843,-7 1 0,3-1 0,-4 1-843,5 0 0,-2 0 0,2 1 0,5-1 0,2 0 0,5 1 0,-3-1 0,-14 0 0,-2 0 0,5 0 0,2-1 0,5 1 0,3 0 0,0-1 0,-3 1 0,4-1 0,-3 1 0,0-1 0,4 1-275,-10-1 0,2 1 1,1 0-1,1 0 1,0-1-1,0 1 275,0-1 0,0 0 0,0 0 0,1-1 0,-1 1 0,0 0 0,1 0 0,-1 0 0,1 0 0,-1 0 0,2 0 0,0 0 0,-4-1 0,2 1 0,0-1 0,0 1 0,0-1 0,-2 0 0,-3 0 0,3 0 0,-2 0 0,-1 0 0,-1-1 0,1 1 0,2 0 0,1 0 0,0 0 0,-4 0 0,-5 0 0,13-1 0,-6-1 139,-3 2 0,0-1-139,-2 0 0,0 1 0,-5 0 0,-1 0 0,1 0 0,-1 0 97,-2 0 0,0 0-97,14-1 0,0 0 0,-11-1 0,0 1 524,15 0 1,4-1-525,-15 1 0,2-1 0,-2 1 0,10 0 0,4 1 0,-8 0 0,6-1 0,2 0 0,-1 1 181,-5 0 0,0 0 0,1 0 0,2 0-181,-2 0 0,2 0 0,1 0 0,0 0 0,1 0-598,-6 0 0,2 0 1,0 0-1,-1 0 1,-1 0-1,-1 0 598,9 0 0,-2 0 0,-1 0 0,3 0 0,-1 0 0,3 1 0,1-1 0,-1 1 0,-3-1-225,-2 1 1,-2-1 0,0 0 0,2 0 224,-4 0 0,3 1 0,0-1 0,-1 0 0,-3 0 0,-2 0 0,-3 0 0,-1 0 0,2 0 0,3 0 0,2 0 0,-2-1 0,-5 1 0,7-1 0,-2 1 0,-9 0 0,3 0 0,-6-1 0,-4 1 0,-3-1 0,27 1 1060,-8 0-1060,0 1 4166,0 0-4166,-16 1 0,0 0 1233,15 1-1233,11 0 0,-9-2 0,0-1 0,-1 0 0,9 0 0,-26-1 0,25-3 0,-24 0 0,-4-1 0,3 0 0,-2 2 0,1-1 0,10-1 0,2-1 0,-7 3 0,-1 0 0,1-1 0,-2 0 0,13-1 0,-14 2 0,0 1 0,15 0 0,-11 1 0,0 0 0,-1 0 0,8 1 0,-15-1 0,-10 0 0,-3 1 0,-10-1 0,-5 1 0,-1 0 0</inkml:trace>
-  <inkml:trace contextRef="#ctx0" brushRef="#br0" timeOffset="175715">9002 3936 24575,'-9'-4'0,"1"1"0,-14-2 0,-18 1 0,10 1 0,-4 1 0,-12 0 0,-6 1 0,6-1 0,-3 1 0,3 0 0,-7 2 0,-1 1 0,6 0 0,-3 1 0,6 1 0,11 1 0,3-1 0,-7 2 0,2 0 0,-7-1 0,9-3 0,7 0 0,3 3 0,7-1 0,-16 10 0,8-5 0,-4 6 0,-1 4 0,-13 13 0,17-12 0,0 0 0,-17 21 0,17-17 0,-5 5 0,-11 10 0,18-16 0,-13 10 0,15-9 0,6-6 0,-6 12 0,7-8 0,-4 15 0,5-7 0,-3 21 0,11 2 0,0-3 0,5 8 0,2-16 0,12 15 0,-1-15 0,12 10 0,-3-18 0,0-9 0,2 0 0,11 14 0,1-5 0,2 0 0,6 3 0,-1-4 0,5-2 0,-2-6 0,2-2 0,-7-2 0,3-1 0,-3-4 0,2-1 0,-4-2 0,17 2 0,-7-3 0,1-1 0,-19-7 0,1-1 0,8 1 0,7-1 0,2-4 0,9-1 0,1-1 0,-6-1 0,-5 2 0,-4-2 0,7 0-593,-4 0 0,7-1 0,3-1 0,0 0 0,-3 0 0,-7 1 593,5-2 0,-6 0 0,3 0 0,9-3 0,5-2 0,-1 1 0,-7 1-27,-13 2 0,-3 2 0,1-2 27,6 0 0,4-1 0,-1-1 0,-5 2 0,2-1 0,-3 1 0,15-3 0,-3 0 0,-21 3 0,-4 1 0,26-8 0,-2 1 0,-22 7 0,-2-1 0,14-3 1770,-14 0 1,-1-1-1771,-1-5 98,8-9-98,-12 6 0,1 0 0,4-6 0,-1-8 0,2-16 0,-9 1 0,-10 14 0,-2 0 0,2-11 0,0-12 0,-6 15 0,-2 0 0,-5-6 0,-5-3 0,-6 10 0,-4 0 0,5 11 0,-1 0 0,-8-11 0,-2 0 0,6 16 0,-1 1 0,-20-17 0,-2 0 0,12 14 0,0 0 0,-15-12 0,-1 2 0,7 13 0,2 4 0,-14-8 0,19 15 0,2 2 0,2 4 0,7 3 0,-1 0 0,4 2 0,-12-1 0,10 3 0,-16 1 0,16 0 0,-6 0 0,4 3 0,5-1 0,-2 0 0,8 1 0,3-2 0,2-1 0,2 0 0,2 0 0,1 0 0</inkml:trace>
-  <inkml:trace contextRef="#ctx0" brushRef="#br0" timeOffset="222552">1573 17875 24575,'59'-3'0,"1"0"0,-1 1 0,-5 1 0,4 1 0,3 1 0,0-1 0,1 1-1639,-9 0 1,0-1-1,1 1 1,0-1 0,2 1-1,2 1 1452,-6-1 1,2 1 0,0-1 0,2 1 0,0 0-1,0 1 1,0-1 0,-2 0-122,6 0 0,-2 0 0,1 0 0,-1 0 1,0 0-1,2 1 0,0-1 308,-5 0 0,-1-1 0,-1 1 0,1 0 0,2 0 0,4 0 0,3 0 0,5 0-42,-22 0 0,2 0 0,3-1 0,2 1 0,2 0 1,2 1-1,1-1 0,2 0 0,1 0 0,0 1 0,1-1 1,0 0-1,1 1 0,-1-1 0,-1 0 0,0 1 0,-2-1 1,0 0-1,-3 0 0,-1 0 0,-2 0 42,10 0 0,-2 0 0,-2 1 0,-1-2 0,-2 1 0,1 0 0,-2 0 0,1 0 0,0 0 0,1 0 0,0 0 0,2 0 0,2 0 0,1 0-102,-8 0 1,3 0-1,1 0 1,1 1-1,2-1 1,1 0 0,0 1-1,1-1 1,0 0-1,0 1 1,-1-1 0,0 1-1,0-1 1,-2 0-1,-1 0 1,-2 1-1,-2-1 1,-1 0 0,-3-1-1,-2 1 102,19 0 0,-4 0 0,-2 0 0,-4 0 0,-1-1 0,-1 1 0,-1-1 0,0 1 0,1 0 103,2 0 1,-1 0 0,-1 1 0,-1-1 0,1 0 0,-1 1 0,0-1 0,1 1-104,0-1 0,-1 1 0,1-1 0,0 1 0,-1-1 0,1 1 0,-1 0 0,0 0 32,-2-1 0,1 1 0,-1 0 0,1 0 0,-1 1 1,-1-1-1,0 0 0,-1 0-32,3 1 0,0-1 0,0 1 0,-1 0 0,-2 0 0,-1-1 0,-3 0 0,12 1 0,-4 0 0,-1 0 0,4 0 122,-9-1 1,3 1-1,2-1 1,-1 1 0,-1-1-1,-2 0-122,7 0 0,-2 0 0,-1 0 0,5 0 0,-6 0 0,3 0 0,1 0 0,1 0 0,-2 0 0,-3-1 0,7 0 0,-5 0 0,1 0 0,2-1 0,-3 1 0,2-1 0,2 1 0,-1-1 0,-1 0 0,-1 0 0,-1 0 0,0 0 0,-1-1 0,1 1 0,-2-1 0,1 1 0,-1-1 0,0 0 0,-1 1 236,-1-1 0,-1 0 0,0 0 0,0 1 0,-1-1-236,8 1 0,-1 0 0,1 0 0,4 1 0,-9 0 0,3 1 0,2 0 0,0 1 0,-1-1 0,-3 0 0,-2-1 0,-2 1 0,-1-1 0,0 0 0,3 1 0,-2 1 0,3-1 0,0 1 0,0 0 0,-2 0 0,-3-1 0,3 0 0,-4 0 0,-1 0 0,0 0 226,12 3 1,-1-1 0,0 1-227,-1-1 0,0 0 0,-2 1 0,-4-1 0,-1 0 0,0 0 746,2 0 1,1-1-1,-2-1-746,-6 0 0,0-1 0,0 0 0,4 0 0,2 0 0,2 0 0,-2-1 0,3-1 0,1 0 0,-3 0 0,4 1 0,-1-1 0,3-1 0,-7 0 0,4-1 0,2 0 0,-2-1 0,-6 1 0,3 0 0,-4-1 0,1 0 0,11-3 0,2 0 0,-4 1 0,1-2 0,-5 1 1550,-1 0 1,2 0-1551,-8 2 0,3 0 0,1 0 0,6-1 0,1 0 0,-1 0 0,-7 1 0,-1 1 0,0 0 0,10 0 0,2-1 0,-9 2 0,-16 0 0,-3 1 1619,5 0 0,-3 1-1619,-6-1 2201,-15-1-2201,-1-3 1922,-5-4-1922,7-9 0,1-6 0,4-10 0,2-4 0,5-15 0,-10 24 0,1-4 0,-1-5 0,1-5 0,0 1 0,4-6 0,2-2 0,-1-2 0,1-5 0,-2 6 0,-3 9 0,-2 1 0,-2 2 0,-1-3 0,-4 3 0,-5-4 0,-5 2 0,1 1 0,-3 1 0,-1 6 0,-2 3 0,-5-1 0,1 7 0,-9-2 0,-2-1 0,-2-7 0,0 5 0,1 0 0,3 4 0,-16-11 0,12 16 0,-15-11 0,7 12 0,-2 1 0,4 2 0,-6 1 0,-10-1 0,-10-1 0,-3 0 0,6 2 0,10 4 0,3 1 0,-5-1-618,-4 0 0,-7-1 0,-2 0 0,2 1 1,7 1 617,3 2 0,4 2 0,-2-1 0,2-1 0,-2 0 0,-2 1 0,0 0 0,-7 0 0,-1 2 0,1 0 0,1 0 0,-4-1 0,1 1 0,-1 0 0,2 1 0,-2 0 0,0 0 0,4 1-701,-1-1 0,4 2 1,-1-1 700,-3 0 0,0 0 0,-3 0 0,10-1 0,-2-1 0,-2 1 0,1-1 0,2 1 0,-2 0 0,3 0 0,0 1 0,-4-1 0,-5 0 0,-5-1 0,-1 0 0,2 1 0,6 1 0,-4 0 0,5 1 0,-2 0 0,5 0 0,-3 1 0,1 0 0,2 0 0,-2 1 0,3 1 0,0-1 0,-3 1 0,0-1 0,-1 1 0,-3-1 0,0 1 0,-5-1 0,10 1 0,-4 0 0,-1 0 0,-2 0 0,1 0 0,-1 0 0,-2 1 0,1-1 0,-1 1 0,0-1 0,9 0 0,0 0 0,0 0 0,0 0 0,0 0 0,-1 0 0,-4 0 0,-2 0 0,0 1 0,0-2 0,3 1 0,4-1 0,-3-1 0,5 0 0,-1-1 0,-5-1 0,6 2 0,-3-1 0,-4-1 0,-1 1 0,0-1 0,1 1 0,2-1 0,-1 0 0,1-1 0,1 1 0,0-1 0,0 1 0,0 0-563,-3 0 1,0 0-1,0 0 1,1 0-1,0 0 1,1 0 562,-4 0 0,1 0 0,1 0 0,0 0 0,1 0 0,1 1 0,1-1 0,0 1 0,1-1 0,2 1 0,-3 0 0,4-1 0,-2 1 0,-4 0 0,2 0 0,-6 0 0,-2 1 0,-1-1 0,3 1 0,5 0 0,-2 0 0,4 0 0,0 0 0,-1 1 0,2 0 0,-2 0 0,0 0 0,0 0 0,1 0-470,-7 1 0,2-1 0,0 1 0,3 0 470,-5-1 0,3 1 0,-4-1 168,8 1 0,-3-2 1,-1 1-1,-1 0 0,2-1-168,-6 0 0,0 0 0,2 0 0,0-1 0,1 0 0,0-1 0,2 0 0,0 0 0,5 0 0,2 0 0,0 0 0,1-1 0,-11 0 0,2 0 0,1 0 0,11 0 0,1 0 0,-3 1 52,-12 0 0,-3 0 0,2 1-52,11-2 0,1 1 0,0 0 0,1 0 0,0 1 0,-3-1 0,2 0 0,-4-2 0,1 1 0,1 0 0,-6 0 0,2 0 0,-3 0 0,7 0 0,-3-1 0,0 1 0,-1 0 0,-2 2 0,-1 0 0,-1 0 0,1 0 0,-3 0 0,-1 0 0,1 0 0,0 1 0,-1 1 0,1 1 0,0 0 0,1 1 0,5-1 0,0 0 0,1 0 0,4 2 0,-1 1 0,2 2 0,1 0 0,1-1 0,1 1 0,-3 0 0,-2 1 0,-3 0 0,-1 0 0,3 0 0,-1-1 0,2-1 0,-4 2 0,6-1 0,-4 1 0,-2 1 0,2-1 0,4 0 0,-3-1 0,4 0 0,-4 0 0,-4 0 0,-5 2 0,0-1 0,6-1 0,8-1 0,3-1 0,0-1 0,-10 1 0,-1-2 0,4 0 1286,0-1 1,3-1-1287,1-2 0,-2 0 0,2 1 0,-2 0 0,1-1 0,-6 0 0,-1-1 0,10 1 0,-4 0 0,-1 0 0,5 0 0,-10 0 0,1-1 849,8 2 1,-3-1-1,1 1-849,3 0 0,1 0 0,1 1 0,-8 0 0,-1 0 466,1 0 0,-5 0 0,3 1-466,8 0 0,2 0 0,1 1 0,-17 1 0,2 1 0,4 0 0,4 1 0,-12 3 2132,0-4-2132,1-1 798,6-3-798,9 2 0,-6 0 0,16-1 0,-6 3 0,18-3 0,8 5 0,4 1 0,5 5 0,0 9 0,5 1 0,-1 7 0,2 8 0,-2 6 0,1 3 0,0 4 0,1-10 0,0 1-318,1 16 1,2-1 317,0-15 0,0-1 0,3 14 0,0 1 0,-3-15 0,0 0 0,1 10 0,-1-1 0,-3-13 0,-1-3 0,1 11 0,2 6 0,1-30 0,0-2 0,1-3 635,1-4-635,10 13 0,-2-3 0,10 13 0,-10-13 0,4 5 0,-10-17 0,-2-3 0,-7-5 0</inkml:trace>
-  <inkml:trace contextRef="#ctx0" brushRef="#br0" timeOffset="234303">17864 16290 24575,'0'34'0,"1"0"0,-1 14 0,0 7 0,0-10 0,1 5 0,-1 1 0,1-4 0,0-3 0,0-2 0,0 1 0,0 12 0,-1 3 0,1-13 0,-2-4 0,-3-4 0,-5-7 0,4-18 0,-3-3 0,6-11 0,-1-7 0</inkml:trace>
-  <inkml:trace contextRef="#ctx0" brushRef="#br0" timeOffset="235139">17866 16804 24575,'17'-19'0,"-2"4"0,23-16 0,5 1 0,-12 9 0,1 0 0,-6 4 0,0 1 0,5-2 0,0 2 0,5 1 0,-1 2 0,-9 8 0,-10 2 0,-4 2 0,-3 0 0,-4 1 0,0-2 0,-5 6 0,2-4 0,-5 4 0</inkml:trace>
-  <inkml:trace contextRef="#ctx0" brushRef="#br0" timeOffset="235953">17905 16770 24575,'15'24'0,"5"-1"0,6-5 0,3 0 0,10 3 0,14 4 0,-30-18 0,-9-4 0,-4 0 0,4 1 0,-2 0 0,5 2 0,2 1 0,-8-2 0,10 8 0,-11-5 0,3 3 0,-8-8 0,-3-2 0</inkml:trace>
-  <inkml:trace contextRef="#ctx0" brushRef="#br0" timeOffset="239705">18733 16630 24575,'-53'-4'0,"16"1"0,4 4 0,21 2 0,1 4 0,0 6 0,0 1 0,-17 10 0,11-11 0,-7 4 0,14-7 0,5-3 0,2 5 0,3-3 0,6 8 0,12 1 0,6 0 0,3 0 0,18 11 0,-7-7 0,0 2 0,-12-3 0,-3 0 0,12 9 0,-16-1 0,-28-19 0,-6-2 0,-4 4 0,-8 1 0,7-2 0,-5 1 0,-2 1 0,8-4 0,-6 5 0,22-13 0,22-6 0,10-4 0,6-1 0,5-1 0,4 0 0,1-3 0,1-4 0,-1-4 0,1-3 0,-4-4 0,-13 0 0,-5-2 0,-6 5 0,-3 0 0,-1-8 0,-3 0 0,-3-5 0,-2 6 0,-2 0 0,1 0 0,2-27 0,-2 27 0,-4 1 0,0 1 0,1-2 0,0-9 0,-1 16 0,1 10 0,-2 1 0,0 21 0,-2 5 0,-1 16 0,-3 8 0,0 11 0,3-15 0,1 3 0,1 17 0,1 3 0,-1-2 0,0 0 0,1-1 0,0 0 0,-2-8 0,2-3 0,1 16 0,2-12 0,2-11 0,1-25 0,-2-4 0,1-4 0,0-1 0,0-1 0,0-3 0,-2-1 0,0-12 0,-3 5 0,-3-12 0,-1 11 0,-3-4 0,-8-6 0,1 4 0,-20-15 0,14 16 0,-6-1 0,11 9 0,-1 0 0,-1-2 0,-9-4 0,12 5 0,-3-1 0,12 9 0,2 0 0,0 2 0,-2-4 0,-1 1 0,0 0 0,6 2 0,45 2 0,-3 0 0,13 0 0,4 0 0,-22 0 0,-1 0 0,15 0 0,-2 0 0,-14 0 0,-2 1 0,-2-2 0,0 1 0,7-2 0,-2 0 0,-1-1 0,9-2 0,-41 2 0,-2 3 0,-7 2 0,-9 7 0,-22 13 0,4-2 0,-15 8 0,16-6 0,-1 8 0,12-4 0,-2 5 0,13-1 0,5-11 0,5 6 0,6-18 0,3-1 0,3-4 0,3 0 0,9-1 0,24-1 0,-11-1 0,12-3 0,-30-1 0,-8-2 0,-7-8 0,-4-2 0,0-3 0,-2 3 0,0 2 0,0 5 0,0-5 0,-2 6 0,-1-1 0,1 3 0,0 3 0,6 13 0,3 4 0,8 13 0,0-5 0,11 11 0,-7-11 0,5 3 0,-5-8 0,-8-8 0,-2-4 0,-6-5 0,-2-7 0,1 6 0,-1-4 0</inkml:trace>
-  <inkml:trace contextRef="#ctx0" brushRef="#br0" timeOffset="240720">19784 16409 24575,'4'35'0,"-3"-2"0,-1-2 0,1 2 0,-2 20 0,-1 6 0,3-26 0,0 0 0,-1 16 0,1 3 0,-3-10 0,1-3 0,0-2 0,6 4 0,5-15 0,15 16 0,-3-20 0,6 3 0,-5-18 0,-12-3 0,3-4 0,-11-2 0,0-1 0,1-3 0,-1-1 0,-2-2 0,1-1 0,-2 0 0,-2-7 0,2 9 0,-3-4 0</inkml:trace>
-  <inkml:trace contextRef="#ctx0" brushRef="#br0" timeOffset="241439">19642 16788 24575,'27'-2'0,"-3"1"0,20-1 0,-1 2 0,9-1 0,-15 1 0,2-1 0,-1 0 0,-1 0 0,-2 0 0,-2 0 0,12-2 0,-30 2 0,-8 0 0,-6 1 0</inkml:trace>
-  <inkml:trace contextRef="#ctx0" brushRef="#br0" timeOffset="242404">20747 16910 24575,'11'-3'0,"14"0"0,5 1 0,3 1 0,1 0 0,10-1 0,-12-2 0,-3 0 0,-10 0 0,-3-1 0,-12 6 0,-2-1 0,2 2 0</inkml:trace>
-  <inkml:trace contextRef="#ctx0" brushRef="#br0" timeOffset="243838">21554 16918 24575,'-7'-32'0,"0"6"0,5 18 0,-4 3 0,-15-2 0,4 3 0,-22-4 0,20 6 0,-9-1 0,12 3 0,1 2 0,2 0 0,-10 10 0,5 1 0,-17 26 0,14-6 0,-6 12 0,14-11 0,2-4 0,8 29 0,14-23 0,4 10 0,14-35 0,22-22 0,-19-1 0,1-1 0,1-1 0,2-4 0,10-14 0,-4-4 0,-19 9 0,-4-3 0,1-6 0,-1-6 0,-5 3 0,-4 2 0,-4 1 0,1-22 0,-2 1 0,-3-1 0,-5 9 0,-2 1 0,1 1 0,-1 13 0,0 3 0,2 13 0,3 5 0,0 23 0,0 14 0,0 24 0,2 6 0,-1 1 0,6 0 0,-3-26 0,2 2 0,6 14 0,2 0 0,-5-13 0,1-1 0,3 8 0,0-3 0,3 1 0,-5-11 0,4 3 0,8 2 0,2-9 0,-1 1 0,-8-14 0,-10-8 0,-2-1 0,0-1 0,-2 0 0,-1 0 0</inkml:trace>
-  <inkml:trace contextRef="#ctx0" brushRef="#br0" timeOffset="244788">22764 16432 24575,'1'27'0,"-1"9"0,1 16 0,-3-19 0,0 0 0,0 2 0,-1 1 0,0 5 0,-1 2 0,2-2 0,0 5 0,2 9 0,0 6 0,0-3 0,0-16 0,0-3 0,1 2 0,-1 10 0,1 2 0,0-6 0,-1-6 0,1-9 0,-1-7 0,1-5 0,-1-17 0,3-5 0,5-1 0,-4 0 0,2 0 0</inkml:trace>
-  <inkml:trace contextRef="#ctx0" brushRef="#br0" timeOffset="246538">17729 17800 24575,'42'0'0,"1"0"0,0 0 0,1 1 0,2 1 0,9 0 0,-10 0 0,6 1 0,6 0 0,3 1 0,4 0 0,1 0 0,0 0 0,-1 0 0,-3-1-984,-7 1 1,1-1 0,-1 1 0,1-1 0,-1 1 0,1 0 0,0-1 0,1 1 0,1 0 0,0 0 858,-4-1 1,1 0 0,1 1 0,0-1 0,0 1 0,1 0 0,0-1 0,0 1-1,0-1 1,1 0 0,-1 1 0,0-1 124,2 0 0,2 1 0,0-1 0,1 0 0,0 0 0,0 0 0,-1 1 0,-1-1 0,-2 0 0,0-1 0,-3 1 0,-3 0-24,12 0 1,-4 0-1,-3 0 1,-2 0-1,1 0 1,2 0-1,4 0 24,-7 0 0,4-1 0,2 1 0,1 0 0,1-1 0,-1 1 0,-1 0 0,-2 0 0,-3-1 0,-4 1 0,5 0 0,-4 0 0,-3 0 0,0 0 0,0 0 0,3 0 0,2 0 0,4 0 0,0 1 0,1-1 0,-3 1 0,-3-1 0,-7 0 0,14 0 0,-8 1 0,0-1 0,9 0 0,0 1 0,-6-2 862,-8-1 1,-4-2-863,-1 1 0,0-1 0,11-2 0,-1 0 0,-18 2 0,2 0 0,6-1 0,5-1 0,-6 0 0,-10 2 0,-1-1 0,22-3 0,0 1 0,-20 1 0,-2 1 0,1-1 0,-1 0 0,26 1 5310,-4-2-5310,-23 2 960,-4 0 0,-23 2 0,-1 0 1</inkml:trace>
-</inkml:ink>
 </file>
 
 <file path=ppt/notesMasters/notesMaster1.xml><?xml version="1.0" encoding="utf-8"?>
@@ -9160,106 +9083,113 @@
               <a:t>asm</a:t>
             </a:r>
             <a:r>
+              <a:rPr lang="en-US" dirty="0">
+                <a:latin typeface="Courier"/>
+                <a:cs typeface="Courier"/>
+              </a:rPr>
+              <a:t>=cmnHF4.contigs.fasta</a:t>
+            </a:r>
+          </a:p>
+          <a:p>
+            <a:pPr marL="0" indent="0">
+              <a:buNone/>
+            </a:pPr>
+            <a:r>
+              <a:rPr lang="en-US" dirty="0">
+                <a:latin typeface="Courier"/>
+                <a:cs typeface="Courier"/>
+              </a:rPr>
+              <a:t>module load Java</a:t>
+            </a:r>
+          </a:p>
+          <a:p>
+            <a:pPr marL="0" indent="0">
+              <a:buNone/>
+            </a:pPr>
+            <a:r>
+              <a:rPr lang="en-US" dirty="0">
+                <a:latin typeface="Courier"/>
+                <a:cs typeface="Courier"/>
+              </a:rPr>
+              <a:t>java </a:t>
+            </a:r>
+            <a:r>
+              <a:rPr lang="en-US" sz="2000" dirty="0">
+                <a:latin typeface="Courier"/>
+                <a:cs typeface="Courier"/>
+              </a:rPr>
+              <a:t>-jar /homes/liu3zhen/software/pilon/pilon-1.23.jar</a:t>
+            </a:r>
+            <a:r>
+              <a:rPr lang="en-US" dirty="0">
+                <a:latin typeface="Courier"/>
+                <a:cs typeface="Courier"/>
+              </a:rPr>
+              <a:t> \</a:t>
+            </a:r>
+          </a:p>
+          <a:p>
+            <a:pPr marL="0" indent="0">
+              <a:buNone/>
+            </a:pPr>
+            <a:r>
+              <a:rPr lang="en-US" dirty="0">
+                <a:latin typeface="Courier"/>
+                <a:cs typeface="Courier"/>
+              </a:rPr>
+              <a:t>  --genome $</a:t>
+            </a:r>
+            <a:r>
+              <a:rPr lang="en-US" dirty="0" err="1">
+                <a:latin typeface="Courier"/>
+                <a:cs typeface="Courier"/>
+              </a:rPr>
+              <a:t>asm</a:t>
+            </a:r>
+            <a:r>
+              <a:rPr lang="en-US" dirty="0">
+                <a:latin typeface="Courier"/>
+                <a:cs typeface="Courier"/>
+              </a:rPr>
+              <a:t> \</a:t>
+            </a:r>
+          </a:p>
+          <a:p>
+            <a:pPr marL="0" indent="0">
+              <a:buNone/>
+            </a:pPr>
+            <a:r>
+              <a:rPr lang="en-US" dirty="0">
+                <a:latin typeface="Courier"/>
+                <a:cs typeface="Courier"/>
+              </a:rPr>
+              <a:t>  --frags HF4aln.sort.bam \</a:t>
+            </a:r>
+          </a:p>
+          <a:p>
+            <a:pPr marL="0" indent="0">
+              <a:buNone/>
+            </a:pPr>
+            <a:r>
+              <a:rPr lang="en-US" dirty="0">
+                <a:latin typeface="Courier"/>
+                <a:cs typeface="Courier"/>
+              </a:rPr>
+              <a:t>  --</a:t>
+            </a:r>
+            <a:r>
               <a:rPr lang="en-US">
                 <a:latin typeface="Courier"/>
                 <a:cs typeface="Courier"/>
               </a:rPr>
-              <a:t>=cmnHF4</a:t>
+              <a:t>output HF4polished_1 </a:t>
             </a:r>
             <a:r>
               <a:rPr lang="en-US" dirty="0">
                 <a:latin typeface="Courier"/>
                 <a:cs typeface="Courier"/>
               </a:rPr>
-              <a:t>.contigs.fasta</a:t>
-            </a:r>
-          </a:p>
-          <a:p>
-            <a:pPr marL="0" indent="0">
-              <a:buNone/>
-            </a:pPr>
-            <a:r>
-              <a:rPr lang="en-US" dirty="0">
-                <a:latin typeface="Courier"/>
-                <a:cs typeface="Courier"/>
-              </a:rPr>
-              <a:t>module load Java</a:t>
-            </a:r>
-          </a:p>
-          <a:p>
-            <a:pPr marL="0" indent="0">
-              <a:buNone/>
-            </a:pPr>
-            <a:r>
-              <a:rPr lang="en-US" dirty="0">
-                <a:latin typeface="Courier"/>
-                <a:cs typeface="Courier"/>
-              </a:rPr>
-              <a:t>java </a:t>
-            </a:r>
-            <a:r>
-              <a:rPr lang="en-US" sz="2000" dirty="0">
-                <a:latin typeface="Courier"/>
-                <a:cs typeface="Courier"/>
-              </a:rPr>
-              <a:t>-jar /homes/liu3zhen/software/pilon/pilon-1.23.jar</a:t>
-            </a:r>
-            <a:r>
-              <a:rPr lang="en-US" dirty="0">
-                <a:latin typeface="Courier"/>
-                <a:cs typeface="Courier"/>
-              </a:rPr>
-              <a:t> \</a:t>
-            </a:r>
-          </a:p>
-          <a:p>
-            <a:pPr marL="0" indent="0">
-              <a:buNone/>
-            </a:pPr>
-            <a:r>
-              <a:rPr lang="en-US" dirty="0">
-                <a:latin typeface="Courier"/>
-                <a:cs typeface="Courier"/>
-              </a:rPr>
-              <a:t>  --genome $</a:t>
-            </a:r>
-            <a:r>
-              <a:rPr lang="en-US" dirty="0" err="1">
-                <a:latin typeface="Courier"/>
-                <a:cs typeface="Courier"/>
-              </a:rPr>
-              <a:t>asm</a:t>
-            </a:r>
-            <a:r>
-              <a:rPr lang="en-US" dirty="0">
-                <a:latin typeface="Courier"/>
-                <a:cs typeface="Courier"/>
-              </a:rPr>
-              <a:t> \</a:t>
-            </a:r>
-          </a:p>
-          <a:p>
-            <a:pPr marL="0" indent="0">
-              <a:buNone/>
-            </a:pPr>
-            <a:r>
-              <a:rPr lang="en-US" dirty="0">
-                <a:latin typeface="Courier"/>
-                <a:cs typeface="Courier"/>
-              </a:rPr>
-              <a:t>  --frags HF4aln.sort.bam \</a:t>
-            </a:r>
-          </a:p>
-          <a:p>
-            <a:pPr marL="0" indent="0">
-              <a:buNone/>
-            </a:pPr>
-            <a:r>
-              <a:rPr lang="en-US" dirty="0">
-                <a:latin typeface="Courier"/>
-                <a:cs typeface="Courier"/>
-              </a:rPr>
-              <a:t>  --output HF4polished \</a:t>
+              <a:t>\</a:t>
             </a:r>
           </a:p>
           <a:p>
@@ -9511,7 +9441,7 @@
                 <a:latin typeface="Courier"/>
                 <a:cs typeface="Courier"/>
               </a:rPr>
-              <a:t>  --output HF4polished \</a:t>
+              <a:t>  --output HF4polished_2 \</a:t>
             </a:r>
           </a:p>
           <a:p>
@@ -13784,57 +13714,6 @@
           </a:p>
         </p:txBody>
       </p:sp>
-      <mc:AlternateContent xmlns:mc="http://schemas.openxmlformats.org/markup-compatibility/2006">
-        <mc:Choice xmlns:p14="http://schemas.microsoft.com/office/powerpoint/2010/main" Requires="p14">
-          <p:contentPart p14:bwMode="auto" r:id="rId3">
-            <p14:nvContentPartPr>
-              <p14:cNvPr id="3" name="Ink 2">
-                <a:extLst>
-                  <a:ext uri="{FF2B5EF4-FFF2-40B4-BE49-F238E27FC236}">
-                    <a16:creationId xmlns:a16="http://schemas.microsoft.com/office/drawing/2014/main" id="{3C647FCE-379D-BF41-B25A-BB8C3CC3E5D9}"/>
-                  </a:ext>
-                </a:extLst>
-              </p14:cNvPr>
-              <p14:cNvContentPartPr/>
-              <p14:nvPr/>
-            </p14:nvContentPartPr>
-            <p14:xfrm>
-              <a:off x="0" y="1236529"/>
-              <a:ext cx="8890200" cy="5250600"/>
-            </p14:xfrm>
-          </p:contentPart>
-        </mc:Choice>
-        <mc:Fallback>
-          <p:pic>
-            <p:nvPicPr>
-              <p:cNvPr id="3" name="Ink 2">
-                <a:extLst>
-                  <a:ext uri="{FF2B5EF4-FFF2-40B4-BE49-F238E27FC236}">
-                    <a16:creationId xmlns:a16="http://schemas.microsoft.com/office/drawing/2014/main" id="{3C647FCE-379D-BF41-B25A-BB8C3CC3E5D9}"/>
-                  </a:ext>
-                </a:extLst>
-              </p:cNvPr>
-              <p:cNvPicPr/>
-              <p:nvPr/>
-            </p:nvPicPr>
-            <p:blipFill>
-              <a:blip r:embed="rId4"/>
-              <a:stretch>
-                <a:fillRect/>
-              </a:stretch>
-            </p:blipFill>
-            <p:spPr>
-              <a:xfrm>
-                <a:off x="-9360" y="1227169"/>
-                <a:ext cx="8908920" cy="5269320"/>
-              </a:xfrm>
-              <a:prstGeom prst="rect">
-                <a:avLst/>
-              </a:prstGeom>
-            </p:spPr>
-          </p:pic>
-        </mc:Fallback>
-      </mc:AlternateContent>
     </p:spTree>
     <p:extLst>
       <p:ext uri="{BB962C8B-B14F-4D97-AF65-F5344CB8AC3E}">

--- a/PLPTH813Bioinformatis/2021/labs/lab10_assembly.pptx
+++ b/PLPTH813Bioinformatis/2021/labs/lab10_assembly.pptx
@@ -9175,21 +9175,7 @@
                 <a:latin typeface="Courier"/>
                 <a:cs typeface="Courier"/>
               </a:rPr>
-              <a:t>  --</a:t>
-            </a:r>
-            <a:r>
-              <a:rPr lang="en-US">
-                <a:latin typeface="Courier"/>
-                <a:cs typeface="Courier"/>
-              </a:rPr>
-              <a:t>output HF4polished_1 </a:t>
-            </a:r>
-            <a:r>
-              <a:rPr lang="en-US" dirty="0">
-                <a:latin typeface="Courier"/>
-                <a:cs typeface="Courier"/>
-              </a:rPr>
-              <a:t>\</a:t>
+              <a:t>  --output HF4polished_1 \</a:t>
             </a:r>
           </a:p>
           <a:p>
